--- a/datasets/random_forest/trees_forest.pptx
+++ b/datasets/random_forest/trees_forest.pptx
@@ -5,20 +5,21 @@
     <p:sldMasterId id="2147483648" r:id="rId1"/>
   </p:sldMasterIdLst>
   <p:notesMasterIdLst>
-    <p:notesMasterId r:id="rId13"/>
+    <p:notesMasterId r:id="rId14"/>
   </p:notesMasterIdLst>
   <p:sldIdLst>
     <p:sldId id="268" r:id="rId2"/>
     <p:sldId id="269" r:id="rId3"/>
-    <p:sldId id="257" r:id="rId4"/>
-    <p:sldId id="261" r:id="rId5"/>
-    <p:sldId id="265" r:id="rId6"/>
-    <p:sldId id="262" r:id="rId7"/>
-    <p:sldId id="267" r:id="rId8"/>
-    <p:sldId id="266" r:id="rId9"/>
-    <p:sldId id="264" r:id="rId10"/>
-    <p:sldId id="270" r:id="rId11"/>
-    <p:sldId id="263" r:id="rId12"/>
+    <p:sldId id="270" r:id="rId4"/>
+    <p:sldId id="271" r:id="rId5"/>
+    <p:sldId id="257" r:id="rId6"/>
+    <p:sldId id="261" r:id="rId7"/>
+    <p:sldId id="265" r:id="rId8"/>
+    <p:sldId id="262" r:id="rId9"/>
+    <p:sldId id="267" r:id="rId10"/>
+    <p:sldId id="266" r:id="rId11"/>
+    <p:sldId id="264" r:id="rId12"/>
+    <p:sldId id="263" r:id="rId13"/>
   </p:sldIdLst>
   <p:sldSz cx="12192000" cy="6858000"/>
   <p:notesSz cx="6858000" cy="9144000"/>
@@ -207,7 +208,7 @@
           <a:p>
             <a:fld id="{AF893291-45D8-D541-935E-8339902000C7}" type="datetimeFigureOut">
               <a:rPr lang="en-US" smtClean="0"/>
-              <a:t>6/19/20</a:t>
+              <a:t>6/27/20</a:t>
             </a:fld>
             <a:endParaRPr lang="en-US"/>
           </a:p>
@@ -605,10 +606,10 @@
           <a:bodyPr/>
           <a:lstStyle/>
           <a:p>
-            <a:endParaRPr lang="en-US" dirty="0"/>
-          </a:p>
-          <a:p>
-            <a:endParaRPr lang="en-US" dirty="0"/>
+            <a:r>
+              <a:rPr lang="en-US" dirty="0"/>
+              <a:t>MAE</a:t>
+            </a:r>
           </a:p>
         </p:txBody>
       </p:sp>
@@ -629,7 +630,7 @@
           <a:p>
             <a:fld id="{3E62EEC7-A735-B840-8CE1-B0CFD11D3FAF}" type="slidenum">
               <a:rPr lang="en-US" smtClean="0"/>
-              <a:t>10</a:t>
+              <a:t>11</a:t>
             </a:fld>
             <a:endParaRPr lang="en-US"/>
           </a:p>
@@ -638,7 +639,7 @@
     </p:spTree>
     <p:extLst>
       <p:ext uri="{BB962C8B-B14F-4D97-AF65-F5344CB8AC3E}">
-        <p14:creationId xmlns:p14="http://schemas.microsoft.com/office/powerpoint/2010/main" val="3932517036"/>
+        <p14:creationId xmlns:p14="http://schemas.microsoft.com/office/powerpoint/2010/main" val="4010622144"/>
       </p:ext>
     </p:extLst>
   </p:cSld>
@@ -776,10 +777,10 @@
           <a:bodyPr/>
           <a:lstStyle/>
           <a:p>
-            <a:r>
-              <a:rPr lang="en-US" dirty="0"/>
-              <a:t>Training set</a:t>
-            </a:r>
+            <a:endParaRPr lang="en-US" dirty="0"/>
+          </a:p>
+          <a:p>
+            <a:endParaRPr lang="en-US" dirty="0"/>
           </a:p>
         </p:txBody>
       </p:sp>
@@ -809,7 +810,7 @@
     </p:spTree>
     <p:extLst>
       <p:ext uri="{BB962C8B-B14F-4D97-AF65-F5344CB8AC3E}">
-        <p14:creationId xmlns:p14="http://schemas.microsoft.com/office/powerpoint/2010/main" val="3651221120"/>
+        <p14:creationId xmlns:p14="http://schemas.microsoft.com/office/powerpoint/2010/main" val="3932517036"/>
       </p:ext>
     </p:extLst>
   </p:cSld>
@@ -863,93 +864,10 @@
           <a:bodyPr/>
           <a:lstStyle/>
           <a:p>
-            <a:pPr marL="0" marR="0" lvl="0" indent="0" algn="l" defTabSz="914400" rtl="0" eaLnBrk="1" fontAlgn="auto" latinLnBrk="0" hangingPunct="1">
-              <a:lnSpc>
-                <a:spcPct val="100000"/>
-              </a:lnSpc>
-              <a:spcBef>
-                <a:spcPts val="0"/>
-              </a:spcBef>
-              <a:spcAft>
-                <a:spcPts val="0"/>
-              </a:spcAft>
-              <a:buClrTx/>
-              <a:buSzTx/>
-              <a:buFontTx/>
-              <a:buNone/>
-              <a:tabLst/>
-              <a:defRPr/>
-            </a:pPr>
             <a:r>
               <a:rPr lang="en-US" dirty="0"/>
-              <a:t>Precision or the positive predictive value is the percentage of all positive</a:t>
+              <a:t>Training set</a:t>
             </a:r>
-            <a:r>
-              <a:rPr lang="en-US" i="1" dirty="0"/>
-              <a:t>ly</a:t>
-            </a:r>
-            <a:r>
-              <a:rPr lang="en-US" dirty="0"/>
-              <a:t> predicted samples that are in fact positive. </a:t>
-            </a:r>
-          </a:p>
-          <a:p>
-            <a:pPr marL="0" marR="0" lvl="0" indent="0" algn="l" defTabSz="914400" rtl="0" eaLnBrk="1" fontAlgn="auto" latinLnBrk="0" hangingPunct="1">
-              <a:lnSpc>
-                <a:spcPct val="100000"/>
-              </a:lnSpc>
-              <a:spcBef>
-                <a:spcPts val="0"/>
-              </a:spcBef>
-              <a:spcAft>
-                <a:spcPts val="0"/>
-              </a:spcAft>
-              <a:buClrTx/>
-              <a:buSzTx/>
-              <a:buFontTx/>
-              <a:buNone/>
-              <a:tabLst/>
-              <a:defRPr/>
-            </a:pPr>
-            <a:endParaRPr lang="en-US" dirty="0"/>
-          </a:p>
-          <a:p>
-            <a:pPr marL="0" marR="0" lvl="0" indent="0" algn="l" defTabSz="914400" rtl="0" eaLnBrk="1" fontAlgn="auto" latinLnBrk="0" hangingPunct="1">
-              <a:lnSpc>
-                <a:spcPct val="100000"/>
-              </a:lnSpc>
-              <a:spcBef>
-                <a:spcPts val="0"/>
-              </a:spcBef>
-              <a:spcAft>
-                <a:spcPts val="0"/>
-              </a:spcAft>
-              <a:buClrTx/>
-              <a:buSzTx/>
-              <a:buFontTx/>
-              <a:buNone/>
-              <a:tabLst/>
-              <a:defRPr/>
-            </a:pPr>
-            <a:r>
-              <a:rPr lang="en-US" dirty="0"/>
-              <a:t>Sensitivity or recall is the percentage of positive cases that was correctly classified as positive cases (In medicine, how many patients that have a specific disease will be detected with the model)</a:t>
-            </a:r>
-          </a:p>
-          <a:p>
-            <a:endParaRPr lang="en-US" dirty="0"/>
-          </a:p>
-          <a:p>
-            <a:r>
-              <a:rPr lang="en-US" dirty="0"/>
-              <a:t>Specificity is the percentage of negative cases that are correctly classified as negative cases. (In medicine, the percentage of healthy patient that are detected as healthy by the model. </a:t>
-            </a:r>
-          </a:p>
-          <a:p>
-            <a:endParaRPr lang="en-US" dirty="0"/>
-          </a:p>
-          <a:p>
-            <a:endParaRPr lang="en-US" dirty="0"/>
           </a:p>
         </p:txBody>
       </p:sp>
@@ -970,7 +888,7 @@
           <a:p>
             <a:fld id="{3E62EEC7-A735-B840-8CE1-B0CFD11D3FAF}" type="slidenum">
               <a:rPr lang="en-US" smtClean="0"/>
-              <a:t>4</a:t>
+              <a:t>5</a:t>
             </a:fld>
             <a:endParaRPr lang="en-US"/>
           </a:p>
@@ -979,7 +897,7 @@
     </p:spTree>
     <p:extLst>
       <p:ext uri="{BB962C8B-B14F-4D97-AF65-F5344CB8AC3E}">
-        <p14:creationId xmlns:p14="http://schemas.microsoft.com/office/powerpoint/2010/main" val="3702105574"/>
+        <p14:creationId xmlns:p14="http://schemas.microsoft.com/office/powerpoint/2010/main" val="3651221120"/>
       </p:ext>
     </p:extLst>
   </p:cSld>
@@ -1140,7 +1058,7 @@
           <a:p>
             <a:fld id="{3E62EEC7-A735-B840-8CE1-B0CFD11D3FAF}" type="slidenum">
               <a:rPr lang="en-US" smtClean="0"/>
-              <a:t>5</a:t>
+              <a:t>6</a:t>
             </a:fld>
             <a:endParaRPr lang="en-US"/>
           </a:p>
@@ -1149,7 +1067,7 @@
     </p:spTree>
     <p:extLst>
       <p:ext uri="{BB962C8B-B14F-4D97-AF65-F5344CB8AC3E}">
-        <p14:creationId xmlns:p14="http://schemas.microsoft.com/office/powerpoint/2010/main" val="326417046"/>
+        <p14:creationId xmlns:p14="http://schemas.microsoft.com/office/powerpoint/2010/main" val="3702105574"/>
       </p:ext>
     </p:extLst>
   </p:cSld>
@@ -1203,10 +1121,93 @@
           <a:bodyPr/>
           <a:lstStyle/>
           <a:p>
+            <a:pPr marL="0" marR="0" lvl="0" indent="0" algn="l" defTabSz="914400" rtl="0" eaLnBrk="1" fontAlgn="auto" latinLnBrk="0" hangingPunct="1">
+              <a:lnSpc>
+                <a:spcPct val="100000"/>
+              </a:lnSpc>
+              <a:spcBef>
+                <a:spcPts val="0"/>
+              </a:spcBef>
+              <a:spcAft>
+                <a:spcPts val="0"/>
+              </a:spcAft>
+              <a:buClrTx/>
+              <a:buSzTx/>
+              <a:buFontTx/>
+              <a:buNone/>
+              <a:tabLst/>
+              <a:defRPr/>
+            </a:pPr>
             <a:r>
               <a:rPr lang="en-US" dirty="0"/>
-              <a:t>MAE</a:t>
+              <a:t>Precision or the positive predictive value is the percentage of all positive</a:t>
             </a:r>
+            <a:r>
+              <a:rPr lang="en-US" i="1" dirty="0"/>
+              <a:t>ly</a:t>
+            </a:r>
+            <a:r>
+              <a:rPr lang="en-US" dirty="0"/>
+              <a:t> predicted samples that are in fact positive. </a:t>
+            </a:r>
+          </a:p>
+          <a:p>
+            <a:pPr marL="0" marR="0" lvl="0" indent="0" algn="l" defTabSz="914400" rtl="0" eaLnBrk="1" fontAlgn="auto" latinLnBrk="0" hangingPunct="1">
+              <a:lnSpc>
+                <a:spcPct val="100000"/>
+              </a:lnSpc>
+              <a:spcBef>
+                <a:spcPts val="0"/>
+              </a:spcBef>
+              <a:spcAft>
+                <a:spcPts val="0"/>
+              </a:spcAft>
+              <a:buClrTx/>
+              <a:buSzTx/>
+              <a:buFontTx/>
+              <a:buNone/>
+              <a:tabLst/>
+              <a:defRPr/>
+            </a:pPr>
+            <a:endParaRPr lang="en-US" dirty="0"/>
+          </a:p>
+          <a:p>
+            <a:pPr marL="0" marR="0" lvl="0" indent="0" algn="l" defTabSz="914400" rtl="0" eaLnBrk="1" fontAlgn="auto" latinLnBrk="0" hangingPunct="1">
+              <a:lnSpc>
+                <a:spcPct val="100000"/>
+              </a:lnSpc>
+              <a:spcBef>
+                <a:spcPts val="0"/>
+              </a:spcBef>
+              <a:spcAft>
+                <a:spcPts val="0"/>
+              </a:spcAft>
+              <a:buClrTx/>
+              <a:buSzTx/>
+              <a:buFontTx/>
+              <a:buNone/>
+              <a:tabLst/>
+              <a:defRPr/>
+            </a:pPr>
+            <a:r>
+              <a:rPr lang="en-US" dirty="0"/>
+              <a:t>Sensitivity or recall is the percentage of positive cases that was correctly classified as positive cases (In medicine, how many patients that have a specific disease will be detected with the model)</a:t>
+            </a:r>
+          </a:p>
+          <a:p>
+            <a:endParaRPr lang="en-US" dirty="0"/>
+          </a:p>
+          <a:p>
+            <a:r>
+              <a:rPr lang="en-US" dirty="0"/>
+              <a:t>Specificity is the percentage of negative cases that are correctly classified as negative cases. (In medicine, the percentage of healthy patient that are detected as healthy by the model. </a:t>
+            </a:r>
+          </a:p>
+          <a:p>
+            <a:endParaRPr lang="en-US" dirty="0"/>
+          </a:p>
+          <a:p>
+            <a:endParaRPr lang="en-US" dirty="0"/>
           </a:p>
         </p:txBody>
       </p:sp>
@@ -1227,7 +1228,7 @@
           <a:p>
             <a:fld id="{3E62EEC7-A735-B840-8CE1-B0CFD11D3FAF}" type="slidenum">
               <a:rPr lang="en-US" smtClean="0"/>
-              <a:t>6</a:t>
+              <a:t>7</a:t>
             </a:fld>
             <a:endParaRPr lang="en-US"/>
           </a:p>
@@ -1236,7 +1237,7 @@
     </p:spTree>
     <p:extLst>
       <p:ext uri="{BB962C8B-B14F-4D97-AF65-F5344CB8AC3E}">
-        <p14:creationId xmlns:p14="http://schemas.microsoft.com/office/powerpoint/2010/main" val="2805014889"/>
+        <p14:creationId xmlns:p14="http://schemas.microsoft.com/office/powerpoint/2010/main" val="326417046"/>
       </p:ext>
     </p:extLst>
   </p:cSld>
@@ -1314,7 +1315,7 @@
           <a:p>
             <a:fld id="{3E62EEC7-A735-B840-8CE1-B0CFD11D3FAF}" type="slidenum">
               <a:rPr lang="en-US" smtClean="0"/>
-              <a:t>7</a:t>
+              <a:t>8</a:t>
             </a:fld>
             <a:endParaRPr lang="en-US"/>
           </a:p>
@@ -1323,7 +1324,7 @@
     </p:spTree>
     <p:extLst>
       <p:ext uri="{BB962C8B-B14F-4D97-AF65-F5344CB8AC3E}">
-        <p14:creationId xmlns:p14="http://schemas.microsoft.com/office/powerpoint/2010/main" val="1263829370"/>
+        <p14:creationId xmlns:p14="http://schemas.microsoft.com/office/powerpoint/2010/main" val="2805014889"/>
       </p:ext>
     </p:extLst>
   </p:cSld>
@@ -1401,7 +1402,7 @@
           <a:p>
             <a:fld id="{3E62EEC7-A735-B840-8CE1-B0CFD11D3FAF}" type="slidenum">
               <a:rPr lang="en-US" smtClean="0"/>
-              <a:t>8</a:t>
+              <a:t>9</a:t>
             </a:fld>
             <a:endParaRPr lang="en-US"/>
           </a:p>
@@ -1410,7 +1411,7 @@
     </p:spTree>
     <p:extLst>
       <p:ext uri="{BB962C8B-B14F-4D97-AF65-F5344CB8AC3E}">
-        <p14:creationId xmlns:p14="http://schemas.microsoft.com/office/powerpoint/2010/main" val="2744062912"/>
+        <p14:creationId xmlns:p14="http://schemas.microsoft.com/office/powerpoint/2010/main" val="1263829370"/>
       </p:ext>
     </p:extLst>
   </p:cSld>
@@ -1488,7 +1489,7 @@
           <a:p>
             <a:fld id="{3E62EEC7-A735-B840-8CE1-B0CFD11D3FAF}" type="slidenum">
               <a:rPr lang="en-US" smtClean="0"/>
-              <a:t>9</a:t>
+              <a:t>10</a:t>
             </a:fld>
             <a:endParaRPr lang="en-US"/>
           </a:p>
@@ -1497,7 +1498,7 @@
     </p:spTree>
     <p:extLst>
       <p:ext uri="{BB962C8B-B14F-4D97-AF65-F5344CB8AC3E}">
-        <p14:creationId xmlns:p14="http://schemas.microsoft.com/office/powerpoint/2010/main" val="4010622144"/>
+        <p14:creationId xmlns:p14="http://schemas.microsoft.com/office/powerpoint/2010/main" val="2744062912"/>
       </p:ext>
     </p:extLst>
   </p:cSld>
@@ -1654,7 +1655,7 @@
           <a:p>
             <a:fld id="{7A2D6D92-7A1D-5044-8041-347960C529AC}" type="datetimeFigureOut">
               <a:rPr lang="en-US" smtClean="0"/>
-              <a:t>6/19/20</a:t>
+              <a:t>6/27/20</a:t>
             </a:fld>
             <a:endParaRPr lang="en-US"/>
           </a:p>
@@ -1852,7 +1853,7 @@
           <a:p>
             <a:fld id="{7A2D6D92-7A1D-5044-8041-347960C529AC}" type="datetimeFigureOut">
               <a:rPr lang="en-US" smtClean="0"/>
-              <a:t>6/19/20</a:t>
+              <a:t>6/27/20</a:t>
             </a:fld>
             <a:endParaRPr lang="en-US"/>
           </a:p>
@@ -2060,7 +2061,7 @@
           <a:p>
             <a:fld id="{7A2D6D92-7A1D-5044-8041-347960C529AC}" type="datetimeFigureOut">
               <a:rPr lang="en-US" smtClean="0"/>
-              <a:t>6/19/20</a:t>
+              <a:t>6/27/20</a:t>
             </a:fld>
             <a:endParaRPr lang="en-US"/>
           </a:p>
@@ -2258,7 +2259,7 @@
           <a:p>
             <a:fld id="{7A2D6D92-7A1D-5044-8041-347960C529AC}" type="datetimeFigureOut">
               <a:rPr lang="en-US" smtClean="0"/>
-              <a:t>6/19/20</a:t>
+              <a:t>6/27/20</a:t>
             </a:fld>
             <a:endParaRPr lang="en-US"/>
           </a:p>
@@ -2533,7 +2534,7 @@
           <a:p>
             <a:fld id="{7A2D6D92-7A1D-5044-8041-347960C529AC}" type="datetimeFigureOut">
               <a:rPr lang="en-US" smtClean="0"/>
-              <a:t>6/19/20</a:t>
+              <a:t>6/27/20</a:t>
             </a:fld>
             <a:endParaRPr lang="en-US"/>
           </a:p>
@@ -2798,7 +2799,7 @@
           <a:p>
             <a:fld id="{7A2D6D92-7A1D-5044-8041-347960C529AC}" type="datetimeFigureOut">
               <a:rPr lang="en-US" smtClean="0"/>
-              <a:t>6/19/20</a:t>
+              <a:t>6/27/20</a:t>
             </a:fld>
             <a:endParaRPr lang="en-US"/>
           </a:p>
@@ -3210,7 +3211,7 @@
           <a:p>
             <a:fld id="{7A2D6D92-7A1D-5044-8041-347960C529AC}" type="datetimeFigureOut">
               <a:rPr lang="en-US" smtClean="0"/>
-              <a:t>6/19/20</a:t>
+              <a:t>6/27/20</a:t>
             </a:fld>
             <a:endParaRPr lang="en-US"/>
           </a:p>
@@ -3351,7 +3352,7 @@
           <a:p>
             <a:fld id="{7A2D6D92-7A1D-5044-8041-347960C529AC}" type="datetimeFigureOut">
               <a:rPr lang="en-US" smtClean="0"/>
-              <a:t>6/19/20</a:t>
+              <a:t>6/27/20</a:t>
             </a:fld>
             <a:endParaRPr lang="en-US"/>
           </a:p>
@@ -3464,7 +3465,7 @@
           <a:p>
             <a:fld id="{7A2D6D92-7A1D-5044-8041-347960C529AC}" type="datetimeFigureOut">
               <a:rPr lang="en-US" smtClean="0"/>
-              <a:t>6/19/20</a:t>
+              <a:t>6/27/20</a:t>
             </a:fld>
             <a:endParaRPr lang="en-US"/>
           </a:p>
@@ -3775,7 +3776,7 @@
           <a:p>
             <a:fld id="{7A2D6D92-7A1D-5044-8041-347960C529AC}" type="datetimeFigureOut">
               <a:rPr lang="en-US" smtClean="0"/>
-              <a:t>6/19/20</a:t>
+              <a:t>6/27/20</a:t>
             </a:fld>
             <a:endParaRPr lang="en-US"/>
           </a:p>
@@ -4063,7 +4064,7 @@
           <a:p>
             <a:fld id="{7A2D6D92-7A1D-5044-8041-347960C529AC}" type="datetimeFigureOut">
               <a:rPr lang="en-US" smtClean="0"/>
-              <a:t>6/19/20</a:t>
+              <a:t>6/27/20</a:t>
             </a:fld>
             <a:endParaRPr lang="en-US"/>
           </a:p>
@@ -4304,7 +4305,7 @@
           <a:p>
             <a:fld id="{7A2D6D92-7A1D-5044-8041-347960C529AC}" type="datetimeFigureOut">
               <a:rPr lang="en-US" smtClean="0"/>
-              <a:t>6/19/20</a:t>
+              <a:t>6/27/20</a:t>
             </a:fld>
             <a:endParaRPr lang="en-US"/>
           </a:p>
@@ -5387,6 +5388,4277 @@
 </file>
 
 <file path=ppt/slides/slide10.xml><?xml version="1.0" encoding="utf-8"?>
+<p:sld xmlns:a="http://schemas.openxmlformats.org/drawingml/2006/main" xmlns:r="http://schemas.openxmlformats.org/officeDocument/2006/relationships" xmlns:p="http://schemas.openxmlformats.org/presentationml/2006/main">
+  <p:cSld>
+    <p:spTree>
+      <p:nvGrpSpPr>
+        <p:cNvPr id="1" name=""/>
+        <p:cNvGrpSpPr/>
+        <p:nvPr/>
+      </p:nvGrpSpPr>
+      <p:grpSpPr>
+        <a:xfrm>
+          <a:off x="0" y="0"/>
+          <a:ext cx="0" cy="0"/>
+          <a:chOff x="0" y="0"/>
+          <a:chExt cx="0" cy="0"/>
+        </a:xfrm>
+      </p:grpSpPr>
+      <p:cxnSp>
+        <p:nvCxnSpPr>
+          <p:cNvPr id="5" name="Straight Arrow Connector 4">
+            <a:extLst>
+              <a:ext uri="{FF2B5EF4-FFF2-40B4-BE49-F238E27FC236}">
+                <a16:creationId xmlns:a16="http://schemas.microsoft.com/office/drawing/2014/main" id="{14C1BCF9-D974-F24A-9036-18381FE7B587}"/>
+              </a:ext>
+            </a:extLst>
+          </p:cNvPr>
+          <p:cNvCxnSpPr/>
+          <p:nvPr/>
+        </p:nvCxnSpPr>
+        <p:spPr>
+          <a:xfrm flipV="1">
+            <a:off x="4173136" y="2747567"/>
+            <a:ext cx="0" cy="3474720"/>
+          </a:xfrm>
+          <a:prstGeom prst="straightConnector1">
+            <a:avLst/>
+          </a:prstGeom>
+          <a:ln>
+            <a:tailEnd type="triangle"/>
+          </a:ln>
+        </p:spPr>
+        <p:style>
+          <a:lnRef idx="3">
+            <a:schemeClr val="dk1"/>
+          </a:lnRef>
+          <a:fillRef idx="0">
+            <a:schemeClr val="dk1"/>
+          </a:fillRef>
+          <a:effectRef idx="2">
+            <a:schemeClr val="dk1"/>
+          </a:effectRef>
+          <a:fontRef idx="minor">
+            <a:schemeClr val="tx1"/>
+          </a:fontRef>
+        </p:style>
+      </p:cxnSp>
+      <p:cxnSp>
+        <p:nvCxnSpPr>
+          <p:cNvPr id="6" name="Straight Arrow Connector 5">
+            <a:extLst>
+              <a:ext uri="{FF2B5EF4-FFF2-40B4-BE49-F238E27FC236}">
+                <a16:creationId xmlns:a16="http://schemas.microsoft.com/office/drawing/2014/main" id="{37758B7A-6393-9C4C-AF31-6AD235A42E1A}"/>
+              </a:ext>
+            </a:extLst>
+          </p:cNvPr>
+          <p:cNvCxnSpPr>
+            <a:cxnSpLocks/>
+          </p:cNvCxnSpPr>
+          <p:nvPr/>
+        </p:nvCxnSpPr>
+        <p:spPr>
+          <a:xfrm>
+            <a:off x="4173136" y="6222287"/>
+            <a:ext cx="4174274" cy="0"/>
+          </a:xfrm>
+          <a:prstGeom prst="straightConnector1">
+            <a:avLst/>
+          </a:prstGeom>
+          <a:ln>
+            <a:tailEnd type="triangle"/>
+          </a:ln>
+        </p:spPr>
+        <p:style>
+          <a:lnRef idx="3">
+            <a:schemeClr val="dk1"/>
+          </a:lnRef>
+          <a:fillRef idx="0">
+            <a:schemeClr val="dk1"/>
+          </a:fillRef>
+          <a:effectRef idx="2">
+            <a:schemeClr val="dk1"/>
+          </a:effectRef>
+          <a:fontRef idx="minor">
+            <a:schemeClr val="tx1"/>
+          </a:fontRef>
+        </p:style>
+      </p:cxnSp>
+      <p:cxnSp>
+        <p:nvCxnSpPr>
+          <p:cNvPr id="9" name="Straight Connector 8">
+            <a:extLst>
+              <a:ext uri="{FF2B5EF4-FFF2-40B4-BE49-F238E27FC236}">
+                <a16:creationId xmlns:a16="http://schemas.microsoft.com/office/drawing/2014/main" id="{D83F23B7-7093-794D-BF08-70933BB31108}"/>
+              </a:ext>
+            </a:extLst>
+          </p:cNvPr>
+          <p:cNvCxnSpPr>
+            <a:cxnSpLocks/>
+          </p:cNvCxnSpPr>
+          <p:nvPr/>
+        </p:nvCxnSpPr>
+        <p:spPr>
+          <a:xfrm flipV="1">
+            <a:off x="4322385" y="3026393"/>
+            <a:ext cx="3902721" cy="3315725"/>
+          </a:xfrm>
+          <a:prstGeom prst="line">
+            <a:avLst/>
+          </a:prstGeom>
+        </p:spPr>
+        <p:style>
+          <a:lnRef idx="3">
+            <a:schemeClr val="accent1"/>
+          </a:lnRef>
+          <a:fillRef idx="0">
+            <a:schemeClr val="accent1"/>
+          </a:fillRef>
+          <a:effectRef idx="2">
+            <a:schemeClr val="accent1"/>
+          </a:effectRef>
+          <a:fontRef idx="minor">
+            <a:schemeClr val="tx1"/>
+          </a:fontRef>
+        </p:style>
+      </p:cxnSp>
+      <p:sp>
+        <p:nvSpPr>
+          <p:cNvPr id="11" name="Oval 10">
+            <a:extLst>
+              <a:ext uri="{FF2B5EF4-FFF2-40B4-BE49-F238E27FC236}">
+                <a16:creationId xmlns:a16="http://schemas.microsoft.com/office/drawing/2014/main" id="{EA1EEF15-83FB-3D49-8865-7EAA71E3B6F7}"/>
+              </a:ext>
+            </a:extLst>
+          </p:cNvPr>
+          <p:cNvSpPr/>
+          <p:nvPr/>
+        </p:nvSpPr>
+        <p:spPr>
+          <a:xfrm>
+            <a:off x="7375005" y="3368427"/>
+            <a:ext cx="122304" cy="122304"/>
+          </a:xfrm>
+          <a:prstGeom prst="ellipse">
+            <a:avLst/>
+          </a:prstGeom>
+          <a:solidFill>
+            <a:schemeClr val="tx1"/>
+          </a:solidFill>
+          <a:ln>
+            <a:noFill/>
+          </a:ln>
+        </p:spPr>
+        <p:style>
+          <a:lnRef idx="2">
+            <a:schemeClr val="accent1">
+              <a:shade val="50000"/>
+            </a:schemeClr>
+          </a:lnRef>
+          <a:fillRef idx="1">
+            <a:schemeClr val="accent1"/>
+          </a:fillRef>
+          <a:effectRef idx="0">
+            <a:schemeClr val="accent1"/>
+          </a:effectRef>
+          <a:fontRef idx="minor">
+            <a:schemeClr val="lt1"/>
+          </a:fontRef>
+        </p:style>
+        <p:txBody>
+          <a:bodyPr rtlCol="0" anchor="ctr"/>
+          <a:lstStyle/>
+          <a:p>
+            <a:pPr algn="ctr"/>
+            <a:endParaRPr lang="en-US">
+              <a:solidFill>
+                <a:schemeClr val="tx1"/>
+              </a:solidFill>
+            </a:endParaRPr>
+          </a:p>
+        </p:txBody>
+      </p:sp>
+      <p:sp>
+        <p:nvSpPr>
+          <p:cNvPr id="12" name="Oval 11">
+            <a:extLst>
+              <a:ext uri="{FF2B5EF4-FFF2-40B4-BE49-F238E27FC236}">
+                <a16:creationId xmlns:a16="http://schemas.microsoft.com/office/drawing/2014/main" id="{C55F11FE-F439-754A-B7F8-591F8F1BBF8D}"/>
+              </a:ext>
+            </a:extLst>
+          </p:cNvPr>
+          <p:cNvSpPr/>
+          <p:nvPr/>
+        </p:nvSpPr>
+        <p:spPr>
+          <a:xfrm>
+            <a:off x="6199121" y="3977170"/>
+            <a:ext cx="122304" cy="122304"/>
+          </a:xfrm>
+          <a:prstGeom prst="ellipse">
+            <a:avLst/>
+          </a:prstGeom>
+          <a:solidFill>
+            <a:schemeClr val="tx1"/>
+          </a:solidFill>
+          <a:ln>
+            <a:noFill/>
+          </a:ln>
+        </p:spPr>
+        <p:style>
+          <a:lnRef idx="2">
+            <a:schemeClr val="accent1">
+              <a:shade val="50000"/>
+            </a:schemeClr>
+          </a:lnRef>
+          <a:fillRef idx="1">
+            <a:schemeClr val="accent1"/>
+          </a:fillRef>
+          <a:effectRef idx="0">
+            <a:schemeClr val="accent1"/>
+          </a:effectRef>
+          <a:fontRef idx="minor">
+            <a:schemeClr val="lt1"/>
+          </a:fontRef>
+        </p:style>
+        <p:txBody>
+          <a:bodyPr rtlCol="0" anchor="ctr"/>
+          <a:lstStyle/>
+          <a:p>
+            <a:pPr algn="ctr"/>
+            <a:endParaRPr lang="en-US">
+              <a:solidFill>
+                <a:schemeClr val="tx1"/>
+              </a:solidFill>
+            </a:endParaRPr>
+          </a:p>
+        </p:txBody>
+      </p:sp>
+      <p:sp>
+        <p:nvSpPr>
+          <p:cNvPr id="13" name="Oval 12">
+            <a:extLst>
+              <a:ext uri="{FF2B5EF4-FFF2-40B4-BE49-F238E27FC236}">
+                <a16:creationId xmlns:a16="http://schemas.microsoft.com/office/drawing/2014/main" id="{F070C116-D57E-8E46-B048-FB5B06D4551F}"/>
+              </a:ext>
+            </a:extLst>
+          </p:cNvPr>
+          <p:cNvSpPr/>
+          <p:nvPr/>
+        </p:nvSpPr>
+        <p:spPr>
+          <a:xfrm>
+            <a:off x="8225106" y="3503721"/>
+            <a:ext cx="122304" cy="122304"/>
+          </a:xfrm>
+          <a:prstGeom prst="ellipse">
+            <a:avLst/>
+          </a:prstGeom>
+          <a:solidFill>
+            <a:schemeClr val="tx1"/>
+          </a:solidFill>
+          <a:ln>
+            <a:noFill/>
+          </a:ln>
+        </p:spPr>
+        <p:style>
+          <a:lnRef idx="2">
+            <a:schemeClr val="accent1">
+              <a:shade val="50000"/>
+            </a:schemeClr>
+          </a:lnRef>
+          <a:fillRef idx="1">
+            <a:schemeClr val="accent1"/>
+          </a:fillRef>
+          <a:effectRef idx="0">
+            <a:schemeClr val="accent1"/>
+          </a:effectRef>
+          <a:fontRef idx="minor">
+            <a:schemeClr val="lt1"/>
+          </a:fontRef>
+        </p:style>
+        <p:txBody>
+          <a:bodyPr rtlCol="0" anchor="ctr"/>
+          <a:lstStyle/>
+          <a:p>
+            <a:pPr algn="ctr"/>
+            <a:endParaRPr lang="en-US">
+              <a:solidFill>
+                <a:schemeClr val="tx1"/>
+              </a:solidFill>
+            </a:endParaRPr>
+          </a:p>
+        </p:txBody>
+      </p:sp>
+      <p:sp>
+        <p:nvSpPr>
+          <p:cNvPr id="15" name="Oval 14">
+            <a:extLst>
+              <a:ext uri="{FF2B5EF4-FFF2-40B4-BE49-F238E27FC236}">
+                <a16:creationId xmlns:a16="http://schemas.microsoft.com/office/drawing/2014/main" id="{CCA56893-FA05-0E44-A526-2BB98AF6DDAC}"/>
+              </a:ext>
+            </a:extLst>
+          </p:cNvPr>
+          <p:cNvSpPr/>
+          <p:nvPr/>
+        </p:nvSpPr>
+        <p:spPr>
+          <a:xfrm>
+            <a:off x="6137969" y="5093505"/>
+            <a:ext cx="122304" cy="122304"/>
+          </a:xfrm>
+          <a:prstGeom prst="ellipse">
+            <a:avLst/>
+          </a:prstGeom>
+          <a:solidFill>
+            <a:schemeClr val="tx1"/>
+          </a:solidFill>
+          <a:ln>
+            <a:noFill/>
+          </a:ln>
+        </p:spPr>
+        <p:style>
+          <a:lnRef idx="2">
+            <a:schemeClr val="accent1">
+              <a:shade val="50000"/>
+            </a:schemeClr>
+          </a:lnRef>
+          <a:fillRef idx="1">
+            <a:schemeClr val="accent1"/>
+          </a:fillRef>
+          <a:effectRef idx="0">
+            <a:schemeClr val="accent1"/>
+          </a:effectRef>
+          <a:fontRef idx="minor">
+            <a:schemeClr val="lt1"/>
+          </a:fontRef>
+        </p:style>
+        <p:txBody>
+          <a:bodyPr rtlCol="0" anchor="ctr"/>
+          <a:lstStyle/>
+          <a:p>
+            <a:pPr algn="ctr"/>
+            <a:endParaRPr lang="en-US">
+              <a:solidFill>
+                <a:schemeClr val="tx1"/>
+              </a:solidFill>
+            </a:endParaRPr>
+          </a:p>
+        </p:txBody>
+      </p:sp>
+      <p:sp>
+        <p:nvSpPr>
+          <p:cNvPr id="17" name="Oval 16">
+            <a:extLst>
+              <a:ext uri="{FF2B5EF4-FFF2-40B4-BE49-F238E27FC236}">
+                <a16:creationId xmlns:a16="http://schemas.microsoft.com/office/drawing/2014/main" id="{C58F75B6-341D-6E40-B860-4A13EED4781C}"/>
+              </a:ext>
+            </a:extLst>
+          </p:cNvPr>
+          <p:cNvSpPr/>
+          <p:nvPr/>
+        </p:nvSpPr>
+        <p:spPr>
+          <a:xfrm>
+            <a:off x="5056848" y="4990520"/>
+            <a:ext cx="122304" cy="122304"/>
+          </a:xfrm>
+          <a:prstGeom prst="ellipse">
+            <a:avLst/>
+          </a:prstGeom>
+          <a:solidFill>
+            <a:schemeClr val="tx1"/>
+          </a:solidFill>
+          <a:ln>
+            <a:noFill/>
+          </a:ln>
+        </p:spPr>
+        <p:style>
+          <a:lnRef idx="2">
+            <a:schemeClr val="accent1">
+              <a:shade val="50000"/>
+            </a:schemeClr>
+          </a:lnRef>
+          <a:fillRef idx="1">
+            <a:schemeClr val="accent1"/>
+          </a:fillRef>
+          <a:effectRef idx="0">
+            <a:schemeClr val="accent1"/>
+          </a:effectRef>
+          <a:fontRef idx="minor">
+            <a:schemeClr val="lt1"/>
+          </a:fontRef>
+        </p:style>
+        <p:txBody>
+          <a:bodyPr rtlCol="0" anchor="ctr"/>
+          <a:lstStyle/>
+          <a:p>
+            <a:pPr algn="ctr"/>
+            <a:endParaRPr lang="en-US">
+              <a:solidFill>
+                <a:schemeClr val="tx1"/>
+              </a:solidFill>
+            </a:endParaRPr>
+          </a:p>
+        </p:txBody>
+      </p:sp>
+      <p:sp>
+        <p:nvSpPr>
+          <p:cNvPr id="19" name="Oval 18">
+            <a:extLst>
+              <a:ext uri="{FF2B5EF4-FFF2-40B4-BE49-F238E27FC236}">
+                <a16:creationId xmlns:a16="http://schemas.microsoft.com/office/drawing/2014/main" id="{62100974-AB9E-6546-A020-47E6973738A0}"/>
+              </a:ext>
+            </a:extLst>
+          </p:cNvPr>
+          <p:cNvSpPr/>
+          <p:nvPr/>
+        </p:nvSpPr>
+        <p:spPr>
+          <a:xfrm>
+            <a:off x="7048061" y="5278562"/>
+            <a:ext cx="122304" cy="122304"/>
+          </a:xfrm>
+          <a:prstGeom prst="ellipse">
+            <a:avLst/>
+          </a:prstGeom>
+          <a:solidFill>
+            <a:schemeClr val="tx1"/>
+          </a:solidFill>
+          <a:ln>
+            <a:noFill/>
+          </a:ln>
+        </p:spPr>
+        <p:style>
+          <a:lnRef idx="2">
+            <a:schemeClr val="accent1">
+              <a:shade val="50000"/>
+            </a:schemeClr>
+          </a:lnRef>
+          <a:fillRef idx="1">
+            <a:schemeClr val="accent1"/>
+          </a:fillRef>
+          <a:effectRef idx="0">
+            <a:schemeClr val="accent1"/>
+          </a:effectRef>
+          <a:fontRef idx="minor">
+            <a:schemeClr val="lt1"/>
+          </a:fontRef>
+        </p:style>
+        <p:txBody>
+          <a:bodyPr rtlCol="0" anchor="ctr"/>
+          <a:lstStyle/>
+          <a:p>
+            <a:pPr algn="ctr"/>
+            <a:endParaRPr lang="en-US">
+              <a:solidFill>
+                <a:schemeClr val="tx1"/>
+              </a:solidFill>
+            </a:endParaRPr>
+          </a:p>
+        </p:txBody>
+      </p:sp>
+      <p:sp>
+        <p:nvSpPr>
+          <p:cNvPr id="20" name="Oval 19">
+            <a:extLst>
+              <a:ext uri="{FF2B5EF4-FFF2-40B4-BE49-F238E27FC236}">
+                <a16:creationId xmlns:a16="http://schemas.microsoft.com/office/drawing/2014/main" id="{47AE051D-5677-EC4D-A11E-908731BC3089}"/>
+              </a:ext>
+            </a:extLst>
+          </p:cNvPr>
+          <p:cNvSpPr/>
+          <p:nvPr/>
+        </p:nvSpPr>
+        <p:spPr>
+          <a:xfrm>
+            <a:off x="7212113" y="4099474"/>
+            <a:ext cx="122304" cy="122304"/>
+          </a:xfrm>
+          <a:prstGeom prst="ellipse">
+            <a:avLst/>
+          </a:prstGeom>
+          <a:solidFill>
+            <a:schemeClr val="tx1"/>
+          </a:solidFill>
+          <a:ln>
+            <a:noFill/>
+          </a:ln>
+        </p:spPr>
+        <p:style>
+          <a:lnRef idx="2">
+            <a:schemeClr val="accent1">
+              <a:shade val="50000"/>
+            </a:schemeClr>
+          </a:lnRef>
+          <a:fillRef idx="1">
+            <a:schemeClr val="accent1"/>
+          </a:fillRef>
+          <a:effectRef idx="0">
+            <a:schemeClr val="accent1"/>
+          </a:effectRef>
+          <a:fontRef idx="minor">
+            <a:schemeClr val="lt1"/>
+          </a:fontRef>
+        </p:style>
+        <p:txBody>
+          <a:bodyPr rtlCol="0" anchor="ctr"/>
+          <a:lstStyle/>
+          <a:p>
+            <a:pPr algn="ctr"/>
+            <a:endParaRPr lang="en-US">
+              <a:solidFill>
+                <a:schemeClr val="tx1"/>
+              </a:solidFill>
+            </a:endParaRPr>
+          </a:p>
+        </p:txBody>
+      </p:sp>
+      <p:cxnSp>
+        <p:nvCxnSpPr>
+          <p:cNvPr id="23" name="Straight Connector 22">
+            <a:extLst>
+              <a:ext uri="{FF2B5EF4-FFF2-40B4-BE49-F238E27FC236}">
+                <a16:creationId xmlns:a16="http://schemas.microsoft.com/office/drawing/2014/main" id="{1514F38D-96BF-7345-AEBB-831622B18B30}"/>
+              </a:ext>
+            </a:extLst>
+          </p:cNvPr>
+          <p:cNvCxnSpPr>
+            <a:cxnSpLocks/>
+            <a:endCxn id="19" idx="4"/>
+          </p:cNvCxnSpPr>
+          <p:nvPr/>
+        </p:nvCxnSpPr>
+        <p:spPr>
+          <a:xfrm>
+            <a:off x="7087889" y="3989962"/>
+            <a:ext cx="21324" cy="1410904"/>
+          </a:xfrm>
+          <a:prstGeom prst="line">
+            <a:avLst/>
+          </a:prstGeom>
+          <a:ln w="9525" cap="flat" cmpd="sng" algn="ctr">
+            <a:solidFill>
+              <a:srgbClr val="C00000"/>
+            </a:solidFill>
+            <a:prstDash val="dash"/>
+            <a:round/>
+            <a:headEnd type="none" w="med" len="med"/>
+            <a:tailEnd type="none" w="med" len="med"/>
+          </a:ln>
+        </p:spPr>
+        <p:style>
+          <a:lnRef idx="0">
+            <a:scrgbClr r="0" g="0" b="0"/>
+          </a:lnRef>
+          <a:fillRef idx="0">
+            <a:scrgbClr r="0" g="0" b="0"/>
+          </a:fillRef>
+          <a:effectRef idx="0">
+            <a:scrgbClr r="0" g="0" b="0"/>
+          </a:effectRef>
+          <a:fontRef idx="minor">
+            <a:schemeClr val="tx1"/>
+          </a:fontRef>
+        </p:style>
+      </p:cxnSp>
+      <p:cxnSp>
+        <p:nvCxnSpPr>
+          <p:cNvPr id="28" name="Straight Connector 27">
+            <a:extLst>
+              <a:ext uri="{FF2B5EF4-FFF2-40B4-BE49-F238E27FC236}">
+                <a16:creationId xmlns:a16="http://schemas.microsoft.com/office/drawing/2014/main" id="{C3EBD461-089B-254B-860B-E6F80875FE18}"/>
+              </a:ext>
+            </a:extLst>
+          </p:cNvPr>
+          <p:cNvCxnSpPr>
+            <a:cxnSpLocks/>
+          </p:cNvCxnSpPr>
+          <p:nvPr/>
+        </p:nvCxnSpPr>
+        <p:spPr>
+          <a:xfrm>
+            <a:off x="6263083" y="3989962"/>
+            <a:ext cx="10662" cy="705452"/>
+          </a:xfrm>
+          <a:prstGeom prst="line">
+            <a:avLst/>
+          </a:prstGeom>
+          <a:ln w="9525" cap="flat" cmpd="sng" algn="ctr">
+            <a:solidFill>
+              <a:srgbClr val="C00000"/>
+            </a:solidFill>
+            <a:prstDash val="dash"/>
+            <a:round/>
+            <a:headEnd type="none" w="med" len="med"/>
+            <a:tailEnd type="none" w="med" len="med"/>
+          </a:ln>
+        </p:spPr>
+        <p:style>
+          <a:lnRef idx="0">
+            <a:scrgbClr r="0" g="0" b="0"/>
+          </a:lnRef>
+          <a:fillRef idx="0">
+            <a:scrgbClr r="0" g="0" b="0"/>
+          </a:fillRef>
+          <a:effectRef idx="0">
+            <a:scrgbClr r="0" g="0" b="0"/>
+          </a:effectRef>
+          <a:fontRef idx="minor">
+            <a:schemeClr val="tx1"/>
+          </a:fontRef>
+        </p:style>
+      </p:cxnSp>
+      <p:sp>
+        <p:nvSpPr>
+          <p:cNvPr id="30" name="Rectangle 29">
+            <a:extLst>
+              <a:ext uri="{FF2B5EF4-FFF2-40B4-BE49-F238E27FC236}">
+                <a16:creationId xmlns:a16="http://schemas.microsoft.com/office/drawing/2014/main" id="{539CB11B-3E8E-B246-BE84-15D958007FAA}"/>
+              </a:ext>
+            </a:extLst>
+          </p:cNvPr>
+          <p:cNvSpPr/>
+          <p:nvPr/>
+        </p:nvSpPr>
+        <p:spPr>
+          <a:xfrm>
+            <a:off x="7149041" y="4608128"/>
+            <a:ext cx="705642" cy="369332"/>
+          </a:xfrm>
+          <a:prstGeom prst="rect">
+            <a:avLst/>
+          </a:prstGeom>
+        </p:spPr>
+        <p:txBody>
+          <a:bodyPr wrap="none">
+            <a:spAutoFit/>
+          </a:bodyPr>
+          <a:lstStyle/>
+          <a:p>
+            <a:r>
+              <a:rPr lang="en-US" b="1" dirty="0">
+                <a:solidFill>
+                  <a:srgbClr val="C00000"/>
+                </a:solidFill>
+                <a:latin typeface="Avenir Roman" panose="02000503020000020003" pitchFamily="2" charset="0"/>
+              </a:rPr>
+              <a:t>MAE</a:t>
+            </a:r>
+          </a:p>
+        </p:txBody>
+      </p:sp>
+      <mc:AlternateContent xmlns:mc="http://schemas.openxmlformats.org/markup-compatibility/2006" xmlns:a14="http://schemas.microsoft.com/office/drawing/2010/main">
+        <mc:Choice Requires="a14">
+          <p:sp>
+            <p:nvSpPr>
+              <p:cNvPr id="32" name="TextBox 31">
+                <a:extLst>
+                  <a:ext uri="{FF2B5EF4-FFF2-40B4-BE49-F238E27FC236}">
+                    <a16:creationId xmlns:a16="http://schemas.microsoft.com/office/drawing/2014/main" id="{6D87767D-EC41-D64E-BF08-10B9EB05E875}"/>
+                  </a:ext>
+                </a:extLst>
+              </p:cNvPr>
+              <p:cNvSpPr txBox="1"/>
+              <p:nvPr/>
+            </p:nvSpPr>
+            <p:spPr>
+              <a:xfrm>
+                <a:off x="4790415" y="2040509"/>
+                <a:ext cx="2939716" cy="894219"/>
+              </a:xfrm>
+              <a:prstGeom prst="rect">
+                <a:avLst/>
+              </a:prstGeom>
+              <a:noFill/>
+            </p:spPr>
+            <p:txBody>
+              <a:bodyPr wrap="none" lIns="0" tIns="0" rIns="0" bIns="0" rtlCol="0">
+                <a:spAutoFit/>
+              </a:bodyPr>
+              <a:lstStyle/>
+              <a:p>
+                <a:pPr/>
+                <a14:m>
+                  <m:oMathPara xmlns:m="http://schemas.openxmlformats.org/officeDocument/2006/math">
+                    <m:oMathParaPr>
+                      <m:jc m:val="centerGroup"/>
+                    </m:oMathParaPr>
+                    <m:oMath xmlns:m="http://schemas.openxmlformats.org/officeDocument/2006/math">
+                      <m:r>
+                        <a:rPr lang="en-US" sz="2400" b="0" i="1" smtClean="0">
+                          <a:latin typeface="Cambria Math" panose="02040503050406030204" pitchFamily="18" charset="0"/>
+                        </a:rPr>
+                        <m:t>𝑀𝐴𝐸</m:t>
+                      </m:r>
+                      <m:r>
+                        <a:rPr lang="en-US" sz="2400" b="0" i="1" smtClean="0">
+                          <a:latin typeface="Cambria Math" panose="02040503050406030204" pitchFamily="18" charset="0"/>
+                        </a:rPr>
+                        <m:t>= </m:t>
+                      </m:r>
+                      <m:f>
+                        <m:fPr>
+                          <m:ctrlPr>
+                            <a:rPr lang="en-US" sz="2400" b="0" i="1" smtClean="0">
+                              <a:latin typeface="Cambria Math" panose="02040503050406030204" pitchFamily="18" charset="0"/>
+                            </a:rPr>
+                          </m:ctrlPr>
+                        </m:fPr>
+                        <m:num>
+                          <m:r>
+                            <a:rPr lang="en-US" sz="2400" b="0" i="1" smtClean="0">
+                              <a:latin typeface="Cambria Math" panose="02040503050406030204" pitchFamily="18" charset="0"/>
+                            </a:rPr>
+                            <m:t>1</m:t>
+                          </m:r>
+                        </m:num>
+                        <m:den>
+                          <m:r>
+                            <a:rPr lang="en-US" sz="2400" b="0" i="1" smtClean="0">
+                              <a:latin typeface="Cambria Math" panose="02040503050406030204" pitchFamily="18" charset="0"/>
+                            </a:rPr>
+                            <m:t>𝑛</m:t>
+                          </m:r>
+                        </m:den>
+                      </m:f>
+                      <m:nary>
+                        <m:naryPr>
+                          <m:chr m:val="∑"/>
+                          <m:subHide m:val="on"/>
+                          <m:supHide m:val="on"/>
+                          <m:ctrlPr>
+                            <a:rPr lang="en-US" sz="2400" b="0" i="1" smtClean="0">
+                              <a:latin typeface="Cambria Math" panose="02040503050406030204" pitchFamily="18" charset="0"/>
+                            </a:rPr>
+                          </m:ctrlPr>
+                        </m:naryPr>
+                        <m:sub/>
+                        <m:sup/>
+                        <m:e>
+                          <m:r>
+                            <a:rPr lang="en-US" sz="2400" b="0" i="1" smtClean="0">
+                              <a:latin typeface="Cambria Math" panose="02040503050406030204" pitchFamily="18" charset="0"/>
+                            </a:rPr>
+                            <m:t>|</m:t>
+                          </m:r>
+                          <m:r>
+                            <a:rPr lang="en-US" sz="2400" b="0" i="1" smtClean="0">
+                              <a:latin typeface="Cambria Math" panose="02040503050406030204" pitchFamily="18" charset="0"/>
+                            </a:rPr>
+                            <m:t>𝑦</m:t>
+                          </m:r>
+                          <m:r>
+                            <a:rPr lang="en-US" sz="2400" b="0" i="1" smtClean="0">
+                              <a:latin typeface="Cambria Math" panose="02040503050406030204" pitchFamily="18" charset="0"/>
+                            </a:rPr>
+                            <m:t> − </m:t>
+                          </m:r>
+                          <m:acc>
+                            <m:accPr>
+                              <m:chr m:val="̂"/>
+                              <m:ctrlPr>
+                                <a:rPr lang="en-US" sz="2400" b="0" i="1" smtClean="0">
+                                  <a:latin typeface="Cambria Math" panose="02040503050406030204" pitchFamily="18" charset="0"/>
+                                </a:rPr>
+                              </m:ctrlPr>
+                            </m:accPr>
+                            <m:e>
+                              <m:r>
+                                <a:rPr lang="en-US" sz="2400" b="0" i="1" smtClean="0">
+                                  <a:latin typeface="Cambria Math" panose="02040503050406030204" pitchFamily="18" charset="0"/>
+                                </a:rPr>
+                                <m:t>𝑦</m:t>
+                              </m:r>
+                            </m:e>
+                          </m:acc>
+                          <m:r>
+                            <a:rPr lang="en-US" sz="2400" b="0" i="1" smtClean="0">
+                              <a:latin typeface="Cambria Math" panose="02040503050406030204" pitchFamily="18" charset="0"/>
+                            </a:rPr>
+                            <m:t>|</m:t>
+                          </m:r>
+                        </m:e>
+                      </m:nary>
+                    </m:oMath>
+                  </m:oMathPara>
+                </a14:m>
+                <a:endParaRPr lang="en-US" sz="2400" dirty="0"/>
+              </a:p>
+            </p:txBody>
+          </p:sp>
+        </mc:Choice>
+        <mc:Fallback xmlns="">
+          <p:sp>
+            <p:nvSpPr>
+              <p:cNvPr id="32" name="TextBox 31">
+                <a:extLst>
+                  <a:ext uri="{FF2B5EF4-FFF2-40B4-BE49-F238E27FC236}">
+                    <a16:creationId xmlns:a16="http://schemas.microsoft.com/office/drawing/2014/main" id="{6D87767D-EC41-D64E-BF08-10B9EB05E875}"/>
+                  </a:ext>
+                </a:extLst>
+              </p:cNvPr>
+              <p:cNvSpPr txBox="1">
+                <a:spLocks noRot="1" noChangeAspect="1" noMove="1" noResize="1" noEditPoints="1" noAdjustHandles="1" noChangeArrowheads="1" noChangeShapeType="1" noTextEdit="1"/>
+              </p:cNvSpPr>
+              <p:nvPr/>
+            </p:nvSpPr>
+            <p:spPr>
+              <a:xfrm>
+                <a:off x="4790415" y="2040509"/>
+                <a:ext cx="2939716" cy="894219"/>
+              </a:xfrm>
+              <a:prstGeom prst="rect">
+                <a:avLst/>
+              </a:prstGeom>
+              <a:blipFill>
+                <a:blip r:embed="rId3"/>
+                <a:stretch>
+                  <a:fillRect l="-1717" t="-149296" r="-2575" b="-204225"/>
+                </a:stretch>
+              </a:blipFill>
+            </p:spPr>
+            <p:txBody>
+              <a:bodyPr/>
+              <a:lstStyle/>
+              <a:p>
+                <a:r>
+                  <a:rPr lang="en-US">
+                    <a:noFill/>
+                  </a:rPr>
+                  <a:t> </a:t>
+                </a:r>
+              </a:p>
+            </p:txBody>
+          </p:sp>
+        </mc:Fallback>
+      </mc:AlternateContent>
+      <p:sp>
+        <p:nvSpPr>
+          <p:cNvPr id="33" name="Rectangle 32">
+            <a:extLst>
+              <a:ext uri="{FF2B5EF4-FFF2-40B4-BE49-F238E27FC236}">
+                <a16:creationId xmlns:a16="http://schemas.microsoft.com/office/drawing/2014/main" id="{345EEB74-5266-FA4F-BE2B-96CA4566DB1E}"/>
+              </a:ext>
+            </a:extLst>
+          </p:cNvPr>
+          <p:cNvSpPr/>
+          <p:nvPr/>
+        </p:nvSpPr>
+        <p:spPr>
+          <a:xfrm>
+            <a:off x="6710632" y="2276564"/>
+            <a:ext cx="223025" cy="383602"/>
+          </a:xfrm>
+          <a:prstGeom prst="rect">
+            <a:avLst/>
+          </a:prstGeom>
+          <a:noFill/>
+          <a:ln>
+            <a:solidFill>
+              <a:srgbClr val="C00000"/>
+            </a:solidFill>
+          </a:ln>
+        </p:spPr>
+        <p:style>
+          <a:lnRef idx="2">
+            <a:schemeClr val="dk1"/>
+          </a:lnRef>
+          <a:fillRef idx="1">
+            <a:schemeClr val="lt1"/>
+          </a:fillRef>
+          <a:effectRef idx="0">
+            <a:schemeClr val="dk1"/>
+          </a:effectRef>
+          <a:fontRef idx="minor">
+            <a:schemeClr val="dk1"/>
+          </a:fontRef>
+        </p:style>
+        <p:txBody>
+          <a:bodyPr rtlCol="0" anchor="ctr"/>
+          <a:lstStyle/>
+          <a:p>
+            <a:pPr algn="ctr"/>
+            <a:endParaRPr lang="en-US"/>
+          </a:p>
+        </p:txBody>
+      </p:sp>
+      <p:sp>
+        <p:nvSpPr>
+          <p:cNvPr id="34" name="Rectangle 33">
+            <a:extLst>
+              <a:ext uri="{FF2B5EF4-FFF2-40B4-BE49-F238E27FC236}">
+                <a16:creationId xmlns:a16="http://schemas.microsoft.com/office/drawing/2014/main" id="{F2D73EAE-56CF-7942-B3E2-8B95FD8E5ACD}"/>
+              </a:ext>
+            </a:extLst>
+          </p:cNvPr>
+          <p:cNvSpPr/>
+          <p:nvPr/>
+        </p:nvSpPr>
+        <p:spPr>
+          <a:xfrm>
+            <a:off x="7373120" y="2276564"/>
+            <a:ext cx="223025" cy="383602"/>
+          </a:xfrm>
+          <a:prstGeom prst="rect">
+            <a:avLst/>
+          </a:prstGeom>
+          <a:noFill/>
+          <a:ln>
+            <a:solidFill>
+              <a:srgbClr val="C00000"/>
+            </a:solidFill>
+          </a:ln>
+        </p:spPr>
+        <p:style>
+          <a:lnRef idx="2">
+            <a:schemeClr val="dk1"/>
+          </a:lnRef>
+          <a:fillRef idx="1">
+            <a:schemeClr val="lt1"/>
+          </a:fillRef>
+          <a:effectRef idx="0">
+            <a:schemeClr val="dk1"/>
+          </a:effectRef>
+          <a:fontRef idx="minor">
+            <a:schemeClr val="dk1"/>
+          </a:fontRef>
+        </p:style>
+        <p:txBody>
+          <a:bodyPr rtlCol="0" anchor="ctr"/>
+          <a:lstStyle/>
+          <a:p>
+            <a:pPr algn="ctr"/>
+            <a:endParaRPr lang="en-US"/>
+          </a:p>
+        </p:txBody>
+      </p:sp>
+      <p:cxnSp>
+        <p:nvCxnSpPr>
+          <p:cNvPr id="35" name="Straight Connector 34">
+            <a:extLst>
+              <a:ext uri="{FF2B5EF4-FFF2-40B4-BE49-F238E27FC236}">
+                <a16:creationId xmlns:a16="http://schemas.microsoft.com/office/drawing/2014/main" id="{4671380A-1663-2748-9253-7158D7A473CB}"/>
+              </a:ext>
+            </a:extLst>
+          </p:cNvPr>
+          <p:cNvCxnSpPr>
+            <a:cxnSpLocks/>
+          </p:cNvCxnSpPr>
+          <p:nvPr/>
+        </p:nvCxnSpPr>
+        <p:spPr>
+          <a:xfrm>
+            <a:off x="7484632" y="1897423"/>
+            <a:ext cx="0" cy="365534"/>
+          </a:xfrm>
+          <a:prstGeom prst="line">
+            <a:avLst/>
+          </a:prstGeom>
+          <a:ln w="9525" cap="flat" cmpd="sng" algn="ctr">
+            <a:solidFill>
+              <a:srgbClr val="C00000"/>
+            </a:solidFill>
+            <a:prstDash val="dash"/>
+            <a:round/>
+            <a:headEnd type="none" w="med" len="med"/>
+            <a:tailEnd type="none" w="med" len="med"/>
+          </a:ln>
+        </p:spPr>
+        <p:style>
+          <a:lnRef idx="0">
+            <a:scrgbClr r="0" g="0" b="0"/>
+          </a:lnRef>
+          <a:fillRef idx="0">
+            <a:scrgbClr r="0" g="0" b="0"/>
+          </a:fillRef>
+          <a:effectRef idx="0">
+            <a:scrgbClr r="0" g="0" b="0"/>
+          </a:effectRef>
+          <a:fontRef idx="minor">
+            <a:schemeClr val="tx1"/>
+          </a:fontRef>
+        </p:style>
+      </p:cxnSp>
+      <p:sp>
+        <p:nvSpPr>
+          <p:cNvPr id="38" name="Rectangle 37">
+            <a:extLst>
+              <a:ext uri="{FF2B5EF4-FFF2-40B4-BE49-F238E27FC236}">
+                <a16:creationId xmlns:a16="http://schemas.microsoft.com/office/drawing/2014/main" id="{1F85D955-9496-CD42-99AC-ACEAB3E2690D}"/>
+              </a:ext>
+            </a:extLst>
+          </p:cNvPr>
+          <p:cNvSpPr/>
+          <p:nvPr/>
+        </p:nvSpPr>
+        <p:spPr>
+          <a:xfrm>
+            <a:off x="7081691" y="1425624"/>
+            <a:ext cx="959109" cy="523220"/>
+          </a:xfrm>
+          <a:prstGeom prst="rect">
+            <a:avLst/>
+          </a:prstGeom>
+        </p:spPr>
+        <p:txBody>
+          <a:bodyPr wrap="none">
+            <a:spAutoFit/>
+          </a:bodyPr>
+          <a:lstStyle/>
+          <a:p>
+            <a:pPr algn="ctr"/>
+            <a:r>
+              <a:rPr lang="en-US" sz="1400" dirty="0">
+                <a:solidFill>
+                  <a:srgbClr val="C00000"/>
+                </a:solidFill>
+                <a:latin typeface="Avenir Roman" panose="02000503020000020003" pitchFamily="2" charset="0"/>
+              </a:rPr>
+              <a:t>Predicted</a:t>
+            </a:r>
+          </a:p>
+          <a:p>
+            <a:pPr algn="ctr"/>
+            <a:r>
+              <a:rPr lang="en-US" sz="1400" dirty="0">
+                <a:solidFill>
+                  <a:srgbClr val="C00000"/>
+                </a:solidFill>
+                <a:latin typeface="Avenir Roman" panose="02000503020000020003" pitchFamily="2" charset="0"/>
+              </a:rPr>
+              <a:t>value</a:t>
+            </a:r>
+          </a:p>
+        </p:txBody>
+      </p:sp>
+      <p:cxnSp>
+        <p:nvCxnSpPr>
+          <p:cNvPr id="39" name="Straight Connector 38">
+            <a:extLst>
+              <a:ext uri="{FF2B5EF4-FFF2-40B4-BE49-F238E27FC236}">
+                <a16:creationId xmlns:a16="http://schemas.microsoft.com/office/drawing/2014/main" id="{A971AC2F-35C1-BD4F-8A07-3D55A3E30B70}"/>
+              </a:ext>
+            </a:extLst>
+          </p:cNvPr>
+          <p:cNvCxnSpPr>
+            <a:cxnSpLocks/>
+          </p:cNvCxnSpPr>
+          <p:nvPr/>
+        </p:nvCxnSpPr>
+        <p:spPr>
+          <a:xfrm>
+            <a:off x="6822144" y="2660166"/>
+            <a:ext cx="0" cy="365534"/>
+          </a:xfrm>
+          <a:prstGeom prst="line">
+            <a:avLst/>
+          </a:prstGeom>
+          <a:ln w="9525" cap="flat" cmpd="sng" algn="ctr">
+            <a:solidFill>
+              <a:srgbClr val="C00000"/>
+            </a:solidFill>
+            <a:prstDash val="dash"/>
+            <a:round/>
+            <a:headEnd type="none" w="med" len="med"/>
+            <a:tailEnd type="none" w="med" len="med"/>
+          </a:ln>
+        </p:spPr>
+        <p:style>
+          <a:lnRef idx="0">
+            <a:scrgbClr r="0" g="0" b="0"/>
+          </a:lnRef>
+          <a:fillRef idx="0">
+            <a:scrgbClr r="0" g="0" b="0"/>
+          </a:fillRef>
+          <a:effectRef idx="0">
+            <a:scrgbClr r="0" g="0" b="0"/>
+          </a:effectRef>
+          <a:fontRef idx="minor">
+            <a:schemeClr val="tx1"/>
+          </a:fontRef>
+        </p:style>
+      </p:cxnSp>
+      <p:sp>
+        <p:nvSpPr>
+          <p:cNvPr id="40" name="Rectangle 39">
+            <a:extLst>
+              <a:ext uri="{FF2B5EF4-FFF2-40B4-BE49-F238E27FC236}">
+                <a16:creationId xmlns:a16="http://schemas.microsoft.com/office/drawing/2014/main" id="{A2C9CFE0-5FD7-7343-86EF-AF4B20202398}"/>
+              </a:ext>
+            </a:extLst>
+          </p:cNvPr>
+          <p:cNvSpPr/>
+          <p:nvPr/>
+        </p:nvSpPr>
+        <p:spPr>
+          <a:xfrm>
+            <a:off x="6371748" y="2964916"/>
+            <a:ext cx="798617" cy="523220"/>
+          </a:xfrm>
+          <a:prstGeom prst="rect">
+            <a:avLst/>
+          </a:prstGeom>
+        </p:spPr>
+        <p:txBody>
+          <a:bodyPr wrap="none">
+            <a:spAutoFit/>
+          </a:bodyPr>
+          <a:lstStyle/>
+          <a:p>
+            <a:pPr algn="ctr"/>
+            <a:r>
+              <a:rPr lang="en-US" sz="1400" dirty="0">
+                <a:solidFill>
+                  <a:srgbClr val="C00000"/>
+                </a:solidFill>
+                <a:latin typeface="Avenir Roman" panose="02000503020000020003" pitchFamily="2" charset="0"/>
+              </a:rPr>
+              <a:t>Ground</a:t>
+            </a:r>
+          </a:p>
+          <a:p>
+            <a:pPr algn="ctr"/>
+            <a:r>
+              <a:rPr lang="en-US" sz="1400" dirty="0">
+                <a:solidFill>
+                  <a:srgbClr val="C00000"/>
+                </a:solidFill>
+                <a:latin typeface="Avenir Roman" panose="02000503020000020003" pitchFamily="2" charset="0"/>
+              </a:rPr>
+              <a:t>truth</a:t>
+            </a:r>
+          </a:p>
+        </p:txBody>
+      </p:sp>
+      <p:cxnSp>
+        <p:nvCxnSpPr>
+          <p:cNvPr id="41" name="Straight Connector 40">
+            <a:extLst>
+              <a:ext uri="{FF2B5EF4-FFF2-40B4-BE49-F238E27FC236}">
+                <a16:creationId xmlns:a16="http://schemas.microsoft.com/office/drawing/2014/main" id="{D7233F0F-6803-3343-ACE0-2260ADD0C4B0}"/>
+              </a:ext>
+            </a:extLst>
+          </p:cNvPr>
+          <p:cNvCxnSpPr>
+            <a:cxnSpLocks/>
+          </p:cNvCxnSpPr>
+          <p:nvPr/>
+        </p:nvCxnSpPr>
+        <p:spPr>
+          <a:xfrm>
+            <a:off x="6381412" y="1766077"/>
+            <a:ext cx="0" cy="365534"/>
+          </a:xfrm>
+          <a:prstGeom prst="line">
+            <a:avLst/>
+          </a:prstGeom>
+          <a:ln w="9525" cap="flat" cmpd="sng" algn="ctr">
+            <a:solidFill>
+              <a:srgbClr val="C00000"/>
+            </a:solidFill>
+            <a:prstDash val="dash"/>
+            <a:round/>
+            <a:headEnd type="none" w="med" len="med"/>
+            <a:tailEnd type="none" w="med" len="med"/>
+          </a:ln>
+        </p:spPr>
+        <p:style>
+          <a:lnRef idx="0">
+            <a:scrgbClr r="0" g="0" b="0"/>
+          </a:lnRef>
+          <a:fillRef idx="0">
+            <a:scrgbClr r="0" g="0" b="0"/>
+          </a:fillRef>
+          <a:effectRef idx="0">
+            <a:scrgbClr r="0" g="0" b="0"/>
+          </a:effectRef>
+          <a:fontRef idx="minor">
+            <a:schemeClr val="tx1"/>
+          </a:fontRef>
+        </p:style>
+      </p:cxnSp>
+      <p:sp>
+        <p:nvSpPr>
+          <p:cNvPr id="42" name="Rectangle 41">
+            <a:extLst>
+              <a:ext uri="{FF2B5EF4-FFF2-40B4-BE49-F238E27FC236}">
+                <a16:creationId xmlns:a16="http://schemas.microsoft.com/office/drawing/2014/main" id="{55379C56-553D-1340-A872-17B8779A9D3E}"/>
+              </a:ext>
+            </a:extLst>
+          </p:cNvPr>
+          <p:cNvSpPr/>
+          <p:nvPr/>
+        </p:nvSpPr>
+        <p:spPr>
+          <a:xfrm>
+            <a:off x="6006950" y="1512897"/>
+            <a:ext cx="748924" cy="307777"/>
+          </a:xfrm>
+          <a:prstGeom prst="rect">
+            <a:avLst/>
+          </a:prstGeom>
+        </p:spPr>
+        <p:txBody>
+          <a:bodyPr wrap="none">
+            <a:spAutoFit/>
+          </a:bodyPr>
+          <a:lstStyle/>
+          <a:p>
+            <a:pPr algn="ctr"/>
+            <a:r>
+              <a:rPr lang="en-US" sz="1400" dirty="0">
+                <a:solidFill>
+                  <a:srgbClr val="C00000"/>
+                </a:solidFill>
+                <a:latin typeface="Avenir Roman" panose="02000503020000020003" pitchFamily="2" charset="0"/>
+              </a:rPr>
+              <a:t>Sum of</a:t>
+            </a:r>
+          </a:p>
+        </p:txBody>
+      </p:sp>
+      <p:sp>
+        <p:nvSpPr>
+          <p:cNvPr id="43" name="Rectangle 42">
+            <a:extLst>
+              <a:ext uri="{FF2B5EF4-FFF2-40B4-BE49-F238E27FC236}">
+                <a16:creationId xmlns:a16="http://schemas.microsoft.com/office/drawing/2014/main" id="{4B5F45AB-66B3-C349-A6E9-E2FAB20F5E98}"/>
+              </a:ext>
+            </a:extLst>
+          </p:cNvPr>
+          <p:cNvSpPr/>
+          <p:nvPr/>
+        </p:nvSpPr>
+        <p:spPr>
+          <a:xfrm>
+            <a:off x="5914499" y="2040219"/>
+            <a:ext cx="239966" cy="774485"/>
+          </a:xfrm>
+          <a:prstGeom prst="rect">
+            <a:avLst/>
+          </a:prstGeom>
+          <a:noFill/>
+          <a:ln>
+            <a:solidFill>
+              <a:srgbClr val="C00000"/>
+            </a:solidFill>
+          </a:ln>
+        </p:spPr>
+        <p:style>
+          <a:lnRef idx="2">
+            <a:schemeClr val="dk1"/>
+          </a:lnRef>
+          <a:fillRef idx="1">
+            <a:schemeClr val="lt1"/>
+          </a:fillRef>
+          <a:effectRef idx="0">
+            <a:schemeClr val="dk1"/>
+          </a:effectRef>
+          <a:fontRef idx="minor">
+            <a:schemeClr val="dk1"/>
+          </a:fontRef>
+        </p:style>
+        <p:txBody>
+          <a:bodyPr rtlCol="0" anchor="ctr"/>
+          <a:lstStyle/>
+          <a:p>
+            <a:pPr algn="ctr"/>
+            <a:endParaRPr lang="en-US"/>
+          </a:p>
+        </p:txBody>
+      </p:sp>
+      <p:cxnSp>
+        <p:nvCxnSpPr>
+          <p:cNvPr id="44" name="Straight Connector 43">
+            <a:extLst>
+              <a:ext uri="{FF2B5EF4-FFF2-40B4-BE49-F238E27FC236}">
+                <a16:creationId xmlns:a16="http://schemas.microsoft.com/office/drawing/2014/main" id="{39616C06-CD2E-3043-B296-8CAEF3EFDCF4}"/>
+              </a:ext>
+            </a:extLst>
+          </p:cNvPr>
+          <p:cNvCxnSpPr>
+            <a:cxnSpLocks/>
+            <a:endCxn id="45" idx="0"/>
+          </p:cNvCxnSpPr>
+          <p:nvPr/>
+        </p:nvCxnSpPr>
+        <p:spPr>
+          <a:xfrm flipH="1">
+            <a:off x="5484140" y="2812721"/>
+            <a:ext cx="546936" cy="280809"/>
+          </a:xfrm>
+          <a:prstGeom prst="line">
+            <a:avLst/>
+          </a:prstGeom>
+          <a:ln w="9525" cap="flat" cmpd="sng" algn="ctr">
+            <a:solidFill>
+              <a:srgbClr val="C00000"/>
+            </a:solidFill>
+            <a:prstDash val="dash"/>
+            <a:round/>
+            <a:headEnd type="none" w="med" len="med"/>
+            <a:tailEnd type="none" w="med" len="med"/>
+          </a:ln>
+        </p:spPr>
+        <p:style>
+          <a:lnRef idx="0">
+            <a:scrgbClr r="0" g="0" b="0"/>
+          </a:lnRef>
+          <a:fillRef idx="0">
+            <a:scrgbClr r="0" g="0" b="0"/>
+          </a:fillRef>
+          <a:effectRef idx="0">
+            <a:scrgbClr r="0" g="0" b="0"/>
+          </a:effectRef>
+          <a:fontRef idx="minor">
+            <a:schemeClr val="tx1"/>
+          </a:fontRef>
+        </p:style>
+      </p:cxnSp>
+      <p:sp>
+        <p:nvSpPr>
+          <p:cNvPr id="45" name="Rectangle 44">
+            <a:extLst>
+              <a:ext uri="{FF2B5EF4-FFF2-40B4-BE49-F238E27FC236}">
+                <a16:creationId xmlns:a16="http://schemas.microsoft.com/office/drawing/2014/main" id="{8AFFBB61-0BFA-3143-831D-42EC8638D935}"/>
+              </a:ext>
+            </a:extLst>
+          </p:cNvPr>
+          <p:cNvSpPr/>
+          <p:nvPr/>
+        </p:nvSpPr>
+        <p:spPr>
+          <a:xfrm>
+            <a:off x="4833962" y="3093530"/>
+            <a:ext cx="1300356" cy="307777"/>
+          </a:xfrm>
+          <a:prstGeom prst="rect">
+            <a:avLst/>
+          </a:prstGeom>
+        </p:spPr>
+        <p:txBody>
+          <a:bodyPr wrap="none">
+            <a:spAutoFit/>
+          </a:bodyPr>
+          <a:lstStyle/>
+          <a:p>
+            <a:pPr algn="ctr"/>
+            <a:r>
+              <a:rPr lang="en-US" sz="1400" dirty="0">
+                <a:solidFill>
+                  <a:srgbClr val="C00000"/>
+                </a:solidFill>
+                <a:latin typeface="Avenir Roman" panose="02000503020000020003" pitchFamily="2" charset="0"/>
+              </a:rPr>
+              <a:t>Average of…</a:t>
+            </a:r>
+          </a:p>
+        </p:txBody>
+      </p:sp>
+      <p:sp>
+        <p:nvSpPr>
+          <p:cNvPr id="47" name="Rectangle 46">
+            <a:extLst>
+              <a:ext uri="{FF2B5EF4-FFF2-40B4-BE49-F238E27FC236}">
+                <a16:creationId xmlns:a16="http://schemas.microsoft.com/office/drawing/2014/main" id="{C831ECCD-0903-364C-9679-2C1DAAF6C182}"/>
+              </a:ext>
+            </a:extLst>
+          </p:cNvPr>
+          <p:cNvSpPr/>
+          <p:nvPr/>
+        </p:nvSpPr>
+        <p:spPr>
+          <a:xfrm>
+            <a:off x="6640129" y="2234341"/>
+            <a:ext cx="1090002" cy="490950"/>
+          </a:xfrm>
+          <a:prstGeom prst="rect">
+            <a:avLst/>
+          </a:prstGeom>
+          <a:noFill/>
+          <a:ln>
+            <a:solidFill>
+              <a:schemeClr val="accent1">
+                <a:lumMod val="50000"/>
+              </a:schemeClr>
+            </a:solidFill>
+          </a:ln>
+        </p:spPr>
+        <p:style>
+          <a:lnRef idx="2">
+            <a:schemeClr val="dk1"/>
+          </a:lnRef>
+          <a:fillRef idx="1">
+            <a:schemeClr val="lt1"/>
+          </a:fillRef>
+          <a:effectRef idx="0">
+            <a:schemeClr val="dk1"/>
+          </a:effectRef>
+          <a:fontRef idx="minor">
+            <a:schemeClr val="dk1"/>
+          </a:fontRef>
+        </p:style>
+        <p:txBody>
+          <a:bodyPr rtlCol="0" anchor="ctr"/>
+          <a:lstStyle/>
+          <a:p>
+            <a:pPr algn="ctr"/>
+            <a:endParaRPr lang="en-US">
+              <a:solidFill>
+                <a:schemeClr val="accent1">
+                  <a:lumMod val="50000"/>
+                </a:schemeClr>
+              </a:solidFill>
+            </a:endParaRPr>
+          </a:p>
+        </p:txBody>
+      </p:sp>
+      <p:cxnSp>
+        <p:nvCxnSpPr>
+          <p:cNvPr id="48" name="Straight Connector 47">
+            <a:extLst>
+              <a:ext uri="{FF2B5EF4-FFF2-40B4-BE49-F238E27FC236}">
+                <a16:creationId xmlns:a16="http://schemas.microsoft.com/office/drawing/2014/main" id="{1856A8EF-F32A-694E-9611-F1F9A200AD08}"/>
+              </a:ext>
+            </a:extLst>
+          </p:cNvPr>
+          <p:cNvCxnSpPr>
+            <a:cxnSpLocks/>
+          </p:cNvCxnSpPr>
+          <p:nvPr/>
+        </p:nvCxnSpPr>
+        <p:spPr>
+          <a:xfrm flipH="1">
+            <a:off x="7699682" y="2467456"/>
+            <a:ext cx="492727" cy="0"/>
+          </a:xfrm>
+          <a:prstGeom prst="line">
+            <a:avLst/>
+          </a:prstGeom>
+          <a:ln w="9525" cap="flat" cmpd="sng" algn="ctr">
+            <a:solidFill>
+              <a:schemeClr val="accent1">
+                <a:lumMod val="50000"/>
+              </a:schemeClr>
+            </a:solidFill>
+            <a:prstDash val="dash"/>
+            <a:round/>
+            <a:headEnd type="none" w="med" len="med"/>
+            <a:tailEnd type="none" w="med" len="med"/>
+          </a:ln>
+        </p:spPr>
+        <p:style>
+          <a:lnRef idx="0">
+            <a:scrgbClr r="0" g="0" b="0"/>
+          </a:lnRef>
+          <a:fillRef idx="0">
+            <a:scrgbClr r="0" g="0" b="0"/>
+          </a:fillRef>
+          <a:effectRef idx="0">
+            <a:scrgbClr r="0" g="0" b="0"/>
+          </a:effectRef>
+          <a:fontRef idx="minor">
+            <a:schemeClr val="tx1"/>
+          </a:fontRef>
+        </p:style>
+      </p:cxnSp>
+      <p:sp>
+        <p:nvSpPr>
+          <p:cNvPr id="50" name="Rectangle 49">
+            <a:extLst>
+              <a:ext uri="{FF2B5EF4-FFF2-40B4-BE49-F238E27FC236}">
+                <a16:creationId xmlns:a16="http://schemas.microsoft.com/office/drawing/2014/main" id="{04F5F524-D940-FC4A-AA49-0D5F1552A266}"/>
+              </a:ext>
+            </a:extLst>
+          </p:cNvPr>
+          <p:cNvSpPr/>
+          <p:nvPr/>
+        </p:nvSpPr>
+        <p:spPr>
+          <a:xfrm>
+            <a:off x="8160490" y="2224347"/>
+            <a:ext cx="998992" cy="523220"/>
+          </a:xfrm>
+          <a:prstGeom prst="rect">
+            <a:avLst/>
+          </a:prstGeom>
+        </p:spPr>
+        <p:txBody>
+          <a:bodyPr wrap="none">
+            <a:spAutoFit/>
+          </a:bodyPr>
+          <a:lstStyle/>
+          <a:p>
+            <a:pPr algn="ctr"/>
+            <a:r>
+              <a:rPr lang="en-US" sz="1400" dirty="0">
+                <a:solidFill>
+                  <a:schemeClr val="accent1">
+                    <a:lumMod val="50000"/>
+                  </a:schemeClr>
+                </a:solidFill>
+                <a:latin typeface="Avenir Roman" panose="02000503020000020003" pitchFamily="2" charset="0"/>
+              </a:rPr>
+              <a:t>Absolute </a:t>
+            </a:r>
+          </a:p>
+          <a:p>
+            <a:pPr algn="ctr"/>
+            <a:r>
+              <a:rPr lang="en-US" sz="1400" dirty="0">
+                <a:solidFill>
+                  <a:schemeClr val="accent1">
+                    <a:lumMod val="50000"/>
+                  </a:schemeClr>
+                </a:solidFill>
+                <a:latin typeface="Avenir Roman" panose="02000503020000020003" pitchFamily="2" charset="0"/>
+              </a:rPr>
+              <a:t>value of…</a:t>
+            </a:r>
+          </a:p>
+        </p:txBody>
+      </p:sp>
+      <p:sp>
+        <p:nvSpPr>
+          <p:cNvPr id="31" name="Rectangle 30">
+            <a:extLst>
+              <a:ext uri="{FF2B5EF4-FFF2-40B4-BE49-F238E27FC236}">
+                <a16:creationId xmlns:a16="http://schemas.microsoft.com/office/drawing/2014/main" id="{1AF93F92-EEB8-704D-B948-FD682B7073FF}"/>
+              </a:ext>
+            </a:extLst>
+          </p:cNvPr>
+          <p:cNvSpPr/>
+          <p:nvPr/>
+        </p:nvSpPr>
+        <p:spPr>
+          <a:xfrm>
+            <a:off x="4927467" y="593714"/>
+            <a:ext cx="3236079" cy="461665"/>
+          </a:xfrm>
+          <a:prstGeom prst="rect">
+            <a:avLst/>
+          </a:prstGeom>
+        </p:spPr>
+        <p:txBody>
+          <a:bodyPr wrap="none">
+            <a:spAutoFit/>
+          </a:bodyPr>
+          <a:lstStyle/>
+          <a:p>
+            <a:r>
+              <a:rPr lang="en-US" sz="2400" b="1" dirty="0">
+                <a:latin typeface="Avenir Black" panose="02000503020000020003" pitchFamily="2" charset="0"/>
+              </a:rPr>
+              <a:t>Mean Absolute Error</a:t>
+            </a:r>
+            <a:endParaRPr lang="en-US" sz="2400" dirty="0"/>
+          </a:p>
+        </p:txBody>
+      </p:sp>
+    </p:spTree>
+    <p:extLst>
+      <p:ext uri="{BB962C8B-B14F-4D97-AF65-F5344CB8AC3E}">
+        <p14:creationId xmlns:p14="http://schemas.microsoft.com/office/powerpoint/2010/main" val="3866590721"/>
+      </p:ext>
+    </p:extLst>
+  </p:cSld>
+  <p:clrMapOvr>
+    <a:masterClrMapping/>
+  </p:clrMapOvr>
+</p:sld>
+</file>
+
+<file path=ppt/slides/slide11.xml><?xml version="1.0" encoding="utf-8"?>
+<p:sld xmlns:a="http://schemas.openxmlformats.org/drawingml/2006/main" xmlns:r="http://schemas.openxmlformats.org/officeDocument/2006/relationships" xmlns:p="http://schemas.openxmlformats.org/presentationml/2006/main">
+  <p:cSld>
+    <p:spTree>
+      <p:nvGrpSpPr>
+        <p:cNvPr id="1" name=""/>
+        <p:cNvGrpSpPr/>
+        <p:nvPr/>
+      </p:nvGrpSpPr>
+      <p:grpSpPr>
+        <a:xfrm>
+          <a:off x="0" y="0"/>
+          <a:ext cx="0" cy="0"/>
+          <a:chOff x="0" y="0"/>
+          <a:chExt cx="0" cy="0"/>
+        </a:xfrm>
+      </p:grpSpPr>
+      <p:cxnSp>
+        <p:nvCxnSpPr>
+          <p:cNvPr id="5" name="Straight Arrow Connector 4">
+            <a:extLst>
+              <a:ext uri="{FF2B5EF4-FFF2-40B4-BE49-F238E27FC236}">
+                <a16:creationId xmlns:a16="http://schemas.microsoft.com/office/drawing/2014/main" id="{14C1BCF9-D974-F24A-9036-18381FE7B587}"/>
+              </a:ext>
+            </a:extLst>
+          </p:cNvPr>
+          <p:cNvCxnSpPr/>
+          <p:nvPr/>
+        </p:nvCxnSpPr>
+        <p:spPr>
+          <a:xfrm flipV="1">
+            <a:off x="4313813" y="2536552"/>
+            <a:ext cx="0" cy="3474720"/>
+          </a:xfrm>
+          <a:prstGeom prst="straightConnector1">
+            <a:avLst/>
+          </a:prstGeom>
+          <a:ln>
+            <a:tailEnd type="triangle"/>
+          </a:ln>
+        </p:spPr>
+        <p:style>
+          <a:lnRef idx="3">
+            <a:schemeClr val="dk1"/>
+          </a:lnRef>
+          <a:fillRef idx="0">
+            <a:schemeClr val="dk1"/>
+          </a:fillRef>
+          <a:effectRef idx="2">
+            <a:schemeClr val="dk1"/>
+          </a:effectRef>
+          <a:fontRef idx="minor">
+            <a:schemeClr val="tx1"/>
+          </a:fontRef>
+        </p:style>
+      </p:cxnSp>
+      <p:cxnSp>
+        <p:nvCxnSpPr>
+          <p:cNvPr id="6" name="Straight Arrow Connector 5">
+            <a:extLst>
+              <a:ext uri="{FF2B5EF4-FFF2-40B4-BE49-F238E27FC236}">
+                <a16:creationId xmlns:a16="http://schemas.microsoft.com/office/drawing/2014/main" id="{37758B7A-6393-9C4C-AF31-6AD235A42E1A}"/>
+              </a:ext>
+            </a:extLst>
+          </p:cNvPr>
+          <p:cNvCxnSpPr>
+            <a:cxnSpLocks/>
+          </p:cNvCxnSpPr>
+          <p:nvPr/>
+        </p:nvCxnSpPr>
+        <p:spPr>
+          <a:xfrm>
+            <a:off x="4313813" y="6011272"/>
+            <a:ext cx="4174274" cy="0"/>
+          </a:xfrm>
+          <a:prstGeom prst="straightConnector1">
+            <a:avLst/>
+          </a:prstGeom>
+          <a:ln>
+            <a:tailEnd type="triangle"/>
+          </a:ln>
+        </p:spPr>
+        <p:style>
+          <a:lnRef idx="3">
+            <a:schemeClr val="dk1"/>
+          </a:lnRef>
+          <a:fillRef idx="0">
+            <a:schemeClr val="dk1"/>
+          </a:fillRef>
+          <a:effectRef idx="2">
+            <a:schemeClr val="dk1"/>
+          </a:effectRef>
+          <a:fontRef idx="minor">
+            <a:schemeClr val="tx1"/>
+          </a:fontRef>
+        </p:style>
+      </p:cxnSp>
+      <p:cxnSp>
+        <p:nvCxnSpPr>
+          <p:cNvPr id="9" name="Straight Connector 8">
+            <a:extLst>
+              <a:ext uri="{FF2B5EF4-FFF2-40B4-BE49-F238E27FC236}">
+                <a16:creationId xmlns:a16="http://schemas.microsoft.com/office/drawing/2014/main" id="{D83F23B7-7093-794D-BF08-70933BB31108}"/>
+              </a:ext>
+            </a:extLst>
+          </p:cNvPr>
+          <p:cNvCxnSpPr>
+            <a:cxnSpLocks/>
+          </p:cNvCxnSpPr>
+          <p:nvPr/>
+        </p:nvCxnSpPr>
+        <p:spPr>
+          <a:xfrm flipV="1">
+            <a:off x="4463062" y="2815378"/>
+            <a:ext cx="3902721" cy="3315725"/>
+          </a:xfrm>
+          <a:prstGeom prst="line">
+            <a:avLst/>
+          </a:prstGeom>
+        </p:spPr>
+        <p:style>
+          <a:lnRef idx="3">
+            <a:schemeClr val="accent1"/>
+          </a:lnRef>
+          <a:fillRef idx="0">
+            <a:schemeClr val="accent1"/>
+          </a:fillRef>
+          <a:effectRef idx="2">
+            <a:schemeClr val="accent1"/>
+          </a:effectRef>
+          <a:fontRef idx="minor">
+            <a:schemeClr val="tx1"/>
+          </a:fontRef>
+        </p:style>
+      </p:cxnSp>
+      <p:sp>
+        <p:nvSpPr>
+          <p:cNvPr id="11" name="Oval 10">
+            <a:extLst>
+              <a:ext uri="{FF2B5EF4-FFF2-40B4-BE49-F238E27FC236}">
+                <a16:creationId xmlns:a16="http://schemas.microsoft.com/office/drawing/2014/main" id="{EA1EEF15-83FB-3D49-8865-7EAA71E3B6F7}"/>
+              </a:ext>
+            </a:extLst>
+          </p:cNvPr>
+          <p:cNvSpPr/>
+          <p:nvPr/>
+        </p:nvSpPr>
+        <p:spPr>
+          <a:xfrm>
+            <a:off x="7515682" y="3157412"/>
+            <a:ext cx="122304" cy="122304"/>
+          </a:xfrm>
+          <a:prstGeom prst="ellipse">
+            <a:avLst/>
+          </a:prstGeom>
+          <a:solidFill>
+            <a:schemeClr val="tx1"/>
+          </a:solidFill>
+          <a:ln>
+            <a:noFill/>
+          </a:ln>
+        </p:spPr>
+        <p:style>
+          <a:lnRef idx="2">
+            <a:schemeClr val="accent1">
+              <a:shade val="50000"/>
+            </a:schemeClr>
+          </a:lnRef>
+          <a:fillRef idx="1">
+            <a:schemeClr val="accent1"/>
+          </a:fillRef>
+          <a:effectRef idx="0">
+            <a:schemeClr val="accent1"/>
+          </a:effectRef>
+          <a:fontRef idx="minor">
+            <a:schemeClr val="lt1"/>
+          </a:fontRef>
+        </p:style>
+        <p:txBody>
+          <a:bodyPr rtlCol="0" anchor="ctr"/>
+          <a:lstStyle/>
+          <a:p>
+            <a:pPr algn="ctr"/>
+            <a:endParaRPr lang="en-US">
+              <a:solidFill>
+                <a:schemeClr val="tx1"/>
+              </a:solidFill>
+            </a:endParaRPr>
+          </a:p>
+        </p:txBody>
+      </p:sp>
+      <p:sp>
+        <p:nvSpPr>
+          <p:cNvPr id="12" name="Oval 11">
+            <a:extLst>
+              <a:ext uri="{FF2B5EF4-FFF2-40B4-BE49-F238E27FC236}">
+                <a16:creationId xmlns:a16="http://schemas.microsoft.com/office/drawing/2014/main" id="{C55F11FE-F439-754A-B7F8-591F8F1BBF8D}"/>
+              </a:ext>
+            </a:extLst>
+          </p:cNvPr>
+          <p:cNvSpPr/>
+          <p:nvPr/>
+        </p:nvSpPr>
+        <p:spPr>
+          <a:xfrm>
+            <a:off x="6339798" y="3766155"/>
+            <a:ext cx="122304" cy="122304"/>
+          </a:xfrm>
+          <a:prstGeom prst="ellipse">
+            <a:avLst/>
+          </a:prstGeom>
+          <a:solidFill>
+            <a:schemeClr val="tx1"/>
+          </a:solidFill>
+          <a:ln>
+            <a:noFill/>
+          </a:ln>
+        </p:spPr>
+        <p:style>
+          <a:lnRef idx="2">
+            <a:schemeClr val="accent1">
+              <a:shade val="50000"/>
+            </a:schemeClr>
+          </a:lnRef>
+          <a:fillRef idx="1">
+            <a:schemeClr val="accent1"/>
+          </a:fillRef>
+          <a:effectRef idx="0">
+            <a:schemeClr val="accent1"/>
+          </a:effectRef>
+          <a:fontRef idx="minor">
+            <a:schemeClr val="lt1"/>
+          </a:fontRef>
+        </p:style>
+        <p:txBody>
+          <a:bodyPr rtlCol="0" anchor="ctr"/>
+          <a:lstStyle/>
+          <a:p>
+            <a:pPr algn="ctr"/>
+            <a:endParaRPr lang="en-US">
+              <a:solidFill>
+                <a:schemeClr val="tx1"/>
+              </a:solidFill>
+            </a:endParaRPr>
+          </a:p>
+        </p:txBody>
+      </p:sp>
+      <p:sp>
+        <p:nvSpPr>
+          <p:cNvPr id="13" name="Oval 12">
+            <a:extLst>
+              <a:ext uri="{FF2B5EF4-FFF2-40B4-BE49-F238E27FC236}">
+                <a16:creationId xmlns:a16="http://schemas.microsoft.com/office/drawing/2014/main" id="{F070C116-D57E-8E46-B048-FB5B06D4551F}"/>
+              </a:ext>
+            </a:extLst>
+          </p:cNvPr>
+          <p:cNvSpPr/>
+          <p:nvPr/>
+        </p:nvSpPr>
+        <p:spPr>
+          <a:xfrm>
+            <a:off x="8365783" y="3292706"/>
+            <a:ext cx="122304" cy="122304"/>
+          </a:xfrm>
+          <a:prstGeom prst="ellipse">
+            <a:avLst/>
+          </a:prstGeom>
+          <a:solidFill>
+            <a:schemeClr val="tx1"/>
+          </a:solidFill>
+          <a:ln>
+            <a:noFill/>
+          </a:ln>
+        </p:spPr>
+        <p:style>
+          <a:lnRef idx="2">
+            <a:schemeClr val="accent1">
+              <a:shade val="50000"/>
+            </a:schemeClr>
+          </a:lnRef>
+          <a:fillRef idx="1">
+            <a:schemeClr val="accent1"/>
+          </a:fillRef>
+          <a:effectRef idx="0">
+            <a:schemeClr val="accent1"/>
+          </a:effectRef>
+          <a:fontRef idx="minor">
+            <a:schemeClr val="lt1"/>
+          </a:fontRef>
+        </p:style>
+        <p:txBody>
+          <a:bodyPr rtlCol="0" anchor="ctr"/>
+          <a:lstStyle/>
+          <a:p>
+            <a:pPr algn="ctr"/>
+            <a:endParaRPr lang="en-US">
+              <a:solidFill>
+                <a:schemeClr val="tx1"/>
+              </a:solidFill>
+            </a:endParaRPr>
+          </a:p>
+        </p:txBody>
+      </p:sp>
+      <p:sp>
+        <p:nvSpPr>
+          <p:cNvPr id="15" name="Oval 14">
+            <a:extLst>
+              <a:ext uri="{FF2B5EF4-FFF2-40B4-BE49-F238E27FC236}">
+                <a16:creationId xmlns:a16="http://schemas.microsoft.com/office/drawing/2014/main" id="{CCA56893-FA05-0E44-A526-2BB98AF6DDAC}"/>
+              </a:ext>
+            </a:extLst>
+          </p:cNvPr>
+          <p:cNvSpPr/>
+          <p:nvPr/>
+        </p:nvSpPr>
+        <p:spPr>
+          <a:xfrm>
+            <a:off x="6278646" y="4882490"/>
+            <a:ext cx="122304" cy="122304"/>
+          </a:xfrm>
+          <a:prstGeom prst="ellipse">
+            <a:avLst/>
+          </a:prstGeom>
+          <a:solidFill>
+            <a:schemeClr val="tx1"/>
+          </a:solidFill>
+          <a:ln>
+            <a:noFill/>
+          </a:ln>
+        </p:spPr>
+        <p:style>
+          <a:lnRef idx="2">
+            <a:schemeClr val="accent1">
+              <a:shade val="50000"/>
+            </a:schemeClr>
+          </a:lnRef>
+          <a:fillRef idx="1">
+            <a:schemeClr val="accent1"/>
+          </a:fillRef>
+          <a:effectRef idx="0">
+            <a:schemeClr val="accent1"/>
+          </a:effectRef>
+          <a:fontRef idx="minor">
+            <a:schemeClr val="lt1"/>
+          </a:fontRef>
+        </p:style>
+        <p:txBody>
+          <a:bodyPr rtlCol="0" anchor="ctr"/>
+          <a:lstStyle/>
+          <a:p>
+            <a:pPr algn="ctr"/>
+            <a:endParaRPr lang="en-US">
+              <a:solidFill>
+                <a:schemeClr val="tx1"/>
+              </a:solidFill>
+            </a:endParaRPr>
+          </a:p>
+        </p:txBody>
+      </p:sp>
+      <p:sp>
+        <p:nvSpPr>
+          <p:cNvPr id="17" name="Oval 16">
+            <a:extLst>
+              <a:ext uri="{FF2B5EF4-FFF2-40B4-BE49-F238E27FC236}">
+                <a16:creationId xmlns:a16="http://schemas.microsoft.com/office/drawing/2014/main" id="{C58F75B6-341D-6E40-B860-4A13EED4781C}"/>
+              </a:ext>
+            </a:extLst>
+          </p:cNvPr>
+          <p:cNvSpPr/>
+          <p:nvPr/>
+        </p:nvSpPr>
+        <p:spPr>
+          <a:xfrm>
+            <a:off x="5197525" y="4779505"/>
+            <a:ext cx="122304" cy="122304"/>
+          </a:xfrm>
+          <a:prstGeom prst="ellipse">
+            <a:avLst/>
+          </a:prstGeom>
+          <a:solidFill>
+            <a:schemeClr val="tx1"/>
+          </a:solidFill>
+          <a:ln>
+            <a:noFill/>
+          </a:ln>
+        </p:spPr>
+        <p:style>
+          <a:lnRef idx="2">
+            <a:schemeClr val="accent1">
+              <a:shade val="50000"/>
+            </a:schemeClr>
+          </a:lnRef>
+          <a:fillRef idx="1">
+            <a:schemeClr val="accent1"/>
+          </a:fillRef>
+          <a:effectRef idx="0">
+            <a:schemeClr val="accent1"/>
+          </a:effectRef>
+          <a:fontRef idx="minor">
+            <a:schemeClr val="lt1"/>
+          </a:fontRef>
+        </p:style>
+        <p:txBody>
+          <a:bodyPr rtlCol="0" anchor="ctr"/>
+          <a:lstStyle/>
+          <a:p>
+            <a:pPr algn="ctr"/>
+            <a:endParaRPr lang="en-US">
+              <a:solidFill>
+                <a:schemeClr val="tx1"/>
+              </a:solidFill>
+            </a:endParaRPr>
+          </a:p>
+        </p:txBody>
+      </p:sp>
+      <p:sp>
+        <p:nvSpPr>
+          <p:cNvPr id="19" name="Oval 18">
+            <a:extLst>
+              <a:ext uri="{FF2B5EF4-FFF2-40B4-BE49-F238E27FC236}">
+                <a16:creationId xmlns:a16="http://schemas.microsoft.com/office/drawing/2014/main" id="{62100974-AB9E-6546-A020-47E6973738A0}"/>
+              </a:ext>
+            </a:extLst>
+          </p:cNvPr>
+          <p:cNvSpPr/>
+          <p:nvPr/>
+        </p:nvSpPr>
+        <p:spPr>
+          <a:xfrm>
+            <a:off x="7188738" y="5067547"/>
+            <a:ext cx="122304" cy="122304"/>
+          </a:xfrm>
+          <a:prstGeom prst="ellipse">
+            <a:avLst/>
+          </a:prstGeom>
+          <a:solidFill>
+            <a:schemeClr val="tx1"/>
+          </a:solidFill>
+          <a:ln>
+            <a:noFill/>
+          </a:ln>
+        </p:spPr>
+        <p:style>
+          <a:lnRef idx="2">
+            <a:schemeClr val="accent1">
+              <a:shade val="50000"/>
+            </a:schemeClr>
+          </a:lnRef>
+          <a:fillRef idx="1">
+            <a:schemeClr val="accent1"/>
+          </a:fillRef>
+          <a:effectRef idx="0">
+            <a:schemeClr val="accent1"/>
+          </a:effectRef>
+          <a:fontRef idx="minor">
+            <a:schemeClr val="lt1"/>
+          </a:fontRef>
+        </p:style>
+        <p:txBody>
+          <a:bodyPr rtlCol="0" anchor="ctr"/>
+          <a:lstStyle/>
+          <a:p>
+            <a:pPr algn="ctr"/>
+            <a:endParaRPr lang="en-US">
+              <a:solidFill>
+                <a:schemeClr val="tx1"/>
+              </a:solidFill>
+            </a:endParaRPr>
+          </a:p>
+        </p:txBody>
+      </p:sp>
+      <p:sp>
+        <p:nvSpPr>
+          <p:cNvPr id="20" name="Oval 19">
+            <a:extLst>
+              <a:ext uri="{FF2B5EF4-FFF2-40B4-BE49-F238E27FC236}">
+                <a16:creationId xmlns:a16="http://schemas.microsoft.com/office/drawing/2014/main" id="{47AE051D-5677-EC4D-A11E-908731BC3089}"/>
+              </a:ext>
+            </a:extLst>
+          </p:cNvPr>
+          <p:cNvSpPr/>
+          <p:nvPr/>
+        </p:nvSpPr>
+        <p:spPr>
+          <a:xfrm>
+            <a:off x="7352790" y="3888459"/>
+            <a:ext cx="122304" cy="122304"/>
+          </a:xfrm>
+          <a:prstGeom prst="ellipse">
+            <a:avLst/>
+          </a:prstGeom>
+          <a:solidFill>
+            <a:schemeClr val="tx1"/>
+          </a:solidFill>
+          <a:ln>
+            <a:noFill/>
+          </a:ln>
+        </p:spPr>
+        <p:style>
+          <a:lnRef idx="2">
+            <a:schemeClr val="accent1">
+              <a:shade val="50000"/>
+            </a:schemeClr>
+          </a:lnRef>
+          <a:fillRef idx="1">
+            <a:schemeClr val="accent1"/>
+          </a:fillRef>
+          <a:effectRef idx="0">
+            <a:schemeClr val="accent1"/>
+          </a:effectRef>
+          <a:fontRef idx="minor">
+            <a:schemeClr val="lt1"/>
+          </a:fontRef>
+        </p:style>
+        <p:txBody>
+          <a:bodyPr rtlCol="0" anchor="ctr"/>
+          <a:lstStyle/>
+          <a:p>
+            <a:pPr algn="ctr"/>
+            <a:endParaRPr lang="en-US">
+              <a:solidFill>
+                <a:schemeClr val="tx1"/>
+              </a:solidFill>
+            </a:endParaRPr>
+          </a:p>
+        </p:txBody>
+      </p:sp>
+      <mc:AlternateContent xmlns:mc="http://schemas.openxmlformats.org/markup-compatibility/2006" xmlns:a14="http://schemas.microsoft.com/office/drawing/2010/main">
+        <mc:Choice Requires="a14">
+          <p:sp>
+            <p:nvSpPr>
+              <p:cNvPr id="32" name="TextBox 31">
+                <a:extLst>
+                  <a:ext uri="{FF2B5EF4-FFF2-40B4-BE49-F238E27FC236}">
+                    <a16:creationId xmlns:a16="http://schemas.microsoft.com/office/drawing/2014/main" id="{6D87767D-EC41-D64E-BF08-10B9EB05E875}"/>
+                  </a:ext>
+                </a:extLst>
+              </p:cNvPr>
+              <p:cNvSpPr txBox="1"/>
+              <p:nvPr/>
+            </p:nvSpPr>
+            <p:spPr>
+              <a:xfrm>
+                <a:off x="4931092" y="1829494"/>
+                <a:ext cx="3030060" cy="894219"/>
+              </a:xfrm>
+              <a:prstGeom prst="rect">
+                <a:avLst/>
+              </a:prstGeom>
+              <a:noFill/>
+            </p:spPr>
+            <p:txBody>
+              <a:bodyPr wrap="none" lIns="0" tIns="0" rIns="0" bIns="0" rtlCol="0">
+                <a:spAutoFit/>
+              </a:bodyPr>
+              <a:lstStyle/>
+              <a:p>
+                <a:pPr/>
+                <a14:m>
+                  <m:oMathPara xmlns:m="http://schemas.openxmlformats.org/officeDocument/2006/math">
+                    <m:oMathParaPr>
+                      <m:jc m:val="centerGroup"/>
+                    </m:oMathParaPr>
+                    <m:oMath xmlns:m="http://schemas.openxmlformats.org/officeDocument/2006/math">
+                      <m:r>
+                        <a:rPr lang="en-US" sz="2400" b="0" i="1" smtClean="0">
+                          <a:latin typeface="Cambria Math" panose="02040503050406030204" pitchFamily="18" charset="0"/>
+                        </a:rPr>
+                        <m:t>𝑀𝑆𝐸</m:t>
+                      </m:r>
+                      <m:r>
+                        <a:rPr lang="en-US" sz="2400" b="0" i="1" smtClean="0">
+                          <a:latin typeface="Cambria Math" panose="02040503050406030204" pitchFamily="18" charset="0"/>
+                        </a:rPr>
+                        <m:t>= </m:t>
+                      </m:r>
+                      <m:f>
+                        <m:fPr>
+                          <m:ctrlPr>
+                            <a:rPr lang="en-US" sz="2400" b="0" i="1" smtClean="0">
+                              <a:latin typeface="Cambria Math" panose="02040503050406030204" pitchFamily="18" charset="0"/>
+                            </a:rPr>
+                          </m:ctrlPr>
+                        </m:fPr>
+                        <m:num>
+                          <m:r>
+                            <a:rPr lang="en-US" sz="2400" b="0" i="1" smtClean="0">
+                              <a:latin typeface="Cambria Math" panose="02040503050406030204" pitchFamily="18" charset="0"/>
+                            </a:rPr>
+                            <m:t>1</m:t>
+                          </m:r>
+                        </m:num>
+                        <m:den>
+                          <m:r>
+                            <a:rPr lang="en-US" sz="2400" b="0" i="1" smtClean="0">
+                              <a:latin typeface="Cambria Math" panose="02040503050406030204" pitchFamily="18" charset="0"/>
+                            </a:rPr>
+                            <m:t>𝑛</m:t>
+                          </m:r>
+                        </m:den>
+                      </m:f>
+                      <m:nary>
+                        <m:naryPr>
+                          <m:chr m:val="∑"/>
+                          <m:subHide m:val="on"/>
+                          <m:supHide m:val="on"/>
+                          <m:ctrlPr>
+                            <a:rPr lang="en-US" sz="2400" b="0" i="1" smtClean="0">
+                              <a:latin typeface="Cambria Math" panose="02040503050406030204" pitchFamily="18" charset="0"/>
+                            </a:rPr>
+                          </m:ctrlPr>
+                        </m:naryPr>
+                        <m:sub/>
+                        <m:sup/>
+                        <m:e>
+                          <m:d>
+                            <m:dPr>
+                              <m:ctrlPr>
+                                <a:rPr lang="en-US" sz="2400" b="0" i="1" smtClean="0">
+                                  <a:latin typeface="Cambria Math" panose="02040503050406030204" pitchFamily="18" charset="0"/>
+                                </a:rPr>
+                              </m:ctrlPr>
+                            </m:dPr>
+                            <m:e>
+                              <m:r>
+                                <a:rPr lang="en-US" sz="2400" b="0" i="1" smtClean="0">
+                                  <a:latin typeface="Cambria Math" panose="02040503050406030204" pitchFamily="18" charset="0"/>
+                                </a:rPr>
+                                <m:t>𝑦</m:t>
+                              </m:r>
+                              <m:r>
+                                <a:rPr lang="en-US" sz="2400" b="0" i="1" smtClean="0">
+                                  <a:latin typeface="Cambria Math" panose="02040503050406030204" pitchFamily="18" charset="0"/>
+                                </a:rPr>
+                                <m:t> − </m:t>
+                              </m:r>
+                              <m:acc>
+                                <m:accPr>
+                                  <m:chr m:val="̂"/>
+                                  <m:ctrlPr>
+                                    <a:rPr lang="en-US" sz="2400" b="0" i="1" smtClean="0">
+                                      <a:latin typeface="Cambria Math" panose="02040503050406030204" pitchFamily="18" charset="0"/>
+                                    </a:rPr>
+                                  </m:ctrlPr>
+                                </m:accPr>
+                                <m:e>
+                                  <m:r>
+                                    <a:rPr lang="en-US" sz="2400" b="0" i="1" smtClean="0">
+                                      <a:latin typeface="Cambria Math" panose="02040503050406030204" pitchFamily="18" charset="0"/>
+                                    </a:rPr>
+                                    <m:t>𝑦</m:t>
+                                  </m:r>
+                                </m:e>
+                              </m:acc>
+                            </m:e>
+                          </m:d>
+                          <m:r>
+                            <a:rPr lang="en-US" sz="2400" b="0" i="1" baseline="30000" smtClean="0">
+                              <a:latin typeface="Cambria Math" panose="02040503050406030204" pitchFamily="18" charset="0"/>
+                            </a:rPr>
+                            <m:t>2</m:t>
+                          </m:r>
+                        </m:e>
+                      </m:nary>
+                    </m:oMath>
+                  </m:oMathPara>
+                </a14:m>
+                <a:endParaRPr lang="en-US" sz="2400" dirty="0"/>
+              </a:p>
+            </p:txBody>
+          </p:sp>
+        </mc:Choice>
+        <mc:Fallback xmlns="">
+          <p:sp>
+            <p:nvSpPr>
+              <p:cNvPr id="32" name="TextBox 31">
+                <a:extLst>
+                  <a:ext uri="{FF2B5EF4-FFF2-40B4-BE49-F238E27FC236}">
+                    <a16:creationId xmlns:a16="http://schemas.microsoft.com/office/drawing/2014/main" id="{6D87767D-EC41-D64E-BF08-10B9EB05E875}"/>
+                  </a:ext>
+                </a:extLst>
+              </p:cNvPr>
+              <p:cNvSpPr txBox="1">
+                <a:spLocks noRot="1" noChangeAspect="1" noMove="1" noResize="1" noEditPoints="1" noAdjustHandles="1" noChangeArrowheads="1" noChangeShapeType="1" noTextEdit="1"/>
+              </p:cNvSpPr>
+              <p:nvPr/>
+            </p:nvSpPr>
+            <p:spPr>
+              <a:xfrm>
+                <a:off x="4931092" y="1829494"/>
+                <a:ext cx="3030060" cy="894219"/>
+              </a:xfrm>
+              <a:prstGeom prst="rect">
+                <a:avLst/>
+              </a:prstGeom>
+              <a:blipFill>
+                <a:blip r:embed="rId3"/>
+                <a:stretch>
+                  <a:fillRect l="-1250" t="-152857" r="-417" b="-208571"/>
+                </a:stretch>
+              </a:blipFill>
+            </p:spPr>
+            <p:txBody>
+              <a:bodyPr/>
+              <a:lstStyle/>
+              <a:p>
+                <a:r>
+                  <a:rPr lang="en-US">
+                    <a:noFill/>
+                  </a:rPr>
+                  <a:t> </a:t>
+                </a:r>
+              </a:p>
+            </p:txBody>
+          </p:sp>
+        </mc:Fallback>
+      </mc:AlternateContent>
+      <p:sp>
+        <p:nvSpPr>
+          <p:cNvPr id="33" name="Rectangle 32">
+            <a:extLst>
+              <a:ext uri="{FF2B5EF4-FFF2-40B4-BE49-F238E27FC236}">
+                <a16:creationId xmlns:a16="http://schemas.microsoft.com/office/drawing/2014/main" id="{345EEB74-5266-FA4F-BE2B-96CA4566DB1E}"/>
+              </a:ext>
+            </a:extLst>
+          </p:cNvPr>
+          <p:cNvSpPr/>
+          <p:nvPr/>
+        </p:nvSpPr>
+        <p:spPr>
+          <a:xfrm>
+            <a:off x="6811547" y="2065549"/>
+            <a:ext cx="209523" cy="383602"/>
+          </a:xfrm>
+          <a:prstGeom prst="rect">
+            <a:avLst/>
+          </a:prstGeom>
+          <a:noFill/>
+          <a:ln>
+            <a:solidFill>
+              <a:srgbClr val="C00000"/>
+            </a:solidFill>
+          </a:ln>
+        </p:spPr>
+        <p:style>
+          <a:lnRef idx="2">
+            <a:schemeClr val="dk1"/>
+          </a:lnRef>
+          <a:fillRef idx="1">
+            <a:schemeClr val="lt1"/>
+          </a:fillRef>
+          <a:effectRef idx="0">
+            <a:schemeClr val="dk1"/>
+          </a:effectRef>
+          <a:fontRef idx="minor">
+            <a:schemeClr val="dk1"/>
+          </a:fontRef>
+        </p:style>
+        <p:txBody>
+          <a:bodyPr rtlCol="0" anchor="ctr"/>
+          <a:lstStyle/>
+          <a:p>
+            <a:pPr algn="ctr"/>
+            <a:endParaRPr lang="en-US"/>
+          </a:p>
+        </p:txBody>
+      </p:sp>
+      <p:sp>
+        <p:nvSpPr>
+          <p:cNvPr id="34" name="Rectangle 33">
+            <a:extLst>
+              <a:ext uri="{FF2B5EF4-FFF2-40B4-BE49-F238E27FC236}">
+                <a16:creationId xmlns:a16="http://schemas.microsoft.com/office/drawing/2014/main" id="{F2D73EAE-56CF-7942-B3E2-8B95FD8E5ACD}"/>
+              </a:ext>
+            </a:extLst>
+          </p:cNvPr>
+          <p:cNvSpPr/>
+          <p:nvPr/>
+        </p:nvSpPr>
+        <p:spPr>
+          <a:xfrm>
+            <a:off x="7471467" y="2065549"/>
+            <a:ext cx="217282" cy="383602"/>
+          </a:xfrm>
+          <a:prstGeom prst="rect">
+            <a:avLst/>
+          </a:prstGeom>
+          <a:noFill/>
+          <a:ln>
+            <a:solidFill>
+              <a:srgbClr val="C00000"/>
+            </a:solidFill>
+          </a:ln>
+        </p:spPr>
+        <p:style>
+          <a:lnRef idx="2">
+            <a:schemeClr val="dk1"/>
+          </a:lnRef>
+          <a:fillRef idx="1">
+            <a:schemeClr val="lt1"/>
+          </a:fillRef>
+          <a:effectRef idx="0">
+            <a:schemeClr val="dk1"/>
+          </a:effectRef>
+          <a:fontRef idx="minor">
+            <a:schemeClr val="dk1"/>
+          </a:fontRef>
+        </p:style>
+        <p:txBody>
+          <a:bodyPr rtlCol="0" anchor="ctr"/>
+          <a:lstStyle/>
+          <a:p>
+            <a:pPr algn="ctr"/>
+            <a:endParaRPr lang="en-US"/>
+          </a:p>
+        </p:txBody>
+      </p:sp>
+      <p:cxnSp>
+        <p:nvCxnSpPr>
+          <p:cNvPr id="35" name="Straight Connector 34">
+            <a:extLst>
+              <a:ext uri="{FF2B5EF4-FFF2-40B4-BE49-F238E27FC236}">
+                <a16:creationId xmlns:a16="http://schemas.microsoft.com/office/drawing/2014/main" id="{4671380A-1663-2748-9253-7158D7A473CB}"/>
+              </a:ext>
+            </a:extLst>
+          </p:cNvPr>
+          <p:cNvCxnSpPr>
+            <a:cxnSpLocks/>
+          </p:cNvCxnSpPr>
+          <p:nvPr/>
+        </p:nvCxnSpPr>
+        <p:spPr>
+          <a:xfrm>
+            <a:off x="7625309" y="1686408"/>
+            <a:ext cx="0" cy="365534"/>
+          </a:xfrm>
+          <a:prstGeom prst="line">
+            <a:avLst/>
+          </a:prstGeom>
+          <a:ln w="9525" cap="flat" cmpd="sng" algn="ctr">
+            <a:solidFill>
+              <a:srgbClr val="C00000"/>
+            </a:solidFill>
+            <a:prstDash val="dash"/>
+            <a:round/>
+            <a:headEnd type="none" w="med" len="med"/>
+            <a:tailEnd type="none" w="med" len="med"/>
+          </a:ln>
+        </p:spPr>
+        <p:style>
+          <a:lnRef idx="0">
+            <a:scrgbClr r="0" g="0" b="0"/>
+          </a:lnRef>
+          <a:fillRef idx="0">
+            <a:scrgbClr r="0" g="0" b="0"/>
+          </a:fillRef>
+          <a:effectRef idx="0">
+            <a:scrgbClr r="0" g="0" b="0"/>
+          </a:effectRef>
+          <a:fontRef idx="minor">
+            <a:schemeClr val="tx1"/>
+          </a:fontRef>
+        </p:style>
+      </p:cxnSp>
+      <p:sp>
+        <p:nvSpPr>
+          <p:cNvPr id="38" name="Rectangle 37">
+            <a:extLst>
+              <a:ext uri="{FF2B5EF4-FFF2-40B4-BE49-F238E27FC236}">
+                <a16:creationId xmlns:a16="http://schemas.microsoft.com/office/drawing/2014/main" id="{1F85D955-9496-CD42-99AC-ACEAB3E2690D}"/>
+              </a:ext>
+            </a:extLst>
+          </p:cNvPr>
+          <p:cNvSpPr/>
+          <p:nvPr/>
+        </p:nvSpPr>
+        <p:spPr>
+          <a:xfrm>
+            <a:off x="7222368" y="1214609"/>
+            <a:ext cx="959109" cy="523220"/>
+          </a:xfrm>
+          <a:prstGeom prst="rect">
+            <a:avLst/>
+          </a:prstGeom>
+        </p:spPr>
+        <p:txBody>
+          <a:bodyPr wrap="none">
+            <a:spAutoFit/>
+          </a:bodyPr>
+          <a:lstStyle/>
+          <a:p>
+            <a:pPr algn="ctr"/>
+            <a:r>
+              <a:rPr lang="en-US" sz="1400" dirty="0">
+                <a:solidFill>
+                  <a:srgbClr val="C00000"/>
+                </a:solidFill>
+                <a:latin typeface="Avenir Roman" panose="02000503020000020003" pitchFamily="2" charset="0"/>
+              </a:rPr>
+              <a:t>Predicted</a:t>
+            </a:r>
+          </a:p>
+          <a:p>
+            <a:pPr algn="ctr"/>
+            <a:r>
+              <a:rPr lang="en-US" sz="1400" dirty="0">
+                <a:solidFill>
+                  <a:srgbClr val="C00000"/>
+                </a:solidFill>
+                <a:latin typeface="Avenir Roman" panose="02000503020000020003" pitchFamily="2" charset="0"/>
+              </a:rPr>
+              <a:t>value</a:t>
+            </a:r>
+          </a:p>
+        </p:txBody>
+      </p:sp>
+      <p:cxnSp>
+        <p:nvCxnSpPr>
+          <p:cNvPr id="39" name="Straight Connector 38">
+            <a:extLst>
+              <a:ext uri="{FF2B5EF4-FFF2-40B4-BE49-F238E27FC236}">
+                <a16:creationId xmlns:a16="http://schemas.microsoft.com/office/drawing/2014/main" id="{A971AC2F-35C1-BD4F-8A07-3D55A3E30B70}"/>
+              </a:ext>
+            </a:extLst>
+          </p:cNvPr>
+          <p:cNvCxnSpPr>
+            <a:cxnSpLocks/>
+          </p:cNvCxnSpPr>
+          <p:nvPr/>
+        </p:nvCxnSpPr>
+        <p:spPr>
+          <a:xfrm>
+            <a:off x="6962821" y="2449151"/>
+            <a:ext cx="0" cy="365534"/>
+          </a:xfrm>
+          <a:prstGeom prst="line">
+            <a:avLst/>
+          </a:prstGeom>
+          <a:ln w="9525" cap="flat" cmpd="sng" algn="ctr">
+            <a:solidFill>
+              <a:srgbClr val="C00000"/>
+            </a:solidFill>
+            <a:prstDash val="dash"/>
+            <a:round/>
+            <a:headEnd type="none" w="med" len="med"/>
+            <a:tailEnd type="none" w="med" len="med"/>
+          </a:ln>
+        </p:spPr>
+        <p:style>
+          <a:lnRef idx="0">
+            <a:scrgbClr r="0" g="0" b="0"/>
+          </a:lnRef>
+          <a:fillRef idx="0">
+            <a:scrgbClr r="0" g="0" b="0"/>
+          </a:fillRef>
+          <a:effectRef idx="0">
+            <a:scrgbClr r="0" g="0" b="0"/>
+          </a:effectRef>
+          <a:fontRef idx="minor">
+            <a:schemeClr val="tx1"/>
+          </a:fontRef>
+        </p:style>
+      </p:cxnSp>
+      <p:sp>
+        <p:nvSpPr>
+          <p:cNvPr id="40" name="Rectangle 39">
+            <a:extLst>
+              <a:ext uri="{FF2B5EF4-FFF2-40B4-BE49-F238E27FC236}">
+                <a16:creationId xmlns:a16="http://schemas.microsoft.com/office/drawing/2014/main" id="{A2C9CFE0-5FD7-7343-86EF-AF4B20202398}"/>
+              </a:ext>
+            </a:extLst>
+          </p:cNvPr>
+          <p:cNvSpPr/>
+          <p:nvPr/>
+        </p:nvSpPr>
+        <p:spPr>
+          <a:xfrm>
+            <a:off x="6512425" y="2753901"/>
+            <a:ext cx="798617" cy="523220"/>
+          </a:xfrm>
+          <a:prstGeom prst="rect">
+            <a:avLst/>
+          </a:prstGeom>
+        </p:spPr>
+        <p:txBody>
+          <a:bodyPr wrap="none">
+            <a:spAutoFit/>
+          </a:bodyPr>
+          <a:lstStyle/>
+          <a:p>
+            <a:pPr algn="ctr"/>
+            <a:r>
+              <a:rPr lang="en-US" sz="1400" dirty="0">
+                <a:solidFill>
+                  <a:srgbClr val="C00000"/>
+                </a:solidFill>
+                <a:latin typeface="Avenir Roman" panose="02000503020000020003" pitchFamily="2" charset="0"/>
+              </a:rPr>
+              <a:t>Ground</a:t>
+            </a:r>
+          </a:p>
+          <a:p>
+            <a:pPr algn="ctr"/>
+            <a:r>
+              <a:rPr lang="en-US" sz="1400" dirty="0">
+                <a:solidFill>
+                  <a:srgbClr val="C00000"/>
+                </a:solidFill>
+                <a:latin typeface="Avenir Roman" panose="02000503020000020003" pitchFamily="2" charset="0"/>
+              </a:rPr>
+              <a:t>truth</a:t>
+            </a:r>
+          </a:p>
+        </p:txBody>
+      </p:sp>
+      <p:cxnSp>
+        <p:nvCxnSpPr>
+          <p:cNvPr id="41" name="Straight Connector 40">
+            <a:extLst>
+              <a:ext uri="{FF2B5EF4-FFF2-40B4-BE49-F238E27FC236}">
+                <a16:creationId xmlns:a16="http://schemas.microsoft.com/office/drawing/2014/main" id="{D7233F0F-6803-3343-ACE0-2260ADD0C4B0}"/>
+              </a:ext>
+            </a:extLst>
+          </p:cNvPr>
+          <p:cNvCxnSpPr>
+            <a:cxnSpLocks/>
+          </p:cNvCxnSpPr>
+          <p:nvPr/>
+        </p:nvCxnSpPr>
+        <p:spPr>
+          <a:xfrm>
+            <a:off x="6522089" y="1555062"/>
+            <a:ext cx="0" cy="365534"/>
+          </a:xfrm>
+          <a:prstGeom prst="line">
+            <a:avLst/>
+          </a:prstGeom>
+          <a:ln w="9525" cap="flat" cmpd="sng" algn="ctr">
+            <a:solidFill>
+              <a:srgbClr val="C00000"/>
+            </a:solidFill>
+            <a:prstDash val="dash"/>
+            <a:round/>
+            <a:headEnd type="none" w="med" len="med"/>
+            <a:tailEnd type="none" w="med" len="med"/>
+          </a:ln>
+        </p:spPr>
+        <p:style>
+          <a:lnRef idx="0">
+            <a:scrgbClr r="0" g="0" b="0"/>
+          </a:lnRef>
+          <a:fillRef idx="0">
+            <a:scrgbClr r="0" g="0" b="0"/>
+          </a:fillRef>
+          <a:effectRef idx="0">
+            <a:scrgbClr r="0" g="0" b="0"/>
+          </a:effectRef>
+          <a:fontRef idx="minor">
+            <a:schemeClr val="tx1"/>
+          </a:fontRef>
+        </p:style>
+      </p:cxnSp>
+      <p:sp>
+        <p:nvSpPr>
+          <p:cNvPr id="42" name="Rectangle 41">
+            <a:extLst>
+              <a:ext uri="{FF2B5EF4-FFF2-40B4-BE49-F238E27FC236}">
+                <a16:creationId xmlns:a16="http://schemas.microsoft.com/office/drawing/2014/main" id="{55379C56-553D-1340-A872-17B8779A9D3E}"/>
+              </a:ext>
+            </a:extLst>
+          </p:cNvPr>
+          <p:cNvSpPr/>
+          <p:nvPr/>
+        </p:nvSpPr>
+        <p:spPr>
+          <a:xfrm>
+            <a:off x="6147627" y="1301882"/>
+            <a:ext cx="748924" cy="307777"/>
+          </a:xfrm>
+          <a:prstGeom prst="rect">
+            <a:avLst/>
+          </a:prstGeom>
+        </p:spPr>
+        <p:txBody>
+          <a:bodyPr wrap="none">
+            <a:spAutoFit/>
+          </a:bodyPr>
+          <a:lstStyle/>
+          <a:p>
+            <a:pPr algn="ctr"/>
+            <a:r>
+              <a:rPr lang="en-US" sz="1400" dirty="0">
+                <a:solidFill>
+                  <a:srgbClr val="C00000"/>
+                </a:solidFill>
+                <a:latin typeface="Avenir Roman" panose="02000503020000020003" pitchFamily="2" charset="0"/>
+              </a:rPr>
+              <a:t>Sum of</a:t>
+            </a:r>
+          </a:p>
+        </p:txBody>
+      </p:sp>
+      <p:sp>
+        <p:nvSpPr>
+          <p:cNvPr id="43" name="Rectangle 42">
+            <a:extLst>
+              <a:ext uri="{FF2B5EF4-FFF2-40B4-BE49-F238E27FC236}">
+                <a16:creationId xmlns:a16="http://schemas.microsoft.com/office/drawing/2014/main" id="{4B5F45AB-66B3-C349-A6E9-E2FAB20F5E98}"/>
+              </a:ext>
+            </a:extLst>
+          </p:cNvPr>
+          <p:cNvSpPr/>
+          <p:nvPr/>
+        </p:nvSpPr>
+        <p:spPr>
+          <a:xfrm>
+            <a:off x="6055176" y="1829204"/>
+            <a:ext cx="239966" cy="774485"/>
+          </a:xfrm>
+          <a:prstGeom prst="rect">
+            <a:avLst/>
+          </a:prstGeom>
+          <a:noFill/>
+          <a:ln>
+            <a:solidFill>
+              <a:srgbClr val="C00000"/>
+            </a:solidFill>
+          </a:ln>
+        </p:spPr>
+        <p:style>
+          <a:lnRef idx="2">
+            <a:schemeClr val="dk1"/>
+          </a:lnRef>
+          <a:fillRef idx="1">
+            <a:schemeClr val="lt1"/>
+          </a:fillRef>
+          <a:effectRef idx="0">
+            <a:schemeClr val="dk1"/>
+          </a:effectRef>
+          <a:fontRef idx="minor">
+            <a:schemeClr val="dk1"/>
+          </a:fontRef>
+        </p:style>
+        <p:txBody>
+          <a:bodyPr rtlCol="0" anchor="ctr"/>
+          <a:lstStyle/>
+          <a:p>
+            <a:pPr algn="ctr"/>
+            <a:endParaRPr lang="en-US"/>
+          </a:p>
+        </p:txBody>
+      </p:sp>
+      <p:cxnSp>
+        <p:nvCxnSpPr>
+          <p:cNvPr id="44" name="Straight Connector 43">
+            <a:extLst>
+              <a:ext uri="{FF2B5EF4-FFF2-40B4-BE49-F238E27FC236}">
+                <a16:creationId xmlns:a16="http://schemas.microsoft.com/office/drawing/2014/main" id="{39616C06-CD2E-3043-B296-8CAEF3EFDCF4}"/>
+              </a:ext>
+            </a:extLst>
+          </p:cNvPr>
+          <p:cNvCxnSpPr>
+            <a:cxnSpLocks/>
+            <a:endCxn id="45" idx="0"/>
+          </p:cNvCxnSpPr>
+          <p:nvPr/>
+        </p:nvCxnSpPr>
+        <p:spPr>
+          <a:xfrm flipH="1">
+            <a:off x="5624817" y="2601706"/>
+            <a:ext cx="546936" cy="280809"/>
+          </a:xfrm>
+          <a:prstGeom prst="line">
+            <a:avLst/>
+          </a:prstGeom>
+          <a:ln w="9525" cap="flat" cmpd="sng" algn="ctr">
+            <a:solidFill>
+              <a:srgbClr val="C00000"/>
+            </a:solidFill>
+            <a:prstDash val="dash"/>
+            <a:round/>
+            <a:headEnd type="none" w="med" len="med"/>
+            <a:tailEnd type="none" w="med" len="med"/>
+          </a:ln>
+        </p:spPr>
+        <p:style>
+          <a:lnRef idx="0">
+            <a:scrgbClr r="0" g="0" b="0"/>
+          </a:lnRef>
+          <a:fillRef idx="0">
+            <a:scrgbClr r="0" g="0" b="0"/>
+          </a:fillRef>
+          <a:effectRef idx="0">
+            <a:scrgbClr r="0" g="0" b="0"/>
+          </a:effectRef>
+          <a:fontRef idx="minor">
+            <a:schemeClr val="tx1"/>
+          </a:fontRef>
+        </p:style>
+      </p:cxnSp>
+      <p:sp>
+        <p:nvSpPr>
+          <p:cNvPr id="45" name="Rectangle 44">
+            <a:extLst>
+              <a:ext uri="{FF2B5EF4-FFF2-40B4-BE49-F238E27FC236}">
+                <a16:creationId xmlns:a16="http://schemas.microsoft.com/office/drawing/2014/main" id="{8AFFBB61-0BFA-3143-831D-42EC8638D935}"/>
+              </a:ext>
+            </a:extLst>
+          </p:cNvPr>
+          <p:cNvSpPr/>
+          <p:nvPr/>
+        </p:nvSpPr>
+        <p:spPr>
+          <a:xfrm>
+            <a:off x="4974639" y="2882515"/>
+            <a:ext cx="1300356" cy="307777"/>
+          </a:xfrm>
+          <a:prstGeom prst="rect">
+            <a:avLst/>
+          </a:prstGeom>
+        </p:spPr>
+        <p:txBody>
+          <a:bodyPr wrap="none">
+            <a:spAutoFit/>
+          </a:bodyPr>
+          <a:lstStyle/>
+          <a:p>
+            <a:pPr algn="ctr"/>
+            <a:r>
+              <a:rPr lang="en-US" sz="1400" dirty="0">
+                <a:solidFill>
+                  <a:srgbClr val="C00000"/>
+                </a:solidFill>
+                <a:latin typeface="Avenir Roman" panose="02000503020000020003" pitchFamily="2" charset="0"/>
+              </a:rPr>
+              <a:t>Average of…</a:t>
+            </a:r>
+          </a:p>
+        </p:txBody>
+      </p:sp>
+      <p:sp>
+        <p:nvSpPr>
+          <p:cNvPr id="47" name="Rectangle 46">
+            <a:extLst>
+              <a:ext uri="{FF2B5EF4-FFF2-40B4-BE49-F238E27FC236}">
+                <a16:creationId xmlns:a16="http://schemas.microsoft.com/office/drawing/2014/main" id="{C831ECCD-0903-364C-9679-2C1DAAF6C182}"/>
+              </a:ext>
+            </a:extLst>
+          </p:cNvPr>
+          <p:cNvSpPr/>
+          <p:nvPr/>
+        </p:nvSpPr>
+        <p:spPr>
+          <a:xfrm>
+            <a:off x="6725502" y="2023326"/>
+            <a:ext cx="1235650" cy="490950"/>
+          </a:xfrm>
+          <a:prstGeom prst="rect">
+            <a:avLst/>
+          </a:prstGeom>
+          <a:noFill/>
+          <a:ln>
+            <a:solidFill>
+              <a:schemeClr val="accent1">
+                <a:lumMod val="50000"/>
+              </a:schemeClr>
+            </a:solidFill>
+          </a:ln>
+        </p:spPr>
+        <p:style>
+          <a:lnRef idx="2">
+            <a:schemeClr val="dk1"/>
+          </a:lnRef>
+          <a:fillRef idx="1">
+            <a:schemeClr val="lt1"/>
+          </a:fillRef>
+          <a:effectRef idx="0">
+            <a:schemeClr val="dk1"/>
+          </a:effectRef>
+          <a:fontRef idx="minor">
+            <a:schemeClr val="dk1"/>
+          </a:fontRef>
+        </p:style>
+        <p:txBody>
+          <a:bodyPr rtlCol="0" anchor="ctr"/>
+          <a:lstStyle/>
+          <a:p>
+            <a:pPr algn="ctr"/>
+            <a:endParaRPr lang="en-US">
+              <a:solidFill>
+                <a:schemeClr val="accent1">
+                  <a:lumMod val="50000"/>
+                </a:schemeClr>
+              </a:solidFill>
+            </a:endParaRPr>
+          </a:p>
+        </p:txBody>
+      </p:sp>
+      <p:cxnSp>
+        <p:nvCxnSpPr>
+          <p:cNvPr id="48" name="Straight Connector 47">
+            <a:extLst>
+              <a:ext uri="{FF2B5EF4-FFF2-40B4-BE49-F238E27FC236}">
+                <a16:creationId xmlns:a16="http://schemas.microsoft.com/office/drawing/2014/main" id="{1856A8EF-F32A-694E-9611-F1F9A200AD08}"/>
+              </a:ext>
+            </a:extLst>
+          </p:cNvPr>
+          <p:cNvCxnSpPr>
+            <a:cxnSpLocks/>
+          </p:cNvCxnSpPr>
+          <p:nvPr/>
+        </p:nvCxnSpPr>
+        <p:spPr>
+          <a:xfrm flipH="1">
+            <a:off x="7961152" y="2274133"/>
+            <a:ext cx="492727" cy="0"/>
+          </a:xfrm>
+          <a:prstGeom prst="line">
+            <a:avLst/>
+          </a:prstGeom>
+          <a:ln w="9525" cap="flat" cmpd="sng" algn="ctr">
+            <a:solidFill>
+              <a:schemeClr val="accent1">
+                <a:lumMod val="50000"/>
+              </a:schemeClr>
+            </a:solidFill>
+            <a:prstDash val="dash"/>
+            <a:round/>
+            <a:headEnd type="none" w="med" len="med"/>
+            <a:tailEnd type="none" w="med" len="med"/>
+          </a:ln>
+        </p:spPr>
+        <p:style>
+          <a:lnRef idx="0">
+            <a:scrgbClr r="0" g="0" b="0"/>
+          </a:lnRef>
+          <a:fillRef idx="0">
+            <a:scrgbClr r="0" g="0" b="0"/>
+          </a:fillRef>
+          <a:effectRef idx="0">
+            <a:scrgbClr r="0" g="0" b="0"/>
+          </a:effectRef>
+          <a:fontRef idx="minor">
+            <a:schemeClr val="tx1"/>
+          </a:fontRef>
+        </p:style>
+      </p:cxnSp>
+      <p:sp>
+        <p:nvSpPr>
+          <p:cNvPr id="50" name="Rectangle 49">
+            <a:extLst>
+              <a:ext uri="{FF2B5EF4-FFF2-40B4-BE49-F238E27FC236}">
+                <a16:creationId xmlns:a16="http://schemas.microsoft.com/office/drawing/2014/main" id="{04F5F524-D940-FC4A-AA49-0D5F1552A266}"/>
+              </a:ext>
+            </a:extLst>
+          </p:cNvPr>
+          <p:cNvSpPr/>
+          <p:nvPr/>
+        </p:nvSpPr>
+        <p:spPr>
+          <a:xfrm>
+            <a:off x="8351237" y="2014557"/>
+            <a:ext cx="853118" cy="523220"/>
+          </a:xfrm>
+          <a:prstGeom prst="rect">
+            <a:avLst/>
+          </a:prstGeom>
+        </p:spPr>
+        <p:txBody>
+          <a:bodyPr wrap="none">
+            <a:spAutoFit/>
+          </a:bodyPr>
+          <a:lstStyle/>
+          <a:p>
+            <a:pPr algn="ctr"/>
+            <a:r>
+              <a:rPr lang="en-US" sz="1400" dirty="0">
+                <a:solidFill>
+                  <a:schemeClr val="accent1">
+                    <a:lumMod val="50000"/>
+                  </a:schemeClr>
+                </a:solidFill>
+                <a:latin typeface="Avenir Roman" panose="02000503020000020003" pitchFamily="2" charset="0"/>
+              </a:rPr>
+              <a:t>Squared</a:t>
+            </a:r>
+          </a:p>
+          <a:p>
+            <a:pPr algn="ctr"/>
+            <a:r>
+              <a:rPr lang="en-US" sz="1400" dirty="0">
+                <a:solidFill>
+                  <a:schemeClr val="accent1">
+                    <a:lumMod val="50000"/>
+                  </a:schemeClr>
+                </a:solidFill>
+                <a:latin typeface="Avenir Roman" panose="02000503020000020003" pitchFamily="2" charset="0"/>
+              </a:rPr>
+              <a:t>of…</a:t>
+            </a:r>
+          </a:p>
+        </p:txBody>
+      </p:sp>
+      <p:sp>
+        <p:nvSpPr>
+          <p:cNvPr id="2" name="Rectangle 1">
+            <a:extLst>
+              <a:ext uri="{FF2B5EF4-FFF2-40B4-BE49-F238E27FC236}">
+                <a16:creationId xmlns:a16="http://schemas.microsoft.com/office/drawing/2014/main" id="{E4C717CF-0B32-0D43-A659-48AADAD5F32C}"/>
+              </a:ext>
+            </a:extLst>
+          </p:cNvPr>
+          <p:cNvSpPr/>
+          <p:nvPr/>
+        </p:nvSpPr>
+        <p:spPr>
+          <a:xfrm>
+            <a:off x="7251768" y="3764849"/>
+            <a:ext cx="1285770" cy="1285770"/>
+          </a:xfrm>
+          <a:prstGeom prst="rect">
+            <a:avLst/>
+          </a:prstGeom>
+          <a:solidFill>
+            <a:srgbClr val="C00000"/>
+          </a:solidFill>
+          <a:ln>
+            <a:solidFill>
+              <a:srgbClr val="C00000"/>
+            </a:solidFill>
+          </a:ln>
+        </p:spPr>
+        <p:style>
+          <a:lnRef idx="2">
+            <a:schemeClr val="accent1">
+              <a:shade val="50000"/>
+            </a:schemeClr>
+          </a:lnRef>
+          <a:fillRef idx="1">
+            <a:schemeClr val="accent1"/>
+          </a:fillRef>
+          <a:effectRef idx="0">
+            <a:schemeClr val="accent1"/>
+          </a:effectRef>
+          <a:fontRef idx="minor">
+            <a:schemeClr val="lt1"/>
+          </a:fontRef>
+        </p:style>
+        <p:txBody>
+          <a:bodyPr rtlCol="0" anchor="ctr"/>
+          <a:lstStyle/>
+          <a:p>
+            <a:pPr algn="ctr"/>
+            <a:endParaRPr lang="en-US">
+              <a:solidFill>
+                <a:srgbClr val="C00000"/>
+              </a:solidFill>
+            </a:endParaRPr>
+          </a:p>
+        </p:txBody>
+      </p:sp>
+      <p:sp>
+        <p:nvSpPr>
+          <p:cNvPr id="31" name="Rectangle 30">
+            <a:extLst>
+              <a:ext uri="{FF2B5EF4-FFF2-40B4-BE49-F238E27FC236}">
+                <a16:creationId xmlns:a16="http://schemas.microsoft.com/office/drawing/2014/main" id="{2D98AF1A-AC44-D14A-A905-898B03C8058B}"/>
+              </a:ext>
+            </a:extLst>
+          </p:cNvPr>
+          <p:cNvSpPr/>
+          <p:nvPr/>
+        </p:nvSpPr>
+        <p:spPr>
+          <a:xfrm>
+            <a:off x="7549891" y="4189477"/>
+            <a:ext cx="671979" cy="369332"/>
+          </a:xfrm>
+          <a:prstGeom prst="rect">
+            <a:avLst/>
+          </a:prstGeom>
+        </p:spPr>
+        <p:txBody>
+          <a:bodyPr wrap="none">
+            <a:spAutoFit/>
+          </a:bodyPr>
+          <a:lstStyle/>
+          <a:p>
+            <a:r>
+              <a:rPr lang="en-US" b="1" dirty="0">
+                <a:solidFill>
+                  <a:schemeClr val="bg1"/>
+                </a:solidFill>
+                <a:latin typeface="Avenir Roman" panose="02000503020000020003" pitchFamily="2" charset="0"/>
+              </a:rPr>
+              <a:t>MSE</a:t>
+            </a:r>
+          </a:p>
+        </p:txBody>
+      </p:sp>
+      <p:sp>
+        <p:nvSpPr>
+          <p:cNvPr id="29" name="Rectangle 28">
+            <a:extLst>
+              <a:ext uri="{FF2B5EF4-FFF2-40B4-BE49-F238E27FC236}">
+                <a16:creationId xmlns:a16="http://schemas.microsoft.com/office/drawing/2014/main" id="{97FB50FB-ED0F-FE49-8D68-D78F8AAB4D36}"/>
+              </a:ext>
+            </a:extLst>
+          </p:cNvPr>
+          <p:cNvSpPr/>
+          <p:nvPr/>
+        </p:nvSpPr>
+        <p:spPr>
+          <a:xfrm>
+            <a:off x="5247469" y="542976"/>
+            <a:ext cx="2934008" cy="461665"/>
+          </a:xfrm>
+          <a:prstGeom prst="rect">
+            <a:avLst/>
+          </a:prstGeom>
+        </p:spPr>
+        <p:txBody>
+          <a:bodyPr wrap="none">
+            <a:spAutoFit/>
+          </a:bodyPr>
+          <a:lstStyle/>
+          <a:p>
+            <a:r>
+              <a:rPr lang="en-US" sz="2400" b="1" dirty="0">
+                <a:latin typeface="Avenir Black" panose="02000503020000020003" pitchFamily="2" charset="0"/>
+              </a:rPr>
+              <a:t>Mean Square Error</a:t>
+            </a:r>
+            <a:endParaRPr lang="en-US" sz="2400" dirty="0"/>
+          </a:p>
+        </p:txBody>
+      </p:sp>
+    </p:spTree>
+    <p:extLst>
+      <p:ext uri="{BB962C8B-B14F-4D97-AF65-F5344CB8AC3E}">
+        <p14:creationId xmlns:p14="http://schemas.microsoft.com/office/powerpoint/2010/main" val="220758461"/>
+      </p:ext>
+    </p:extLst>
+  </p:cSld>
+  <p:clrMapOvr>
+    <a:masterClrMapping/>
+  </p:clrMapOvr>
+</p:sld>
+</file>
+
+<file path=ppt/slides/slide12.xml><?xml version="1.0" encoding="utf-8"?>
+<p:sld xmlns:a="http://schemas.openxmlformats.org/drawingml/2006/main" xmlns:r="http://schemas.openxmlformats.org/officeDocument/2006/relationships" xmlns:p="http://schemas.openxmlformats.org/presentationml/2006/main">
+  <p:cSld>
+    <p:spTree>
+      <p:nvGrpSpPr>
+        <p:cNvPr id="1" name=""/>
+        <p:cNvGrpSpPr/>
+        <p:nvPr/>
+      </p:nvGrpSpPr>
+      <p:grpSpPr>
+        <a:xfrm>
+          <a:off x="0" y="0"/>
+          <a:ext cx="0" cy="0"/>
+          <a:chOff x="0" y="0"/>
+          <a:chExt cx="0" cy="0"/>
+        </a:xfrm>
+      </p:grpSpPr>
+      <p:sp>
+        <p:nvSpPr>
+          <p:cNvPr id="2" name="Title 1">
+            <a:extLst>
+              <a:ext uri="{FF2B5EF4-FFF2-40B4-BE49-F238E27FC236}">
+                <a16:creationId xmlns:a16="http://schemas.microsoft.com/office/drawing/2014/main" id="{673B066B-97D9-184D-9DE8-589A0BFF397C}"/>
+              </a:ext>
+            </a:extLst>
+          </p:cNvPr>
+          <p:cNvSpPr>
+            <a:spLocks noGrp="1"/>
+          </p:cNvSpPr>
+          <p:nvPr>
+            <p:ph type="title"/>
+          </p:nvPr>
+        </p:nvSpPr>
+        <p:spPr/>
+        <p:txBody>
+          <a:bodyPr/>
+          <a:lstStyle/>
+          <a:p>
+            <a:endParaRPr lang="en-US"/>
+          </a:p>
+        </p:txBody>
+      </p:sp>
+      <p:sp>
+        <p:nvSpPr>
+          <p:cNvPr id="3" name="Content Placeholder 2">
+            <a:extLst>
+              <a:ext uri="{FF2B5EF4-FFF2-40B4-BE49-F238E27FC236}">
+                <a16:creationId xmlns:a16="http://schemas.microsoft.com/office/drawing/2014/main" id="{78B5FD9E-DA93-A541-9054-632A6979A3AF}"/>
+              </a:ext>
+            </a:extLst>
+          </p:cNvPr>
+          <p:cNvSpPr>
+            <a:spLocks noGrp="1"/>
+          </p:cNvSpPr>
+          <p:nvPr>
+            <p:ph idx="1"/>
+          </p:nvPr>
+        </p:nvSpPr>
+        <p:spPr/>
+        <p:txBody>
+          <a:bodyPr/>
+          <a:lstStyle/>
+          <a:p>
+            <a:endParaRPr lang="en-US"/>
+          </a:p>
+        </p:txBody>
+      </p:sp>
+    </p:spTree>
+    <p:extLst>
+      <p:ext uri="{BB962C8B-B14F-4D97-AF65-F5344CB8AC3E}">
+        <p14:creationId xmlns:p14="http://schemas.microsoft.com/office/powerpoint/2010/main" val="2246416043"/>
+      </p:ext>
+    </p:extLst>
+  </p:cSld>
+  <p:clrMapOvr>
+    <a:masterClrMapping/>
+  </p:clrMapOvr>
+</p:sld>
+</file>
+
+<file path=ppt/slides/slide2.xml><?xml version="1.0" encoding="utf-8"?>
+<p:sld xmlns:a="http://schemas.openxmlformats.org/drawingml/2006/main" xmlns:r="http://schemas.openxmlformats.org/officeDocument/2006/relationships" xmlns:p="http://schemas.openxmlformats.org/presentationml/2006/main">
+  <p:cSld>
+    <p:spTree>
+      <p:nvGrpSpPr>
+        <p:cNvPr id="1" name=""/>
+        <p:cNvGrpSpPr/>
+        <p:nvPr/>
+      </p:nvGrpSpPr>
+      <p:grpSpPr>
+        <a:xfrm>
+          <a:off x="0" y="0"/>
+          <a:ext cx="0" cy="0"/>
+          <a:chOff x="0" y="0"/>
+          <a:chExt cx="0" cy="0"/>
+        </a:xfrm>
+      </p:grpSpPr>
+      <p:sp>
+        <p:nvSpPr>
+          <p:cNvPr id="4" name="Oval 3">
+            <a:extLst>
+              <a:ext uri="{FF2B5EF4-FFF2-40B4-BE49-F238E27FC236}">
+                <a16:creationId xmlns:a16="http://schemas.microsoft.com/office/drawing/2014/main" id="{F8EB5FCD-15C0-EA46-A743-94EC569A0323}"/>
+              </a:ext>
+            </a:extLst>
+          </p:cNvPr>
+          <p:cNvSpPr/>
+          <p:nvPr/>
+        </p:nvSpPr>
+        <p:spPr>
+          <a:xfrm>
+            <a:off x="1399592" y="1735494"/>
+            <a:ext cx="2369975" cy="2369975"/>
+          </a:xfrm>
+          <a:prstGeom prst="ellipse">
+            <a:avLst/>
+          </a:prstGeom>
+          <a:solidFill>
+            <a:schemeClr val="accent1">
+              <a:lumMod val="40000"/>
+              <a:lumOff val="60000"/>
+            </a:schemeClr>
+          </a:solidFill>
+          <a:ln>
+            <a:solidFill>
+              <a:schemeClr val="accent1">
+                <a:lumMod val="40000"/>
+                <a:lumOff val="60000"/>
+              </a:schemeClr>
+            </a:solidFill>
+          </a:ln>
+        </p:spPr>
+        <p:style>
+          <a:lnRef idx="2">
+            <a:schemeClr val="accent1">
+              <a:shade val="50000"/>
+            </a:schemeClr>
+          </a:lnRef>
+          <a:fillRef idx="1">
+            <a:schemeClr val="accent1"/>
+          </a:fillRef>
+          <a:effectRef idx="0">
+            <a:schemeClr val="accent1"/>
+          </a:effectRef>
+          <a:fontRef idx="minor">
+            <a:schemeClr val="lt1"/>
+          </a:fontRef>
+        </p:style>
+        <p:txBody>
+          <a:bodyPr rtlCol="0" anchor="ctr"/>
+          <a:lstStyle/>
+          <a:p>
+            <a:pPr algn="ctr"/>
+            <a:endParaRPr lang="en-US"/>
+          </a:p>
+        </p:txBody>
+      </p:sp>
+      <p:sp>
+        <p:nvSpPr>
+          <p:cNvPr id="5" name="Oval 4">
+            <a:extLst>
+              <a:ext uri="{FF2B5EF4-FFF2-40B4-BE49-F238E27FC236}">
+                <a16:creationId xmlns:a16="http://schemas.microsoft.com/office/drawing/2014/main" id="{D29D8E32-FD70-8245-ADA0-434379D9266B}"/>
+              </a:ext>
+            </a:extLst>
+          </p:cNvPr>
+          <p:cNvSpPr/>
+          <p:nvPr/>
+        </p:nvSpPr>
+        <p:spPr>
+          <a:xfrm>
+            <a:off x="4915678" y="1735494"/>
+            <a:ext cx="2369975" cy="2369975"/>
+          </a:xfrm>
+          <a:prstGeom prst="ellipse">
+            <a:avLst/>
+          </a:prstGeom>
+          <a:solidFill>
+            <a:schemeClr val="accent1">
+              <a:lumMod val="40000"/>
+              <a:lumOff val="60000"/>
+            </a:schemeClr>
+          </a:solidFill>
+          <a:ln>
+            <a:solidFill>
+              <a:schemeClr val="accent1">
+                <a:lumMod val="40000"/>
+                <a:lumOff val="60000"/>
+              </a:schemeClr>
+            </a:solidFill>
+          </a:ln>
+        </p:spPr>
+        <p:style>
+          <a:lnRef idx="2">
+            <a:schemeClr val="accent1">
+              <a:shade val="50000"/>
+            </a:schemeClr>
+          </a:lnRef>
+          <a:fillRef idx="1">
+            <a:schemeClr val="accent1"/>
+          </a:fillRef>
+          <a:effectRef idx="0">
+            <a:schemeClr val="accent1"/>
+          </a:effectRef>
+          <a:fontRef idx="minor">
+            <a:schemeClr val="lt1"/>
+          </a:fontRef>
+        </p:style>
+        <p:txBody>
+          <a:bodyPr rtlCol="0" anchor="ctr"/>
+          <a:lstStyle/>
+          <a:p>
+            <a:pPr algn="ctr"/>
+            <a:endParaRPr lang="en-US"/>
+          </a:p>
+        </p:txBody>
+      </p:sp>
+      <p:sp>
+        <p:nvSpPr>
+          <p:cNvPr id="6" name="Oval 5">
+            <a:extLst>
+              <a:ext uri="{FF2B5EF4-FFF2-40B4-BE49-F238E27FC236}">
+                <a16:creationId xmlns:a16="http://schemas.microsoft.com/office/drawing/2014/main" id="{8BACB7D6-75B9-CA48-A301-E28F9ED746B3}"/>
+              </a:ext>
+            </a:extLst>
+          </p:cNvPr>
+          <p:cNvSpPr/>
+          <p:nvPr/>
+        </p:nvSpPr>
+        <p:spPr>
+          <a:xfrm>
+            <a:off x="8431764" y="1735494"/>
+            <a:ext cx="2369975" cy="2369975"/>
+          </a:xfrm>
+          <a:prstGeom prst="ellipse">
+            <a:avLst/>
+          </a:prstGeom>
+          <a:solidFill>
+            <a:schemeClr val="accent1">
+              <a:lumMod val="40000"/>
+              <a:lumOff val="60000"/>
+            </a:schemeClr>
+          </a:solidFill>
+          <a:ln>
+            <a:solidFill>
+              <a:schemeClr val="accent1">
+                <a:lumMod val="40000"/>
+                <a:lumOff val="60000"/>
+              </a:schemeClr>
+            </a:solidFill>
+          </a:ln>
+        </p:spPr>
+        <p:style>
+          <a:lnRef idx="2">
+            <a:schemeClr val="accent1">
+              <a:shade val="50000"/>
+            </a:schemeClr>
+          </a:lnRef>
+          <a:fillRef idx="1">
+            <a:schemeClr val="accent1"/>
+          </a:fillRef>
+          <a:effectRef idx="0">
+            <a:schemeClr val="accent1"/>
+          </a:effectRef>
+          <a:fontRef idx="minor">
+            <a:schemeClr val="lt1"/>
+          </a:fontRef>
+        </p:style>
+        <p:txBody>
+          <a:bodyPr rtlCol="0" anchor="ctr"/>
+          <a:lstStyle/>
+          <a:p>
+            <a:pPr algn="ctr"/>
+            <a:endParaRPr lang="en-US"/>
+          </a:p>
+        </p:txBody>
+      </p:sp>
+      <p:sp>
+        <p:nvSpPr>
+          <p:cNvPr id="7" name="Oval 6">
+            <a:extLst>
+              <a:ext uri="{FF2B5EF4-FFF2-40B4-BE49-F238E27FC236}">
+                <a16:creationId xmlns:a16="http://schemas.microsoft.com/office/drawing/2014/main" id="{0FDEC888-776A-AD4B-9710-6F557E6638A0}"/>
+              </a:ext>
+            </a:extLst>
+          </p:cNvPr>
+          <p:cNvSpPr/>
+          <p:nvPr/>
+        </p:nvSpPr>
+        <p:spPr>
+          <a:xfrm>
+            <a:off x="1892594" y="2387179"/>
+            <a:ext cx="255543" cy="255543"/>
+          </a:xfrm>
+          <a:prstGeom prst="ellipse">
+            <a:avLst/>
+          </a:prstGeom>
+          <a:solidFill>
+            <a:srgbClr val="C00000"/>
+          </a:solidFill>
+          <a:ln>
+            <a:solidFill>
+              <a:srgbClr val="C00000"/>
+            </a:solidFill>
+          </a:ln>
+        </p:spPr>
+        <p:style>
+          <a:lnRef idx="2">
+            <a:schemeClr val="accent1">
+              <a:shade val="50000"/>
+            </a:schemeClr>
+          </a:lnRef>
+          <a:fillRef idx="1">
+            <a:schemeClr val="accent1"/>
+          </a:fillRef>
+          <a:effectRef idx="0">
+            <a:schemeClr val="accent1"/>
+          </a:effectRef>
+          <a:fontRef idx="minor">
+            <a:schemeClr val="lt1"/>
+          </a:fontRef>
+        </p:style>
+        <p:txBody>
+          <a:bodyPr rtlCol="0" anchor="ctr"/>
+          <a:lstStyle/>
+          <a:p>
+            <a:pPr algn="ctr"/>
+            <a:endParaRPr lang="en-US"/>
+          </a:p>
+        </p:txBody>
+      </p:sp>
+      <p:sp>
+        <p:nvSpPr>
+          <p:cNvPr id="8" name="Oval 7">
+            <a:extLst>
+              <a:ext uri="{FF2B5EF4-FFF2-40B4-BE49-F238E27FC236}">
+                <a16:creationId xmlns:a16="http://schemas.microsoft.com/office/drawing/2014/main" id="{1A2E17C0-2CD7-3D41-A76A-706EC825FD53}"/>
+              </a:ext>
+            </a:extLst>
+          </p:cNvPr>
+          <p:cNvSpPr/>
+          <p:nvPr/>
+        </p:nvSpPr>
+        <p:spPr>
+          <a:xfrm>
+            <a:off x="2512368" y="2723834"/>
+            <a:ext cx="255543" cy="255543"/>
+          </a:xfrm>
+          <a:prstGeom prst="ellipse">
+            <a:avLst/>
+          </a:prstGeom>
+          <a:solidFill>
+            <a:srgbClr val="C00000"/>
+          </a:solidFill>
+          <a:ln>
+            <a:solidFill>
+              <a:srgbClr val="C00000"/>
+            </a:solidFill>
+          </a:ln>
+        </p:spPr>
+        <p:style>
+          <a:lnRef idx="2">
+            <a:schemeClr val="accent1">
+              <a:shade val="50000"/>
+            </a:schemeClr>
+          </a:lnRef>
+          <a:fillRef idx="1">
+            <a:schemeClr val="accent1"/>
+          </a:fillRef>
+          <a:effectRef idx="0">
+            <a:schemeClr val="accent1"/>
+          </a:effectRef>
+          <a:fontRef idx="minor">
+            <a:schemeClr val="lt1"/>
+          </a:fontRef>
+        </p:style>
+        <p:txBody>
+          <a:bodyPr rtlCol="0" anchor="ctr"/>
+          <a:lstStyle/>
+          <a:p>
+            <a:pPr algn="ctr"/>
+            <a:endParaRPr lang="en-US"/>
+          </a:p>
+        </p:txBody>
+      </p:sp>
+      <p:sp>
+        <p:nvSpPr>
+          <p:cNvPr id="9" name="Oval 8">
+            <a:extLst>
+              <a:ext uri="{FF2B5EF4-FFF2-40B4-BE49-F238E27FC236}">
+                <a16:creationId xmlns:a16="http://schemas.microsoft.com/office/drawing/2014/main" id="{3EC01CBF-DFCD-E846-9C3C-592CADD2021F}"/>
+              </a:ext>
+            </a:extLst>
+          </p:cNvPr>
+          <p:cNvSpPr/>
+          <p:nvPr/>
+        </p:nvSpPr>
+        <p:spPr>
+          <a:xfrm>
+            <a:off x="2020365" y="3194190"/>
+            <a:ext cx="255543" cy="255543"/>
+          </a:xfrm>
+          <a:prstGeom prst="ellipse">
+            <a:avLst/>
+          </a:prstGeom>
+          <a:solidFill>
+            <a:srgbClr val="C00000"/>
+          </a:solidFill>
+          <a:ln>
+            <a:solidFill>
+              <a:srgbClr val="C00000"/>
+            </a:solidFill>
+          </a:ln>
+        </p:spPr>
+        <p:style>
+          <a:lnRef idx="2">
+            <a:schemeClr val="accent1">
+              <a:shade val="50000"/>
+            </a:schemeClr>
+          </a:lnRef>
+          <a:fillRef idx="1">
+            <a:schemeClr val="accent1"/>
+          </a:fillRef>
+          <a:effectRef idx="0">
+            <a:schemeClr val="accent1"/>
+          </a:effectRef>
+          <a:fontRef idx="minor">
+            <a:schemeClr val="lt1"/>
+          </a:fontRef>
+        </p:style>
+        <p:txBody>
+          <a:bodyPr rtlCol="0" anchor="ctr"/>
+          <a:lstStyle/>
+          <a:p>
+            <a:pPr algn="ctr"/>
+            <a:endParaRPr lang="en-US"/>
+          </a:p>
+        </p:txBody>
+      </p:sp>
+      <p:sp>
+        <p:nvSpPr>
+          <p:cNvPr id="10" name="Oval 9">
+            <a:extLst>
+              <a:ext uri="{FF2B5EF4-FFF2-40B4-BE49-F238E27FC236}">
+                <a16:creationId xmlns:a16="http://schemas.microsoft.com/office/drawing/2014/main" id="{B2093C16-C0FA-BC4F-B36E-527471520B4B}"/>
+              </a:ext>
+            </a:extLst>
+          </p:cNvPr>
+          <p:cNvSpPr/>
+          <p:nvPr/>
+        </p:nvSpPr>
+        <p:spPr>
+          <a:xfrm>
+            <a:off x="2984318" y="3027933"/>
+            <a:ext cx="255543" cy="255543"/>
+          </a:xfrm>
+          <a:prstGeom prst="ellipse">
+            <a:avLst/>
+          </a:prstGeom>
+          <a:solidFill>
+            <a:schemeClr val="accent1">
+              <a:lumMod val="50000"/>
+            </a:schemeClr>
+          </a:solidFill>
+          <a:ln>
+            <a:solidFill>
+              <a:schemeClr val="accent1">
+                <a:lumMod val="50000"/>
+              </a:schemeClr>
+            </a:solidFill>
+          </a:ln>
+        </p:spPr>
+        <p:style>
+          <a:lnRef idx="2">
+            <a:schemeClr val="accent1">
+              <a:shade val="50000"/>
+            </a:schemeClr>
+          </a:lnRef>
+          <a:fillRef idx="1">
+            <a:schemeClr val="accent1"/>
+          </a:fillRef>
+          <a:effectRef idx="0">
+            <a:schemeClr val="accent1"/>
+          </a:effectRef>
+          <a:fontRef idx="minor">
+            <a:schemeClr val="lt1"/>
+          </a:fontRef>
+        </p:style>
+        <p:txBody>
+          <a:bodyPr rtlCol="0" anchor="ctr"/>
+          <a:lstStyle/>
+          <a:p>
+            <a:pPr algn="ctr"/>
+            <a:endParaRPr lang="en-US"/>
+          </a:p>
+        </p:txBody>
+      </p:sp>
+      <p:sp>
+        <p:nvSpPr>
+          <p:cNvPr id="11" name="Oval 10">
+            <a:extLst>
+              <a:ext uri="{FF2B5EF4-FFF2-40B4-BE49-F238E27FC236}">
+                <a16:creationId xmlns:a16="http://schemas.microsoft.com/office/drawing/2014/main" id="{B1F36AF1-C10C-F940-BAF1-6F139364FFC9}"/>
+              </a:ext>
+            </a:extLst>
+          </p:cNvPr>
+          <p:cNvSpPr/>
+          <p:nvPr/>
+        </p:nvSpPr>
+        <p:spPr>
+          <a:xfrm>
+            <a:off x="2997495" y="2514951"/>
+            <a:ext cx="255543" cy="255543"/>
+          </a:xfrm>
+          <a:prstGeom prst="ellipse">
+            <a:avLst/>
+          </a:prstGeom>
+          <a:solidFill>
+            <a:schemeClr val="accent1">
+              <a:lumMod val="50000"/>
+            </a:schemeClr>
+          </a:solidFill>
+          <a:ln>
+            <a:solidFill>
+              <a:schemeClr val="accent1">
+                <a:lumMod val="50000"/>
+              </a:schemeClr>
+            </a:solidFill>
+          </a:ln>
+        </p:spPr>
+        <p:style>
+          <a:lnRef idx="2">
+            <a:schemeClr val="accent1">
+              <a:shade val="50000"/>
+            </a:schemeClr>
+          </a:lnRef>
+          <a:fillRef idx="1">
+            <a:schemeClr val="accent1"/>
+          </a:fillRef>
+          <a:effectRef idx="0">
+            <a:schemeClr val="accent1"/>
+          </a:effectRef>
+          <a:fontRef idx="minor">
+            <a:schemeClr val="lt1"/>
+          </a:fontRef>
+        </p:style>
+        <p:txBody>
+          <a:bodyPr rtlCol="0" anchor="ctr"/>
+          <a:lstStyle/>
+          <a:p>
+            <a:pPr algn="ctr"/>
+            <a:endParaRPr lang="en-US"/>
+          </a:p>
+        </p:txBody>
+      </p:sp>
+      <p:sp>
+        <p:nvSpPr>
+          <p:cNvPr id="12" name="Oval 11">
+            <a:extLst>
+              <a:ext uri="{FF2B5EF4-FFF2-40B4-BE49-F238E27FC236}">
+                <a16:creationId xmlns:a16="http://schemas.microsoft.com/office/drawing/2014/main" id="{BB4031B5-A0EF-924C-B068-4ACECE5080D3}"/>
+              </a:ext>
+            </a:extLst>
+          </p:cNvPr>
+          <p:cNvSpPr/>
+          <p:nvPr/>
+        </p:nvSpPr>
+        <p:spPr>
+          <a:xfrm>
+            <a:off x="5385889" y="2468290"/>
+            <a:ext cx="255543" cy="255543"/>
+          </a:xfrm>
+          <a:prstGeom prst="ellipse">
+            <a:avLst/>
+          </a:prstGeom>
+          <a:solidFill>
+            <a:srgbClr val="C00000"/>
+          </a:solidFill>
+          <a:ln>
+            <a:solidFill>
+              <a:srgbClr val="C00000"/>
+            </a:solidFill>
+          </a:ln>
+        </p:spPr>
+        <p:style>
+          <a:lnRef idx="2">
+            <a:schemeClr val="accent1">
+              <a:shade val="50000"/>
+            </a:schemeClr>
+          </a:lnRef>
+          <a:fillRef idx="1">
+            <a:schemeClr val="accent1"/>
+          </a:fillRef>
+          <a:effectRef idx="0">
+            <a:schemeClr val="accent1"/>
+          </a:effectRef>
+          <a:fontRef idx="minor">
+            <a:schemeClr val="lt1"/>
+          </a:fontRef>
+        </p:style>
+        <p:txBody>
+          <a:bodyPr rtlCol="0" anchor="ctr"/>
+          <a:lstStyle/>
+          <a:p>
+            <a:pPr algn="ctr"/>
+            <a:endParaRPr lang="en-US"/>
+          </a:p>
+        </p:txBody>
+      </p:sp>
+      <p:sp>
+        <p:nvSpPr>
+          <p:cNvPr id="13" name="Oval 12">
+            <a:extLst>
+              <a:ext uri="{FF2B5EF4-FFF2-40B4-BE49-F238E27FC236}">
+                <a16:creationId xmlns:a16="http://schemas.microsoft.com/office/drawing/2014/main" id="{D3578A9B-0A17-5240-A5FB-B3458E181C34}"/>
+              </a:ext>
+            </a:extLst>
+          </p:cNvPr>
+          <p:cNvSpPr/>
+          <p:nvPr/>
+        </p:nvSpPr>
+        <p:spPr>
+          <a:xfrm>
+            <a:off x="6005663" y="2804945"/>
+            <a:ext cx="255543" cy="255543"/>
+          </a:xfrm>
+          <a:prstGeom prst="ellipse">
+            <a:avLst/>
+          </a:prstGeom>
+          <a:solidFill>
+            <a:srgbClr val="C00000"/>
+          </a:solidFill>
+          <a:ln>
+            <a:solidFill>
+              <a:srgbClr val="C00000"/>
+            </a:solidFill>
+          </a:ln>
+        </p:spPr>
+        <p:style>
+          <a:lnRef idx="2">
+            <a:schemeClr val="accent1">
+              <a:shade val="50000"/>
+            </a:schemeClr>
+          </a:lnRef>
+          <a:fillRef idx="1">
+            <a:schemeClr val="accent1"/>
+          </a:fillRef>
+          <a:effectRef idx="0">
+            <a:schemeClr val="accent1"/>
+          </a:effectRef>
+          <a:fontRef idx="minor">
+            <a:schemeClr val="lt1"/>
+          </a:fontRef>
+        </p:style>
+        <p:txBody>
+          <a:bodyPr rtlCol="0" anchor="ctr"/>
+          <a:lstStyle/>
+          <a:p>
+            <a:pPr algn="ctr"/>
+            <a:endParaRPr lang="en-US"/>
+          </a:p>
+        </p:txBody>
+      </p:sp>
+      <p:sp>
+        <p:nvSpPr>
+          <p:cNvPr id="14" name="Oval 13">
+            <a:extLst>
+              <a:ext uri="{FF2B5EF4-FFF2-40B4-BE49-F238E27FC236}">
+                <a16:creationId xmlns:a16="http://schemas.microsoft.com/office/drawing/2014/main" id="{6585398A-4536-5449-B8E8-8A7D583D16DC}"/>
+              </a:ext>
+            </a:extLst>
+          </p:cNvPr>
+          <p:cNvSpPr/>
+          <p:nvPr/>
+        </p:nvSpPr>
+        <p:spPr>
+          <a:xfrm>
+            <a:off x="5513660" y="3275301"/>
+            <a:ext cx="255543" cy="255543"/>
+          </a:xfrm>
+          <a:prstGeom prst="ellipse">
+            <a:avLst/>
+          </a:prstGeom>
+          <a:solidFill>
+            <a:srgbClr val="C00000"/>
+          </a:solidFill>
+          <a:ln>
+            <a:solidFill>
+              <a:srgbClr val="C00000"/>
+            </a:solidFill>
+          </a:ln>
+        </p:spPr>
+        <p:style>
+          <a:lnRef idx="2">
+            <a:schemeClr val="accent1">
+              <a:shade val="50000"/>
+            </a:schemeClr>
+          </a:lnRef>
+          <a:fillRef idx="1">
+            <a:schemeClr val="accent1"/>
+          </a:fillRef>
+          <a:effectRef idx="0">
+            <a:schemeClr val="accent1"/>
+          </a:effectRef>
+          <a:fontRef idx="minor">
+            <a:schemeClr val="lt1"/>
+          </a:fontRef>
+        </p:style>
+        <p:txBody>
+          <a:bodyPr rtlCol="0" anchor="ctr"/>
+          <a:lstStyle/>
+          <a:p>
+            <a:pPr algn="ctr"/>
+            <a:endParaRPr lang="en-US"/>
+          </a:p>
+        </p:txBody>
+      </p:sp>
+      <p:sp>
+        <p:nvSpPr>
+          <p:cNvPr id="15" name="Oval 14">
+            <a:extLst>
+              <a:ext uri="{FF2B5EF4-FFF2-40B4-BE49-F238E27FC236}">
+                <a16:creationId xmlns:a16="http://schemas.microsoft.com/office/drawing/2014/main" id="{BD1D046A-F963-3D4A-B543-02C5BE15F686}"/>
+              </a:ext>
+            </a:extLst>
+          </p:cNvPr>
+          <p:cNvSpPr/>
+          <p:nvPr/>
+        </p:nvSpPr>
+        <p:spPr>
+          <a:xfrm>
+            <a:off x="6490790" y="2596062"/>
+            <a:ext cx="255543" cy="255543"/>
+          </a:xfrm>
+          <a:prstGeom prst="ellipse">
+            <a:avLst/>
+          </a:prstGeom>
+          <a:solidFill>
+            <a:schemeClr val="accent1">
+              <a:lumMod val="50000"/>
+            </a:schemeClr>
+          </a:solidFill>
+          <a:ln>
+            <a:solidFill>
+              <a:schemeClr val="accent1">
+                <a:lumMod val="50000"/>
+              </a:schemeClr>
+            </a:solidFill>
+          </a:ln>
+        </p:spPr>
+        <p:style>
+          <a:lnRef idx="2">
+            <a:schemeClr val="accent1">
+              <a:shade val="50000"/>
+            </a:schemeClr>
+          </a:lnRef>
+          <a:fillRef idx="1">
+            <a:schemeClr val="accent1"/>
+          </a:fillRef>
+          <a:effectRef idx="0">
+            <a:schemeClr val="accent1"/>
+          </a:effectRef>
+          <a:fontRef idx="minor">
+            <a:schemeClr val="lt1"/>
+          </a:fontRef>
+        </p:style>
+        <p:txBody>
+          <a:bodyPr rtlCol="0" anchor="ctr"/>
+          <a:lstStyle/>
+          <a:p>
+            <a:pPr algn="ctr"/>
+            <a:endParaRPr lang="en-US"/>
+          </a:p>
+        </p:txBody>
+      </p:sp>
+      <p:sp>
+        <p:nvSpPr>
+          <p:cNvPr id="16" name="Oval 15">
+            <a:extLst>
+              <a:ext uri="{FF2B5EF4-FFF2-40B4-BE49-F238E27FC236}">
+                <a16:creationId xmlns:a16="http://schemas.microsoft.com/office/drawing/2014/main" id="{6172817F-8CEC-D148-87CC-B1BCFCE463C2}"/>
+              </a:ext>
+            </a:extLst>
+          </p:cNvPr>
+          <p:cNvSpPr/>
+          <p:nvPr/>
+        </p:nvSpPr>
+        <p:spPr>
+          <a:xfrm>
+            <a:off x="9169694" y="2421630"/>
+            <a:ext cx="255543" cy="255543"/>
+          </a:xfrm>
+          <a:prstGeom prst="ellipse">
+            <a:avLst/>
+          </a:prstGeom>
+          <a:solidFill>
+            <a:srgbClr val="C00000"/>
+          </a:solidFill>
+          <a:ln>
+            <a:solidFill>
+              <a:srgbClr val="C00000"/>
+            </a:solidFill>
+          </a:ln>
+        </p:spPr>
+        <p:style>
+          <a:lnRef idx="2">
+            <a:schemeClr val="accent1">
+              <a:shade val="50000"/>
+            </a:schemeClr>
+          </a:lnRef>
+          <a:fillRef idx="1">
+            <a:schemeClr val="accent1"/>
+          </a:fillRef>
+          <a:effectRef idx="0">
+            <a:schemeClr val="accent1"/>
+          </a:effectRef>
+          <a:fontRef idx="minor">
+            <a:schemeClr val="lt1"/>
+          </a:fontRef>
+        </p:style>
+        <p:txBody>
+          <a:bodyPr rtlCol="0" anchor="ctr"/>
+          <a:lstStyle/>
+          <a:p>
+            <a:pPr algn="ctr"/>
+            <a:endParaRPr lang="en-US"/>
+          </a:p>
+        </p:txBody>
+      </p:sp>
+      <p:sp>
+        <p:nvSpPr>
+          <p:cNvPr id="17" name="Oval 16">
+            <a:extLst>
+              <a:ext uri="{FF2B5EF4-FFF2-40B4-BE49-F238E27FC236}">
+                <a16:creationId xmlns:a16="http://schemas.microsoft.com/office/drawing/2014/main" id="{6AE88383-1E69-FB4E-AF61-FD0EBA5DAC79}"/>
+              </a:ext>
+            </a:extLst>
+          </p:cNvPr>
+          <p:cNvSpPr/>
+          <p:nvPr/>
+        </p:nvSpPr>
+        <p:spPr>
+          <a:xfrm>
+            <a:off x="9789468" y="2758285"/>
+            <a:ext cx="255543" cy="255543"/>
+          </a:xfrm>
+          <a:prstGeom prst="ellipse">
+            <a:avLst/>
+          </a:prstGeom>
+          <a:solidFill>
+            <a:srgbClr val="C00000"/>
+          </a:solidFill>
+          <a:ln>
+            <a:solidFill>
+              <a:srgbClr val="C00000"/>
+            </a:solidFill>
+          </a:ln>
+        </p:spPr>
+        <p:style>
+          <a:lnRef idx="2">
+            <a:schemeClr val="accent1">
+              <a:shade val="50000"/>
+            </a:schemeClr>
+          </a:lnRef>
+          <a:fillRef idx="1">
+            <a:schemeClr val="accent1"/>
+          </a:fillRef>
+          <a:effectRef idx="0">
+            <a:schemeClr val="accent1"/>
+          </a:effectRef>
+          <a:fontRef idx="minor">
+            <a:schemeClr val="lt1"/>
+          </a:fontRef>
+        </p:style>
+        <p:txBody>
+          <a:bodyPr rtlCol="0" anchor="ctr"/>
+          <a:lstStyle/>
+          <a:p>
+            <a:pPr algn="ctr"/>
+            <a:endParaRPr lang="en-US"/>
+          </a:p>
+        </p:txBody>
+      </p:sp>
+      <p:sp>
+        <p:nvSpPr>
+          <p:cNvPr id="18" name="Oval 17">
+            <a:extLst>
+              <a:ext uri="{FF2B5EF4-FFF2-40B4-BE49-F238E27FC236}">
+                <a16:creationId xmlns:a16="http://schemas.microsoft.com/office/drawing/2014/main" id="{C903CD48-1DCD-DE47-8E8B-428FD46E679D}"/>
+              </a:ext>
+            </a:extLst>
+          </p:cNvPr>
+          <p:cNvSpPr/>
+          <p:nvPr/>
+        </p:nvSpPr>
+        <p:spPr>
+          <a:xfrm>
+            <a:off x="9297465" y="3228641"/>
+            <a:ext cx="255543" cy="255543"/>
+          </a:xfrm>
+          <a:prstGeom prst="ellipse">
+            <a:avLst/>
+          </a:prstGeom>
+          <a:solidFill>
+            <a:srgbClr val="C00000"/>
+          </a:solidFill>
+          <a:ln>
+            <a:solidFill>
+              <a:srgbClr val="C00000"/>
+            </a:solidFill>
+          </a:ln>
+        </p:spPr>
+        <p:style>
+          <a:lnRef idx="2">
+            <a:schemeClr val="accent1">
+              <a:shade val="50000"/>
+            </a:schemeClr>
+          </a:lnRef>
+          <a:fillRef idx="1">
+            <a:schemeClr val="accent1"/>
+          </a:fillRef>
+          <a:effectRef idx="0">
+            <a:schemeClr val="accent1"/>
+          </a:effectRef>
+          <a:fontRef idx="minor">
+            <a:schemeClr val="lt1"/>
+          </a:fontRef>
+        </p:style>
+        <p:txBody>
+          <a:bodyPr rtlCol="0" anchor="ctr"/>
+          <a:lstStyle/>
+          <a:p>
+            <a:pPr algn="ctr"/>
+            <a:endParaRPr lang="en-US"/>
+          </a:p>
+        </p:txBody>
+      </p:sp>
+      <p:sp>
+        <p:nvSpPr>
+          <p:cNvPr id="20" name="Rectangle 19">
+            <a:extLst>
+              <a:ext uri="{FF2B5EF4-FFF2-40B4-BE49-F238E27FC236}">
+                <a16:creationId xmlns:a16="http://schemas.microsoft.com/office/drawing/2014/main" id="{7589CAE1-032D-8B42-9A41-C8D3C2BF87D9}"/>
+              </a:ext>
+            </a:extLst>
+          </p:cNvPr>
+          <p:cNvSpPr/>
+          <p:nvPr/>
+        </p:nvSpPr>
+        <p:spPr>
+          <a:xfrm>
+            <a:off x="2240847" y="1180577"/>
+            <a:ext cx="784189" cy="461665"/>
+          </a:xfrm>
+          <a:prstGeom prst="rect">
+            <a:avLst/>
+          </a:prstGeom>
+        </p:spPr>
+        <p:txBody>
+          <a:bodyPr wrap="none">
+            <a:spAutoFit/>
+          </a:bodyPr>
+          <a:lstStyle/>
+          <a:p>
+            <a:r>
+              <a:rPr lang="en-US" sz="2400" dirty="0">
+                <a:latin typeface="Avenir Roman" panose="02000503020000020003" pitchFamily="2" charset="0"/>
+              </a:rPr>
+              <a:t>0.97</a:t>
+            </a:r>
+            <a:endParaRPr lang="en-US" sz="2400" dirty="0"/>
+          </a:p>
+        </p:txBody>
+      </p:sp>
+      <p:sp>
+        <p:nvSpPr>
+          <p:cNvPr id="21" name="Rectangle 20">
+            <a:extLst>
+              <a:ext uri="{FF2B5EF4-FFF2-40B4-BE49-F238E27FC236}">
+                <a16:creationId xmlns:a16="http://schemas.microsoft.com/office/drawing/2014/main" id="{D07A4CC2-9EB1-EF41-B6BE-58CA28445A48}"/>
+              </a:ext>
+            </a:extLst>
+          </p:cNvPr>
+          <p:cNvSpPr/>
+          <p:nvPr/>
+        </p:nvSpPr>
+        <p:spPr>
+          <a:xfrm>
+            <a:off x="5822222" y="1221564"/>
+            <a:ext cx="784189" cy="461665"/>
+          </a:xfrm>
+          <a:prstGeom prst="rect">
+            <a:avLst/>
+          </a:prstGeom>
+        </p:spPr>
+        <p:txBody>
+          <a:bodyPr wrap="none">
+            <a:spAutoFit/>
+          </a:bodyPr>
+          <a:lstStyle/>
+          <a:p>
+            <a:r>
+              <a:rPr lang="en-US" sz="2400" dirty="0">
+                <a:latin typeface="Avenir Roman" panose="02000503020000020003" pitchFamily="2" charset="0"/>
+              </a:rPr>
+              <a:t>0.82</a:t>
+            </a:r>
+            <a:endParaRPr lang="en-US" sz="2400" dirty="0"/>
+          </a:p>
+        </p:txBody>
+      </p:sp>
+      <p:sp>
+        <p:nvSpPr>
+          <p:cNvPr id="22" name="Rectangle 21">
+            <a:extLst>
+              <a:ext uri="{FF2B5EF4-FFF2-40B4-BE49-F238E27FC236}">
+                <a16:creationId xmlns:a16="http://schemas.microsoft.com/office/drawing/2014/main" id="{A7147E63-0F83-904B-92A5-89A9B81BE535}"/>
+              </a:ext>
+            </a:extLst>
+          </p:cNvPr>
+          <p:cNvSpPr/>
+          <p:nvPr/>
+        </p:nvSpPr>
+        <p:spPr>
+          <a:xfrm>
+            <a:off x="9425237" y="1220469"/>
+            <a:ext cx="356188" cy="461665"/>
+          </a:xfrm>
+          <a:prstGeom prst="rect">
+            <a:avLst/>
+          </a:prstGeom>
+        </p:spPr>
+        <p:txBody>
+          <a:bodyPr wrap="none">
+            <a:spAutoFit/>
+          </a:bodyPr>
+          <a:lstStyle/>
+          <a:p>
+            <a:r>
+              <a:rPr lang="en-US" sz="2400" dirty="0">
+                <a:latin typeface="Avenir Roman" panose="02000503020000020003" pitchFamily="2" charset="0"/>
+              </a:rPr>
+              <a:t>0</a:t>
+            </a:r>
+            <a:endParaRPr lang="en-US" sz="2400" dirty="0"/>
+          </a:p>
+        </p:txBody>
+      </p:sp>
+      <p:cxnSp>
+        <p:nvCxnSpPr>
+          <p:cNvPr id="23" name="Straight Arrow Connector 22">
+            <a:extLst>
+              <a:ext uri="{FF2B5EF4-FFF2-40B4-BE49-F238E27FC236}">
+                <a16:creationId xmlns:a16="http://schemas.microsoft.com/office/drawing/2014/main" id="{C79529EC-C32B-5540-9E16-B0CDFD649578}"/>
+              </a:ext>
+            </a:extLst>
+          </p:cNvPr>
+          <p:cNvCxnSpPr>
+            <a:cxnSpLocks/>
+          </p:cNvCxnSpPr>
+          <p:nvPr/>
+        </p:nvCxnSpPr>
+        <p:spPr>
+          <a:xfrm>
+            <a:off x="2004706" y="4552627"/>
+            <a:ext cx="8191918" cy="0"/>
+          </a:xfrm>
+          <a:prstGeom prst="straightConnector1">
+            <a:avLst/>
+          </a:prstGeom>
+          <a:ln>
+            <a:tailEnd type="triangle"/>
+          </a:ln>
+        </p:spPr>
+        <p:style>
+          <a:lnRef idx="1">
+            <a:schemeClr val="dk1"/>
+          </a:lnRef>
+          <a:fillRef idx="0">
+            <a:schemeClr val="dk1"/>
+          </a:fillRef>
+          <a:effectRef idx="0">
+            <a:schemeClr val="dk1"/>
+          </a:effectRef>
+          <a:fontRef idx="minor">
+            <a:schemeClr val="tx1"/>
+          </a:fontRef>
+        </p:style>
+      </p:cxnSp>
+      <p:sp>
+        <p:nvSpPr>
+          <p:cNvPr id="26" name="Rectangle 25">
+            <a:extLst>
+              <a:ext uri="{FF2B5EF4-FFF2-40B4-BE49-F238E27FC236}">
+                <a16:creationId xmlns:a16="http://schemas.microsoft.com/office/drawing/2014/main" id="{FCE3FAEA-FE55-0E46-9E73-90F6C6C35DEE}"/>
+              </a:ext>
+            </a:extLst>
+          </p:cNvPr>
+          <p:cNvSpPr/>
+          <p:nvPr/>
+        </p:nvSpPr>
+        <p:spPr>
+          <a:xfrm>
+            <a:off x="4618809" y="4618361"/>
+            <a:ext cx="2773708" cy="461665"/>
+          </a:xfrm>
+          <a:prstGeom prst="rect">
+            <a:avLst/>
+          </a:prstGeom>
+        </p:spPr>
+        <p:txBody>
+          <a:bodyPr wrap="none">
+            <a:spAutoFit/>
+          </a:bodyPr>
+          <a:lstStyle/>
+          <a:p>
+            <a:r>
+              <a:rPr lang="en-US" sz="2400" dirty="0">
+                <a:latin typeface="Avenir Roman" panose="02000503020000020003" pitchFamily="2" charset="0"/>
+              </a:rPr>
+              <a:t>Entropy Decreases</a:t>
+            </a:r>
+            <a:endParaRPr lang="en-US" sz="2400" dirty="0"/>
+          </a:p>
+        </p:txBody>
+      </p:sp>
+    </p:spTree>
+    <p:extLst>
+      <p:ext uri="{BB962C8B-B14F-4D97-AF65-F5344CB8AC3E}">
+        <p14:creationId xmlns:p14="http://schemas.microsoft.com/office/powerpoint/2010/main" val="2529659594"/>
+      </p:ext>
+    </p:extLst>
+  </p:cSld>
+  <p:clrMapOvr>
+    <a:masterClrMapping/>
+  </p:clrMapOvr>
+</p:sld>
+</file>
+
+<file path=ppt/slides/slide3.xml><?xml version="1.0" encoding="utf-8"?>
 <p:sld xmlns:a="http://schemas.openxmlformats.org/drawingml/2006/main" xmlns:r="http://schemas.openxmlformats.org/officeDocument/2006/relationships" xmlns:p="http://schemas.openxmlformats.org/presentationml/2006/main">
   <p:cSld>
     <p:spTree>
@@ -7042,7 +11314,7 @@
 </p:sld>
 </file>
 
-<file path=ppt/slides/slide11.xml><?xml version="1.0" encoding="utf-8"?>
+<file path=ppt/slides/slide4.xml><?xml version="1.0" encoding="utf-8"?>
 <p:sld xmlns:a="http://schemas.openxmlformats.org/drawingml/2006/main" xmlns:r="http://schemas.openxmlformats.org/officeDocument/2006/relationships" xmlns:p="http://schemas.openxmlformats.org/presentationml/2006/main">
   <p:cSld>
     <p:spTree>
@@ -7064,7 +11336,7 @@
           <p:cNvPr id="2" name="Title 1">
             <a:extLst>
               <a:ext uri="{FF2B5EF4-FFF2-40B4-BE49-F238E27FC236}">
-                <a16:creationId xmlns:a16="http://schemas.microsoft.com/office/drawing/2014/main" id="{673B066B-97D9-184D-9DE8-589A0BFF397C}"/>
+                <a16:creationId xmlns:a16="http://schemas.microsoft.com/office/drawing/2014/main" id="{11E5A937-857C-8643-93B5-6B4149739CB8}"/>
               </a:ext>
             </a:extLst>
           </p:cNvPr>
@@ -7089,7 +11361,7 @@
           <p:cNvPr id="3" name="Content Placeholder 2">
             <a:extLst>
               <a:ext uri="{FF2B5EF4-FFF2-40B4-BE49-F238E27FC236}">
-                <a16:creationId xmlns:a16="http://schemas.microsoft.com/office/drawing/2014/main" id="{78B5FD9E-DA93-A541-9054-632A6979A3AF}"/>
+                <a16:creationId xmlns:a16="http://schemas.microsoft.com/office/drawing/2014/main" id="{CCE41EB6-E450-D040-9CF2-1703E3445825}"/>
               </a:ext>
             </a:extLst>
           </p:cNvPr>
@@ -7112,7 +11384,7 @@
     </p:spTree>
     <p:extLst>
       <p:ext uri="{BB962C8B-B14F-4D97-AF65-F5344CB8AC3E}">
-        <p14:creationId xmlns:p14="http://schemas.microsoft.com/office/powerpoint/2010/main" val="2246416043"/>
+        <p14:creationId xmlns:p14="http://schemas.microsoft.com/office/powerpoint/2010/main" val="1879288825"/>
       </p:ext>
     </p:extLst>
   </p:cSld>
@@ -7122,1066 +11394,7 @@
 </p:sld>
 </file>
 
-<file path=ppt/slides/slide2.xml><?xml version="1.0" encoding="utf-8"?>
-<p:sld xmlns:a="http://schemas.openxmlformats.org/drawingml/2006/main" xmlns:r="http://schemas.openxmlformats.org/officeDocument/2006/relationships" xmlns:p="http://schemas.openxmlformats.org/presentationml/2006/main">
-  <p:cSld>
-    <p:spTree>
-      <p:nvGrpSpPr>
-        <p:cNvPr id="1" name=""/>
-        <p:cNvGrpSpPr/>
-        <p:nvPr/>
-      </p:nvGrpSpPr>
-      <p:grpSpPr>
-        <a:xfrm>
-          <a:off x="0" y="0"/>
-          <a:ext cx="0" cy="0"/>
-          <a:chOff x="0" y="0"/>
-          <a:chExt cx="0" cy="0"/>
-        </a:xfrm>
-      </p:grpSpPr>
-      <p:sp>
-        <p:nvSpPr>
-          <p:cNvPr id="4" name="Oval 3">
-            <a:extLst>
-              <a:ext uri="{FF2B5EF4-FFF2-40B4-BE49-F238E27FC236}">
-                <a16:creationId xmlns:a16="http://schemas.microsoft.com/office/drawing/2014/main" id="{F8EB5FCD-15C0-EA46-A743-94EC569A0323}"/>
-              </a:ext>
-            </a:extLst>
-          </p:cNvPr>
-          <p:cNvSpPr/>
-          <p:nvPr/>
-        </p:nvSpPr>
-        <p:spPr>
-          <a:xfrm>
-            <a:off x="1399592" y="1735494"/>
-            <a:ext cx="2369975" cy="2369975"/>
-          </a:xfrm>
-          <a:prstGeom prst="ellipse">
-            <a:avLst/>
-          </a:prstGeom>
-          <a:solidFill>
-            <a:schemeClr val="accent1">
-              <a:lumMod val="40000"/>
-              <a:lumOff val="60000"/>
-            </a:schemeClr>
-          </a:solidFill>
-          <a:ln>
-            <a:solidFill>
-              <a:schemeClr val="accent1">
-                <a:lumMod val="40000"/>
-                <a:lumOff val="60000"/>
-              </a:schemeClr>
-            </a:solidFill>
-          </a:ln>
-        </p:spPr>
-        <p:style>
-          <a:lnRef idx="2">
-            <a:schemeClr val="accent1">
-              <a:shade val="50000"/>
-            </a:schemeClr>
-          </a:lnRef>
-          <a:fillRef idx="1">
-            <a:schemeClr val="accent1"/>
-          </a:fillRef>
-          <a:effectRef idx="0">
-            <a:schemeClr val="accent1"/>
-          </a:effectRef>
-          <a:fontRef idx="minor">
-            <a:schemeClr val="lt1"/>
-          </a:fontRef>
-        </p:style>
-        <p:txBody>
-          <a:bodyPr rtlCol="0" anchor="ctr"/>
-          <a:lstStyle/>
-          <a:p>
-            <a:pPr algn="ctr"/>
-            <a:endParaRPr lang="en-US"/>
-          </a:p>
-        </p:txBody>
-      </p:sp>
-      <p:sp>
-        <p:nvSpPr>
-          <p:cNvPr id="5" name="Oval 4">
-            <a:extLst>
-              <a:ext uri="{FF2B5EF4-FFF2-40B4-BE49-F238E27FC236}">
-                <a16:creationId xmlns:a16="http://schemas.microsoft.com/office/drawing/2014/main" id="{D29D8E32-FD70-8245-ADA0-434379D9266B}"/>
-              </a:ext>
-            </a:extLst>
-          </p:cNvPr>
-          <p:cNvSpPr/>
-          <p:nvPr/>
-        </p:nvSpPr>
-        <p:spPr>
-          <a:xfrm>
-            <a:off x="4915678" y="1735494"/>
-            <a:ext cx="2369975" cy="2369975"/>
-          </a:xfrm>
-          <a:prstGeom prst="ellipse">
-            <a:avLst/>
-          </a:prstGeom>
-          <a:solidFill>
-            <a:schemeClr val="accent1">
-              <a:lumMod val="40000"/>
-              <a:lumOff val="60000"/>
-            </a:schemeClr>
-          </a:solidFill>
-          <a:ln>
-            <a:solidFill>
-              <a:schemeClr val="accent1">
-                <a:lumMod val="40000"/>
-                <a:lumOff val="60000"/>
-              </a:schemeClr>
-            </a:solidFill>
-          </a:ln>
-        </p:spPr>
-        <p:style>
-          <a:lnRef idx="2">
-            <a:schemeClr val="accent1">
-              <a:shade val="50000"/>
-            </a:schemeClr>
-          </a:lnRef>
-          <a:fillRef idx="1">
-            <a:schemeClr val="accent1"/>
-          </a:fillRef>
-          <a:effectRef idx="0">
-            <a:schemeClr val="accent1"/>
-          </a:effectRef>
-          <a:fontRef idx="minor">
-            <a:schemeClr val="lt1"/>
-          </a:fontRef>
-        </p:style>
-        <p:txBody>
-          <a:bodyPr rtlCol="0" anchor="ctr"/>
-          <a:lstStyle/>
-          <a:p>
-            <a:pPr algn="ctr"/>
-            <a:endParaRPr lang="en-US"/>
-          </a:p>
-        </p:txBody>
-      </p:sp>
-      <p:sp>
-        <p:nvSpPr>
-          <p:cNvPr id="6" name="Oval 5">
-            <a:extLst>
-              <a:ext uri="{FF2B5EF4-FFF2-40B4-BE49-F238E27FC236}">
-                <a16:creationId xmlns:a16="http://schemas.microsoft.com/office/drawing/2014/main" id="{8BACB7D6-75B9-CA48-A301-E28F9ED746B3}"/>
-              </a:ext>
-            </a:extLst>
-          </p:cNvPr>
-          <p:cNvSpPr/>
-          <p:nvPr/>
-        </p:nvSpPr>
-        <p:spPr>
-          <a:xfrm>
-            <a:off x="8431764" y="1735494"/>
-            <a:ext cx="2369975" cy="2369975"/>
-          </a:xfrm>
-          <a:prstGeom prst="ellipse">
-            <a:avLst/>
-          </a:prstGeom>
-          <a:solidFill>
-            <a:schemeClr val="accent1">
-              <a:lumMod val="40000"/>
-              <a:lumOff val="60000"/>
-            </a:schemeClr>
-          </a:solidFill>
-          <a:ln>
-            <a:solidFill>
-              <a:schemeClr val="accent1">
-                <a:lumMod val="40000"/>
-                <a:lumOff val="60000"/>
-              </a:schemeClr>
-            </a:solidFill>
-          </a:ln>
-        </p:spPr>
-        <p:style>
-          <a:lnRef idx="2">
-            <a:schemeClr val="accent1">
-              <a:shade val="50000"/>
-            </a:schemeClr>
-          </a:lnRef>
-          <a:fillRef idx="1">
-            <a:schemeClr val="accent1"/>
-          </a:fillRef>
-          <a:effectRef idx="0">
-            <a:schemeClr val="accent1"/>
-          </a:effectRef>
-          <a:fontRef idx="minor">
-            <a:schemeClr val="lt1"/>
-          </a:fontRef>
-        </p:style>
-        <p:txBody>
-          <a:bodyPr rtlCol="0" anchor="ctr"/>
-          <a:lstStyle/>
-          <a:p>
-            <a:pPr algn="ctr"/>
-            <a:endParaRPr lang="en-US"/>
-          </a:p>
-        </p:txBody>
-      </p:sp>
-      <p:sp>
-        <p:nvSpPr>
-          <p:cNvPr id="7" name="Oval 6">
-            <a:extLst>
-              <a:ext uri="{FF2B5EF4-FFF2-40B4-BE49-F238E27FC236}">
-                <a16:creationId xmlns:a16="http://schemas.microsoft.com/office/drawing/2014/main" id="{0FDEC888-776A-AD4B-9710-6F557E6638A0}"/>
-              </a:ext>
-            </a:extLst>
-          </p:cNvPr>
-          <p:cNvSpPr/>
-          <p:nvPr/>
-        </p:nvSpPr>
-        <p:spPr>
-          <a:xfrm>
-            <a:off x="1892594" y="2387179"/>
-            <a:ext cx="255543" cy="255543"/>
-          </a:xfrm>
-          <a:prstGeom prst="ellipse">
-            <a:avLst/>
-          </a:prstGeom>
-          <a:solidFill>
-            <a:srgbClr val="C00000"/>
-          </a:solidFill>
-          <a:ln>
-            <a:solidFill>
-              <a:srgbClr val="C00000"/>
-            </a:solidFill>
-          </a:ln>
-        </p:spPr>
-        <p:style>
-          <a:lnRef idx="2">
-            <a:schemeClr val="accent1">
-              <a:shade val="50000"/>
-            </a:schemeClr>
-          </a:lnRef>
-          <a:fillRef idx="1">
-            <a:schemeClr val="accent1"/>
-          </a:fillRef>
-          <a:effectRef idx="0">
-            <a:schemeClr val="accent1"/>
-          </a:effectRef>
-          <a:fontRef idx="minor">
-            <a:schemeClr val="lt1"/>
-          </a:fontRef>
-        </p:style>
-        <p:txBody>
-          <a:bodyPr rtlCol="0" anchor="ctr"/>
-          <a:lstStyle/>
-          <a:p>
-            <a:pPr algn="ctr"/>
-            <a:endParaRPr lang="en-US"/>
-          </a:p>
-        </p:txBody>
-      </p:sp>
-      <p:sp>
-        <p:nvSpPr>
-          <p:cNvPr id="8" name="Oval 7">
-            <a:extLst>
-              <a:ext uri="{FF2B5EF4-FFF2-40B4-BE49-F238E27FC236}">
-                <a16:creationId xmlns:a16="http://schemas.microsoft.com/office/drawing/2014/main" id="{1A2E17C0-2CD7-3D41-A76A-706EC825FD53}"/>
-              </a:ext>
-            </a:extLst>
-          </p:cNvPr>
-          <p:cNvSpPr/>
-          <p:nvPr/>
-        </p:nvSpPr>
-        <p:spPr>
-          <a:xfrm>
-            <a:off x="2512368" y="2723834"/>
-            <a:ext cx="255543" cy="255543"/>
-          </a:xfrm>
-          <a:prstGeom prst="ellipse">
-            <a:avLst/>
-          </a:prstGeom>
-          <a:solidFill>
-            <a:srgbClr val="C00000"/>
-          </a:solidFill>
-          <a:ln>
-            <a:solidFill>
-              <a:srgbClr val="C00000"/>
-            </a:solidFill>
-          </a:ln>
-        </p:spPr>
-        <p:style>
-          <a:lnRef idx="2">
-            <a:schemeClr val="accent1">
-              <a:shade val="50000"/>
-            </a:schemeClr>
-          </a:lnRef>
-          <a:fillRef idx="1">
-            <a:schemeClr val="accent1"/>
-          </a:fillRef>
-          <a:effectRef idx="0">
-            <a:schemeClr val="accent1"/>
-          </a:effectRef>
-          <a:fontRef idx="minor">
-            <a:schemeClr val="lt1"/>
-          </a:fontRef>
-        </p:style>
-        <p:txBody>
-          <a:bodyPr rtlCol="0" anchor="ctr"/>
-          <a:lstStyle/>
-          <a:p>
-            <a:pPr algn="ctr"/>
-            <a:endParaRPr lang="en-US"/>
-          </a:p>
-        </p:txBody>
-      </p:sp>
-      <p:sp>
-        <p:nvSpPr>
-          <p:cNvPr id="9" name="Oval 8">
-            <a:extLst>
-              <a:ext uri="{FF2B5EF4-FFF2-40B4-BE49-F238E27FC236}">
-                <a16:creationId xmlns:a16="http://schemas.microsoft.com/office/drawing/2014/main" id="{3EC01CBF-DFCD-E846-9C3C-592CADD2021F}"/>
-              </a:ext>
-            </a:extLst>
-          </p:cNvPr>
-          <p:cNvSpPr/>
-          <p:nvPr/>
-        </p:nvSpPr>
-        <p:spPr>
-          <a:xfrm>
-            <a:off x="2020365" y="3194190"/>
-            <a:ext cx="255543" cy="255543"/>
-          </a:xfrm>
-          <a:prstGeom prst="ellipse">
-            <a:avLst/>
-          </a:prstGeom>
-          <a:solidFill>
-            <a:srgbClr val="C00000"/>
-          </a:solidFill>
-          <a:ln>
-            <a:solidFill>
-              <a:srgbClr val="C00000"/>
-            </a:solidFill>
-          </a:ln>
-        </p:spPr>
-        <p:style>
-          <a:lnRef idx="2">
-            <a:schemeClr val="accent1">
-              <a:shade val="50000"/>
-            </a:schemeClr>
-          </a:lnRef>
-          <a:fillRef idx="1">
-            <a:schemeClr val="accent1"/>
-          </a:fillRef>
-          <a:effectRef idx="0">
-            <a:schemeClr val="accent1"/>
-          </a:effectRef>
-          <a:fontRef idx="minor">
-            <a:schemeClr val="lt1"/>
-          </a:fontRef>
-        </p:style>
-        <p:txBody>
-          <a:bodyPr rtlCol="0" anchor="ctr"/>
-          <a:lstStyle/>
-          <a:p>
-            <a:pPr algn="ctr"/>
-            <a:endParaRPr lang="en-US"/>
-          </a:p>
-        </p:txBody>
-      </p:sp>
-      <p:sp>
-        <p:nvSpPr>
-          <p:cNvPr id="10" name="Oval 9">
-            <a:extLst>
-              <a:ext uri="{FF2B5EF4-FFF2-40B4-BE49-F238E27FC236}">
-                <a16:creationId xmlns:a16="http://schemas.microsoft.com/office/drawing/2014/main" id="{B2093C16-C0FA-BC4F-B36E-527471520B4B}"/>
-              </a:ext>
-            </a:extLst>
-          </p:cNvPr>
-          <p:cNvSpPr/>
-          <p:nvPr/>
-        </p:nvSpPr>
-        <p:spPr>
-          <a:xfrm>
-            <a:off x="2984318" y="3027933"/>
-            <a:ext cx="255543" cy="255543"/>
-          </a:xfrm>
-          <a:prstGeom prst="ellipse">
-            <a:avLst/>
-          </a:prstGeom>
-          <a:solidFill>
-            <a:schemeClr val="accent1">
-              <a:lumMod val="50000"/>
-            </a:schemeClr>
-          </a:solidFill>
-          <a:ln>
-            <a:solidFill>
-              <a:schemeClr val="accent1">
-                <a:lumMod val="50000"/>
-              </a:schemeClr>
-            </a:solidFill>
-          </a:ln>
-        </p:spPr>
-        <p:style>
-          <a:lnRef idx="2">
-            <a:schemeClr val="accent1">
-              <a:shade val="50000"/>
-            </a:schemeClr>
-          </a:lnRef>
-          <a:fillRef idx="1">
-            <a:schemeClr val="accent1"/>
-          </a:fillRef>
-          <a:effectRef idx="0">
-            <a:schemeClr val="accent1"/>
-          </a:effectRef>
-          <a:fontRef idx="minor">
-            <a:schemeClr val="lt1"/>
-          </a:fontRef>
-        </p:style>
-        <p:txBody>
-          <a:bodyPr rtlCol="0" anchor="ctr"/>
-          <a:lstStyle/>
-          <a:p>
-            <a:pPr algn="ctr"/>
-            <a:endParaRPr lang="en-US"/>
-          </a:p>
-        </p:txBody>
-      </p:sp>
-      <p:sp>
-        <p:nvSpPr>
-          <p:cNvPr id="11" name="Oval 10">
-            <a:extLst>
-              <a:ext uri="{FF2B5EF4-FFF2-40B4-BE49-F238E27FC236}">
-                <a16:creationId xmlns:a16="http://schemas.microsoft.com/office/drawing/2014/main" id="{B1F36AF1-C10C-F940-BAF1-6F139364FFC9}"/>
-              </a:ext>
-            </a:extLst>
-          </p:cNvPr>
-          <p:cNvSpPr/>
-          <p:nvPr/>
-        </p:nvSpPr>
-        <p:spPr>
-          <a:xfrm>
-            <a:off x="2997495" y="2514951"/>
-            <a:ext cx="255543" cy="255543"/>
-          </a:xfrm>
-          <a:prstGeom prst="ellipse">
-            <a:avLst/>
-          </a:prstGeom>
-          <a:solidFill>
-            <a:schemeClr val="accent1">
-              <a:lumMod val="50000"/>
-            </a:schemeClr>
-          </a:solidFill>
-          <a:ln>
-            <a:solidFill>
-              <a:schemeClr val="accent1">
-                <a:lumMod val="50000"/>
-              </a:schemeClr>
-            </a:solidFill>
-          </a:ln>
-        </p:spPr>
-        <p:style>
-          <a:lnRef idx="2">
-            <a:schemeClr val="accent1">
-              <a:shade val="50000"/>
-            </a:schemeClr>
-          </a:lnRef>
-          <a:fillRef idx="1">
-            <a:schemeClr val="accent1"/>
-          </a:fillRef>
-          <a:effectRef idx="0">
-            <a:schemeClr val="accent1"/>
-          </a:effectRef>
-          <a:fontRef idx="minor">
-            <a:schemeClr val="lt1"/>
-          </a:fontRef>
-        </p:style>
-        <p:txBody>
-          <a:bodyPr rtlCol="0" anchor="ctr"/>
-          <a:lstStyle/>
-          <a:p>
-            <a:pPr algn="ctr"/>
-            <a:endParaRPr lang="en-US"/>
-          </a:p>
-        </p:txBody>
-      </p:sp>
-      <p:sp>
-        <p:nvSpPr>
-          <p:cNvPr id="12" name="Oval 11">
-            <a:extLst>
-              <a:ext uri="{FF2B5EF4-FFF2-40B4-BE49-F238E27FC236}">
-                <a16:creationId xmlns:a16="http://schemas.microsoft.com/office/drawing/2014/main" id="{BB4031B5-A0EF-924C-B068-4ACECE5080D3}"/>
-              </a:ext>
-            </a:extLst>
-          </p:cNvPr>
-          <p:cNvSpPr/>
-          <p:nvPr/>
-        </p:nvSpPr>
-        <p:spPr>
-          <a:xfrm>
-            <a:off x="5385889" y="2468290"/>
-            <a:ext cx="255543" cy="255543"/>
-          </a:xfrm>
-          <a:prstGeom prst="ellipse">
-            <a:avLst/>
-          </a:prstGeom>
-          <a:solidFill>
-            <a:srgbClr val="C00000"/>
-          </a:solidFill>
-          <a:ln>
-            <a:solidFill>
-              <a:srgbClr val="C00000"/>
-            </a:solidFill>
-          </a:ln>
-        </p:spPr>
-        <p:style>
-          <a:lnRef idx="2">
-            <a:schemeClr val="accent1">
-              <a:shade val="50000"/>
-            </a:schemeClr>
-          </a:lnRef>
-          <a:fillRef idx="1">
-            <a:schemeClr val="accent1"/>
-          </a:fillRef>
-          <a:effectRef idx="0">
-            <a:schemeClr val="accent1"/>
-          </a:effectRef>
-          <a:fontRef idx="minor">
-            <a:schemeClr val="lt1"/>
-          </a:fontRef>
-        </p:style>
-        <p:txBody>
-          <a:bodyPr rtlCol="0" anchor="ctr"/>
-          <a:lstStyle/>
-          <a:p>
-            <a:pPr algn="ctr"/>
-            <a:endParaRPr lang="en-US"/>
-          </a:p>
-        </p:txBody>
-      </p:sp>
-      <p:sp>
-        <p:nvSpPr>
-          <p:cNvPr id="13" name="Oval 12">
-            <a:extLst>
-              <a:ext uri="{FF2B5EF4-FFF2-40B4-BE49-F238E27FC236}">
-                <a16:creationId xmlns:a16="http://schemas.microsoft.com/office/drawing/2014/main" id="{D3578A9B-0A17-5240-A5FB-B3458E181C34}"/>
-              </a:ext>
-            </a:extLst>
-          </p:cNvPr>
-          <p:cNvSpPr/>
-          <p:nvPr/>
-        </p:nvSpPr>
-        <p:spPr>
-          <a:xfrm>
-            <a:off x="6005663" y="2804945"/>
-            <a:ext cx="255543" cy="255543"/>
-          </a:xfrm>
-          <a:prstGeom prst="ellipse">
-            <a:avLst/>
-          </a:prstGeom>
-          <a:solidFill>
-            <a:srgbClr val="C00000"/>
-          </a:solidFill>
-          <a:ln>
-            <a:solidFill>
-              <a:srgbClr val="C00000"/>
-            </a:solidFill>
-          </a:ln>
-        </p:spPr>
-        <p:style>
-          <a:lnRef idx="2">
-            <a:schemeClr val="accent1">
-              <a:shade val="50000"/>
-            </a:schemeClr>
-          </a:lnRef>
-          <a:fillRef idx="1">
-            <a:schemeClr val="accent1"/>
-          </a:fillRef>
-          <a:effectRef idx="0">
-            <a:schemeClr val="accent1"/>
-          </a:effectRef>
-          <a:fontRef idx="minor">
-            <a:schemeClr val="lt1"/>
-          </a:fontRef>
-        </p:style>
-        <p:txBody>
-          <a:bodyPr rtlCol="0" anchor="ctr"/>
-          <a:lstStyle/>
-          <a:p>
-            <a:pPr algn="ctr"/>
-            <a:endParaRPr lang="en-US"/>
-          </a:p>
-        </p:txBody>
-      </p:sp>
-      <p:sp>
-        <p:nvSpPr>
-          <p:cNvPr id="14" name="Oval 13">
-            <a:extLst>
-              <a:ext uri="{FF2B5EF4-FFF2-40B4-BE49-F238E27FC236}">
-                <a16:creationId xmlns:a16="http://schemas.microsoft.com/office/drawing/2014/main" id="{6585398A-4536-5449-B8E8-8A7D583D16DC}"/>
-              </a:ext>
-            </a:extLst>
-          </p:cNvPr>
-          <p:cNvSpPr/>
-          <p:nvPr/>
-        </p:nvSpPr>
-        <p:spPr>
-          <a:xfrm>
-            <a:off x="5513660" y="3275301"/>
-            <a:ext cx="255543" cy="255543"/>
-          </a:xfrm>
-          <a:prstGeom prst="ellipse">
-            <a:avLst/>
-          </a:prstGeom>
-          <a:solidFill>
-            <a:srgbClr val="C00000"/>
-          </a:solidFill>
-          <a:ln>
-            <a:solidFill>
-              <a:srgbClr val="C00000"/>
-            </a:solidFill>
-          </a:ln>
-        </p:spPr>
-        <p:style>
-          <a:lnRef idx="2">
-            <a:schemeClr val="accent1">
-              <a:shade val="50000"/>
-            </a:schemeClr>
-          </a:lnRef>
-          <a:fillRef idx="1">
-            <a:schemeClr val="accent1"/>
-          </a:fillRef>
-          <a:effectRef idx="0">
-            <a:schemeClr val="accent1"/>
-          </a:effectRef>
-          <a:fontRef idx="minor">
-            <a:schemeClr val="lt1"/>
-          </a:fontRef>
-        </p:style>
-        <p:txBody>
-          <a:bodyPr rtlCol="0" anchor="ctr"/>
-          <a:lstStyle/>
-          <a:p>
-            <a:pPr algn="ctr"/>
-            <a:endParaRPr lang="en-US"/>
-          </a:p>
-        </p:txBody>
-      </p:sp>
-      <p:sp>
-        <p:nvSpPr>
-          <p:cNvPr id="15" name="Oval 14">
-            <a:extLst>
-              <a:ext uri="{FF2B5EF4-FFF2-40B4-BE49-F238E27FC236}">
-                <a16:creationId xmlns:a16="http://schemas.microsoft.com/office/drawing/2014/main" id="{BD1D046A-F963-3D4A-B543-02C5BE15F686}"/>
-              </a:ext>
-            </a:extLst>
-          </p:cNvPr>
-          <p:cNvSpPr/>
-          <p:nvPr/>
-        </p:nvSpPr>
-        <p:spPr>
-          <a:xfrm>
-            <a:off x="6490790" y="2596062"/>
-            <a:ext cx="255543" cy="255543"/>
-          </a:xfrm>
-          <a:prstGeom prst="ellipse">
-            <a:avLst/>
-          </a:prstGeom>
-          <a:solidFill>
-            <a:schemeClr val="accent1">
-              <a:lumMod val="50000"/>
-            </a:schemeClr>
-          </a:solidFill>
-          <a:ln>
-            <a:solidFill>
-              <a:schemeClr val="accent1">
-                <a:lumMod val="50000"/>
-              </a:schemeClr>
-            </a:solidFill>
-          </a:ln>
-        </p:spPr>
-        <p:style>
-          <a:lnRef idx="2">
-            <a:schemeClr val="accent1">
-              <a:shade val="50000"/>
-            </a:schemeClr>
-          </a:lnRef>
-          <a:fillRef idx="1">
-            <a:schemeClr val="accent1"/>
-          </a:fillRef>
-          <a:effectRef idx="0">
-            <a:schemeClr val="accent1"/>
-          </a:effectRef>
-          <a:fontRef idx="minor">
-            <a:schemeClr val="lt1"/>
-          </a:fontRef>
-        </p:style>
-        <p:txBody>
-          <a:bodyPr rtlCol="0" anchor="ctr"/>
-          <a:lstStyle/>
-          <a:p>
-            <a:pPr algn="ctr"/>
-            <a:endParaRPr lang="en-US"/>
-          </a:p>
-        </p:txBody>
-      </p:sp>
-      <p:sp>
-        <p:nvSpPr>
-          <p:cNvPr id="16" name="Oval 15">
-            <a:extLst>
-              <a:ext uri="{FF2B5EF4-FFF2-40B4-BE49-F238E27FC236}">
-                <a16:creationId xmlns:a16="http://schemas.microsoft.com/office/drawing/2014/main" id="{6172817F-8CEC-D148-87CC-B1BCFCE463C2}"/>
-              </a:ext>
-            </a:extLst>
-          </p:cNvPr>
-          <p:cNvSpPr/>
-          <p:nvPr/>
-        </p:nvSpPr>
-        <p:spPr>
-          <a:xfrm>
-            <a:off x="9169694" y="2421630"/>
-            <a:ext cx="255543" cy="255543"/>
-          </a:xfrm>
-          <a:prstGeom prst="ellipse">
-            <a:avLst/>
-          </a:prstGeom>
-          <a:solidFill>
-            <a:srgbClr val="C00000"/>
-          </a:solidFill>
-          <a:ln>
-            <a:solidFill>
-              <a:srgbClr val="C00000"/>
-            </a:solidFill>
-          </a:ln>
-        </p:spPr>
-        <p:style>
-          <a:lnRef idx="2">
-            <a:schemeClr val="accent1">
-              <a:shade val="50000"/>
-            </a:schemeClr>
-          </a:lnRef>
-          <a:fillRef idx="1">
-            <a:schemeClr val="accent1"/>
-          </a:fillRef>
-          <a:effectRef idx="0">
-            <a:schemeClr val="accent1"/>
-          </a:effectRef>
-          <a:fontRef idx="minor">
-            <a:schemeClr val="lt1"/>
-          </a:fontRef>
-        </p:style>
-        <p:txBody>
-          <a:bodyPr rtlCol="0" anchor="ctr"/>
-          <a:lstStyle/>
-          <a:p>
-            <a:pPr algn="ctr"/>
-            <a:endParaRPr lang="en-US"/>
-          </a:p>
-        </p:txBody>
-      </p:sp>
-      <p:sp>
-        <p:nvSpPr>
-          <p:cNvPr id="17" name="Oval 16">
-            <a:extLst>
-              <a:ext uri="{FF2B5EF4-FFF2-40B4-BE49-F238E27FC236}">
-                <a16:creationId xmlns:a16="http://schemas.microsoft.com/office/drawing/2014/main" id="{6AE88383-1E69-FB4E-AF61-FD0EBA5DAC79}"/>
-              </a:ext>
-            </a:extLst>
-          </p:cNvPr>
-          <p:cNvSpPr/>
-          <p:nvPr/>
-        </p:nvSpPr>
-        <p:spPr>
-          <a:xfrm>
-            <a:off x="9789468" y="2758285"/>
-            <a:ext cx="255543" cy="255543"/>
-          </a:xfrm>
-          <a:prstGeom prst="ellipse">
-            <a:avLst/>
-          </a:prstGeom>
-          <a:solidFill>
-            <a:srgbClr val="C00000"/>
-          </a:solidFill>
-          <a:ln>
-            <a:solidFill>
-              <a:srgbClr val="C00000"/>
-            </a:solidFill>
-          </a:ln>
-        </p:spPr>
-        <p:style>
-          <a:lnRef idx="2">
-            <a:schemeClr val="accent1">
-              <a:shade val="50000"/>
-            </a:schemeClr>
-          </a:lnRef>
-          <a:fillRef idx="1">
-            <a:schemeClr val="accent1"/>
-          </a:fillRef>
-          <a:effectRef idx="0">
-            <a:schemeClr val="accent1"/>
-          </a:effectRef>
-          <a:fontRef idx="minor">
-            <a:schemeClr val="lt1"/>
-          </a:fontRef>
-        </p:style>
-        <p:txBody>
-          <a:bodyPr rtlCol="0" anchor="ctr"/>
-          <a:lstStyle/>
-          <a:p>
-            <a:pPr algn="ctr"/>
-            <a:endParaRPr lang="en-US"/>
-          </a:p>
-        </p:txBody>
-      </p:sp>
-      <p:sp>
-        <p:nvSpPr>
-          <p:cNvPr id="18" name="Oval 17">
-            <a:extLst>
-              <a:ext uri="{FF2B5EF4-FFF2-40B4-BE49-F238E27FC236}">
-                <a16:creationId xmlns:a16="http://schemas.microsoft.com/office/drawing/2014/main" id="{C903CD48-1DCD-DE47-8E8B-428FD46E679D}"/>
-              </a:ext>
-            </a:extLst>
-          </p:cNvPr>
-          <p:cNvSpPr/>
-          <p:nvPr/>
-        </p:nvSpPr>
-        <p:spPr>
-          <a:xfrm>
-            <a:off x="9297465" y="3228641"/>
-            <a:ext cx="255543" cy="255543"/>
-          </a:xfrm>
-          <a:prstGeom prst="ellipse">
-            <a:avLst/>
-          </a:prstGeom>
-          <a:solidFill>
-            <a:srgbClr val="C00000"/>
-          </a:solidFill>
-          <a:ln>
-            <a:solidFill>
-              <a:srgbClr val="C00000"/>
-            </a:solidFill>
-          </a:ln>
-        </p:spPr>
-        <p:style>
-          <a:lnRef idx="2">
-            <a:schemeClr val="accent1">
-              <a:shade val="50000"/>
-            </a:schemeClr>
-          </a:lnRef>
-          <a:fillRef idx="1">
-            <a:schemeClr val="accent1"/>
-          </a:fillRef>
-          <a:effectRef idx="0">
-            <a:schemeClr val="accent1"/>
-          </a:effectRef>
-          <a:fontRef idx="minor">
-            <a:schemeClr val="lt1"/>
-          </a:fontRef>
-        </p:style>
-        <p:txBody>
-          <a:bodyPr rtlCol="0" anchor="ctr"/>
-          <a:lstStyle/>
-          <a:p>
-            <a:pPr algn="ctr"/>
-            <a:endParaRPr lang="en-US"/>
-          </a:p>
-        </p:txBody>
-      </p:sp>
-      <p:sp>
-        <p:nvSpPr>
-          <p:cNvPr id="20" name="Rectangle 19">
-            <a:extLst>
-              <a:ext uri="{FF2B5EF4-FFF2-40B4-BE49-F238E27FC236}">
-                <a16:creationId xmlns:a16="http://schemas.microsoft.com/office/drawing/2014/main" id="{7589CAE1-032D-8B42-9A41-C8D3C2BF87D9}"/>
-              </a:ext>
-            </a:extLst>
-          </p:cNvPr>
-          <p:cNvSpPr/>
-          <p:nvPr/>
-        </p:nvSpPr>
-        <p:spPr>
-          <a:xfrm>
-            <a:off x="2240847" y="1180577"/>
-            <a:ext cx="784189" cy="461665"/>
-          </a:xfrm>
-          <a:prstGeom prst="rect">
-            <a:avLst/>
-          </a:prstGeom>
-        </p:spPr>
-        <p:txBody>
-          <a:bodyPr wrap="none">
-            <a:spAutoFit/>
-          </a:bodyPr>
-          <a:lstStyle/>
-          <a:p>
-            <a:r>
-              <a:rPr lang="en-US" sz="2400" dirty="0">
-                <a:latin typeface="Avenir Roman" panose="02000503020000020003" pitchFamily="2" charset="0"/>
-              </a:rPr>
-              <a:t>0.97</a:t>
-            </a:r>
-            <a:endParaRPr lang="en-US" sz="2400" dirty="0"/>
-          </a:p>
-        </p:txBody>
-      </p:sp>
-      <p:sp>
-        <p:nvSpPr>
-          <p:cNvPr id="21" name="Rectangle 20">
-            <a:extLst>
-              <a:ext uri="{FF2B5EF4-FFF2-40B4-BE49-F238E27FC236}">
-                <a16:creationId xmlns:a16="http://schemas.microsoft.com/office/drawing/2014/main" id="{D07A4CC2-9EB1-EF41-B6BE-58CA28445A48}"/>
-              </a:ext>
-            </a:extLst>
-          </p:cNvPr>
-          <p:cNvSpPr/>
-          <p:nvPr/>
-        </p:nvSpPr>
-        <p:spPr>
-          <a:xfrm>
-            <a:off x="5822222" y="1221564"/>
-            <a:ext cx="784189" cy="461665"/>
-          </a:xfrm>
-          <a:prstGeom prst="rect">
-            <a:avLst/>
-          </a:prstGeom>
-        </p:spPr>
-        <p:txBody>
-          <a:bodyPr wrap="none">
-            <a:spAutoFit/>
-          </a:bodyPr>
-          <a:lstStyle/>
-          <a:p>
-            <a:r>
-              <a:rPr lang="en-US" sz="2400" dirty="0">
-                <a:latin typeface="Avenir Roman" panose="02000503020000020003" pitchFamily="2" charset="0"/>
-              </a:rPr>
-              <a:t>0.82</a:t>
-            </a:r>
-            <a:endParaRPr lang="en-US" sz="2400" dirty="0"/>
-          </a:p>
-        </p:txBody>
-      </p:sp>
-      <p:sp>
-        <p:nvSpPr>
-          <p:cNvPr id="22" name="Rectangle 21">
-            <a:extLst>
-              <a:ext uri="{FF2B5EF4-FFF2-40B4-BE49-F238E27FC236}">
-                <a16:creationId xmlns:a16="http://schemas.microsoft.com/office/drawing/2014/main" id="{A7147E63-0F83-904B-92A5-89A9B81BE535}"/>
-              </a:ext>
-            </a:extLst>
-          </p:cNvPr>
-          <p:cNvSpPr/>
-          <p:nvPr/>
-        </p:nvSpPr>
-        <p:spPr>
-          <a:xfrm>
-            <a:off x="9425237" y="1220469"/>
-            <a:ext cx="356188" cy="461665"/>
-          </a:xfrm>
-          <a:prstGeom prst="rect">
-            <a:avLst/>
-          </a:prstGeom>
-        </p:spPr>
-        <p:txBody>
-          <a:bodyPr wrap="none">
-            <a:spAutoFit/>
-          </a:bodyPr>
-          <a:lstStyle/>
-          <a:p>
-            <a:r>
-              <a:rPr lang="en-US" sz="2400" dirty="0">
-                <a:latin typeface="Avenir Roman" panose="02000503020000020003" pitchFamily="2" charset="0"/>
-              </a:rPr>
-              <a:t>0</a:t>
-            </a:r>
-            <a:endParaRPr lang="en-US" sz="2400" dirty="0"/>
-          </a:p>
-        </p:txBody>
-      </p:sp>
-      <p:cxnSp>
-        <p:nvCxnSpPr>
-          <p:cNvPr id="23" name="Straight Arrow Connector 22">
-            <a:extLst>
-              <a:ext uri="{FF2B5EF4-FFF2-40B4-BE49-F238E27FC236}">
-                <a16:creationId xmlns:a16="http://schemas.microsoft.com/office/drawing/2014/main" id="{C79529EC-C32B-5540-9E16-B0CDFD649578}"/>
-              </a:ext>
-            </a:extLst>
-          </p:cNvPr>
-          <p:cNvCxnSpPr>
-            <a:cxnSpLocks/>
-          </p:cNvCxnSpPr>
-          <p:nvPr/>
-        </p:nvCxnSpPr>
-        <p:spPr>
-          <a:xfrm>
-            <a:off x="2004706" y="4552627"/>
-            <a:ext cx="8191918" cy="0"/>
-          </a:xfrm>
-          <a:prstGeom prst="straightConnector1">
-            <a:avLst/>
-          </a:prstGeom>
-          <a:ln>
-            <a:tailEnd type="triangle"/>
-          </a:ln>
-        </p:spPr>
-        <p:style>
-          <a:lnRef idx="1">
-            <a:schemeClr val="dk1"/>
-          </a:lnRef>
-          <a:fillRef idx="0">
-            <a:schemeClr val="dk1"/>
-          </a:fillRef>
-          <a:effectRef idx="0">
-            <a:schemeClr val="dk1"/>
-          </a:effectRef>
-          <a:fontRef idx="minor">
-            <a:schemeClr val="tx1"/>
-          </a:fontRef>
-        </p:style>
-      </p:cxnSp>
-      <p:sp>
-        <p:nvSpPr>
-          <p:cNvPr id="26" name="Rectangle 25">
-            <a:extLst>
-              <a:ext uri="{FF2B5EF4-FFF2-40B4-BE49-F238E27FC236}">
-                <a16:creationId xmlns:a16="http://schemas.microsoft.com/office/drawing/2014/main" id="{FCE3FAEA-FE55-0E46-9E73-90F6C6C35DEE}"/>
-              </a:ext>
-            </a:extLst>
-          </p:cNvPr>
-          <p:cNvSpPr/>
-          <p:nvPr/>
-        </p:nvSpPr>
-        <p:spPr>
-          <a:xfrm>
-            <a:off x="4618809" y="4618361"/>
-            <a:ext cx="2773708" cy="461665"/>
-          </a:xfrm>
-          <a:prstGeom prst="rect">
-            <a:avLst/>
-          </a:prstGeom>
-        </p:spPr>
-        <p:txBody>
-          <a:bodyPr wrap="none">
-            <a:spAutoFit/>
-          </a:bodyPr>
-          <a:lstStyle/>
-          <a:p>
-            <a:r>
-              <a:rPr lang="en-US" sz="2400" dirty="0">
-                <a:latin typeface="Avenir Roman" panose="02000503020000020003" pitchFamily="2" charset="0"/>
-              </a:rPr>
-              <a:t>Entropy Decreases</a:t>
-            </a:r>
-            <a:endParaRPr lang="en-US" sz="2400" dirty="0"/>
-          </a:p>
-        </p:txBody>
-      </p:sp>
-    </p:spTree>
-    <p:extLst>
-      <p:ext uri="{BB962C8B-B14F-4D97-AF65-F5344CB8AC3E}">
-        <p14:creationId xmlns:p14="http://schemas.microsoft.com/office/powerpoint/2010/main" val="2529659594"/>
-      </p:ext>
-    </p:extLst>
-  </p:cSld>
-  <p:clrMapOvr>
-    <a:masterClrMapping/>
-  </p:clrMapOvr>
-</p:sld>
-</file>
-
-<file path=ppt/slides/slide3.xml><?xml version="1.0" encoding="utf-8"?>
+<file path=ppt/slides/slide5.xml><?xml version="1.0" encoding="utf-8"?>
 <p:sld xmlns:a="http://schemas.openxmlformats.org/drawingml/2006/main" xmlns:r="http://schemas.openxmlformats.org/officeDocument/2006/relationships" xmlns:p="http://schemas.openxmlformats.org/presentationml/2006/main">
   <p:cSld>
     <p:spTree>
@@ -10121,7 +13334,7 @@
 </p:sld>
 </file>
 
-<file path=ppt/slides/slide4.xml><?xml version="1.0" encoding="utf-8"?>
+<file path=ppt/slides/slide6.xml><?xml version="1.0" encoding="utf-8"?>
 <p:sld xmlns:a="http://schemas.openxmlformats.org/drawingml/2006/main" xmlns:r="http://schemas.openxmlformats.org/officeDocument/2006/relationships" xmlns:p="http://schemas.openxmlformats.org/presentationml/2006/main">
   <p:cSld>
     <p:spTree>
@@ -12205,7 +15418,7 @@
 </p:sld>
 </file>
 
-<file path=ppt/slides/slide5.xml><?xml version="1.0" encoding="utf-8"?>
+<file path=ppt/slides/slide7.xml><?xml version="1.0" encoding="utf-8"?>
 <p:sld xmlns:a="http://schemas.openxmlformats.org/drawingml/2006/main" xmlns:r="http://schemas.openxmlformats.org/officeDocument/2006/relationships" xmlns:p="http://schemas.openxmlformats.org/presentationml/2006/main">
   <p:cSld>
     <p:spTree>
@@ -13731,7 +16944,7 @@
 </p:sld>
 </file>
 
-<file path=ppt/slides/slide6.xml><?xml version="1.0" encoding="utf-8"?>
+<file path=ppt/slides/slide8.xml><?xml version="1.0" encoding="utf-8"?>
 <p:sld xmlns:a="http://schemas.openxmlformats.org/drawingml/2006/main" xmlns:r="http://schemas.openxmlformats.org/officeDocument/2006/relationships" xmlns:p="http://schemas.openxmlformats.org/presentationml/2006/main">
   <p:cSld>
     <p:spTree>
@@ -15774,7 +18987,7 @@
 </p:sld>
 </file>
 
-<file path=ppt/slides/slide7.xml><?xml version="1.0" encoding="utf-8"?>
+<file path=ppt/slides/slide9.xml><?xml version="1.0" encoding="utf-8"?>
 <p:sld xmlns:a="http://schemas.openxmlformats.org/drawingml/2006/main" xmlns:r="http://schemas.openxmlformats.org/officeDocument/2006/relationships" xmlns:p="http://schemas.openxmlformats.org/presentationml/2006/main">
   <p:cSld>
     <p:spTree>
@@ -16959,3138 +20172,6 @@
     <p:extLst>
       <p:ext uri="{BB962C8B-B14F-4D97-AF65-F5344CB8AC3E}">
         <p14:creationId xmlns:p14="http://schemas.microsoft.com/office/powerpoint/2010/main" val="961068249"/>
-      </p:ext>
-    </p:extLst>
-  </p:cSld>
-  <p:clrMapOvr>
-    <a:masterClrMapping/>
-  </p:clrMapOvr>
-</p:sld>
-</file>
-
-<file path=ppt/slides/slide8.xml><?xml version="1.0" encoding="utf-8"?>
-<p:sld xmlns:a="http://schemas.openxmlformats.org/drawingml/2006/main" xmlns:r="http://schemas.openxmlformats.org/officeDocument/2006/relationships" xmlns:p="http://schemas.openxmlformats.org/presentationml/2006/main">
-  <p:cSld>
-    <p:spTree>
-      <p:nvGrpSpPr>
-        <p:cNvPr id="1" name=""/>
-        <p:cNvGrpSpPr/>
-        <p:nvPr/>
-      </p:nvGrpSpPr>
-      <p:grpSpPr>
-        <a:xfrm>
-          <a:off x="0" y="0"/>
-          <a:ext cx="0" cy="0"/>
-          <a:chOff x="0" y="0"/>
-          <a:chExt cx="0" cy="0"/>
-        </a:xfrm>
-      </p:grpSpPr>
-      <p:cxnSp>
-        <p:nvCxnSpPr>
-          <p:cNvPr id="5" name="Straight Arrow Connector 4">
-            <a:extLst>
-              <a:ext uri="{FF2B5EF4-FFF2-40B4-BE49-F238E27FC236}">
-                <a16:creationId xmlns:a16="http://schemas.microsoft.com/office/drawing/2014/main" id="{14C1BCF9-D974-F24A-9036-18381FE7B587}"/>
-              </a:ext>
-            </a:extLst>
-          </p:cNvPr>
-          <p:cNvCxnSpPr/>
-          <p:nvPr/>
-        </p:nvCxnSpPr>
-        <p:spPr>
-          <a:xfrm flipV="1">
-            <a:off x="4173136" y="2747567"/>
-            <a:ext cx="0" cy="3474720"/>
-          </a:xfrm>
-          <a:prstGeom prst="straightConnector1">
-            <a:avLst/>
-          </a:prstGeom>
-          <a:ln>
-            <a:tailEnd type="triangle"/>
-          </a:ln>
-        </p:spPr>
-        <p:style>
-          <a:lnRef idx="3">
-            <a:schemeClr val="dk1"/>
-          </a:lnRef>
-          <a:fillRef idx="0">
-            <a:schemeClr val="dk1"/>
-          </a:fillRef>
-          <a:effectRef idx="2">
-            <a:schemeClr val="dk1"/>
-          </a:effectRef>
-          <a:fontRef idx="minor">
-            <a:schemeClr val="tx1"/>
-          </a:fontRef>
-        </p:style>
-      </p:cxnSp>
-      <p:cxnSp>
-        <p:nvCxnSpPr>
-          <p:cNvPr id="6" name="Straight Arrow Connector 5">
-            <a:extLst>
-              <a:ext uri="{FF2B5EF4-FFF2-40B4-BE49-F238E27FC236}">
-                <a16:creationId xmlns:a16="http://schemas.microsoft.com/office/drawing/2014/main" id="{37758B7A-6393-9C4C-AF31-6AD235A42E1A}"/>
-              </a:ext>
-            </a:extLst>
-          </p:cNvPr>
-          <p:cNvCxnSpPr>
-            <a:cxnSpLocks/>
-          </p:cNvCxnSpPr>
-          <p:nvPr/>
-        </p:nvCxnSpPr>
-        <p:spPr>
-          <a:xfrm>
-            <a:off x="4173136" y="6222287"/>
-            <a:ext cx="4174274" cy="0"/>
-          </a:xfrm>
-          <a:prstGeom prst="straightConnector1">
-            <a:avLst/>
-          </a:prstGeom>
-          <a:ln>
-            <a:tailEnd type="triangle"/>
-          </a:ln>
-        </p:spPr>
-        <p:style>
-          <a:lnRef idx="3">
-            <a:schemeClr val="dk1"/>
-          </a:lnRef>
-          <a:fillRef idx="0">
-            <a:schemeClr val="dk1"/>
-          </a:fillRef>
-          <a:effectRef idx="2">
-            <a:schemeClr val="dk1"/>
-          </a:effectRef>
-          <a:fontRef idx="minor">
-            <a:schemeClr val="tx1"/>
-          </a:fontRef>
-        </p:style>
-      </p:cxnSp>
-      <p:cxnSp>
-        <p:nvCxnSpPr>
-          <p:cNvPr id="9" name="Straight Connector 8">
-            <a:extLst>
-              <a:ext uri="{FF2B5EF4-FFF2-40B4-BE49-F238E27FC236}">
-                <a16:creationId xmlns:a16="http://schemas.microsoft.com/office/drawing/2014/main" id="{D83F23B7-7093-794D-BF08-70933BB31108}"/>
-              </a:ext>
-            </a:extLst>
-          </p:cNvPr>
-          <p:cNvCxnSpPr>
-            <a:cxnSpLocks/>
-          </p:cNvCxnSpPr>
-          <p:nvPr/>
-        </p:nvCxnSpPr>
-        <p:spPr>
-          <a:xfrm flipV="1">
-            <a:off x="4322385" y="3026393"/>
-            <a:ext cx="3902721" cy="3315725"/>
-          </a:xfrm>
-          <a:prstGeom prst="line">
-            <a:avLst/>
-          </a:prstGeom>
-        </p:spPr>
-        <p:style>
-          <a:lnRef idx="3">
-            <a:schemeClr val="accent1"/>
-          </a:lnRef>
-          <a:fillRef idx="0">
-            <a:schemeClr val="accent1"/>
-          </a:fillRef>
-          <a:effectRef idx="2">
-            <a:schemeClr val="accent1"/>
-          </a:effectRef>
-          <a:fontRef idx="minor">
-            <a:schemeClr val="tx1"/>
-          </a:fontRef>
-        </p:style>
-      </p:cxnSp>
-      <p:sp>
-        <p:nvSpPr>
-          <p:cNvPr id="11" name="Oval 10">
-            <a:extLst>
-              <a:ext uri="{FF2B5EF4-FFF2-40B4-BE49-F238E27FC236}">
-                <a16:creationId xmlns:a16="http://schemas.microsoft.com/office/drawing/2014/main" id="{EA1EEF15-83FB-3D49-8865-7EAA71E3B6F7}"/>
-              </a:ext>
-            </a:extLst>
-          </p:cNvPr>
-          <p:cNvSpPr/>
-          <p:nvPr/>
-        </p:nvSpPr>
-        <p:spPr>
-          <a:xfrm>
-            <a:off x="7375005" y="3368427"/>
-            <a:ext cx="122304" cy="122304"/>
-          </a:xfrm>
-          <a:prstGeom prst="ellipse">
-            <a:avLst/>
-          </a:prstGeom>
-          <a:solidFill>
-            <a:schemeClr val="tx1"/>
-          </a:solidFill>
-          <a:ln>
-            <a:noFill/>
-          </a:ln>
-        </p:spPr>
-        <p:style>
-          <a:lnRef idx="2">
-            <a:schemeClr val="accent1">
-              <a:shade val="50000"/>
-            </a:schemeClr>
-          </a:lnRef>
-          <a:fillRef idx="1">
-            <a:schemeClr val="accent1"/>
-          </a:fillRef>
-          <a:effectRef idx="0">
-            <a:schemeClr val="accent1"/>
-          </a:effectRef>
-          <a:fontRef idx="minor">
-            <a:schemeClr val="lt1"/>
-          </a:fontRef>
-        </p:style>
-        <p:txBody>
-          <a:bodyPr rtlCol="0" anchor="ctr"/>
-          <a:lstStyle/>
-          <a:p>
-            <a:pPr algn="ctr"/>
-            <a:endParaRPr lang="en-US">
-              <a:solidFill>
-                <a:schemeClr val="tx1"/>
-              </a:solidFill>
-            </a:endParaRPr>
-          </a:p>
-        </p:txBody>
-      </p:sp>
-      <p:sp>
-        <p:nvSpPr>
-          <p:cNvPr id="12" name="Oval 11">
-            <a:extLst>
-              <a:ext uri="{FF2B5EF4-FFF2-40B4-BE49-F238E27FC236}">
-                <a16:creationId xmlns:a16="http://schemas.microsoft.com/office/drawing/2014/main" id="{C55F11FE-F439-754A-B7F8-591F8F1BBF8D}"/>
-              </a:ext>
-            </a:extLst>
-          </p:cNvPr>
-          <p:cNvSpPr/>
-          <p:nvPr/>
-        </p:nvSpPr>
-        <p:spPr>
-          <a:xfrm>
-            <a:off x="6199121" y="3977170"/>
-            <a:ext cx="122304" cy="122304"/>
-          </a:xfrm>
-          <a:prstGeom prst="ellipse">
-            <a:avLst/>
-          </a:prstGeom>
-          <a:solidFill>
-            <a:schemeClr val="tx1"/>
-          </a:solidFill>
-          <a:ln>
-            <a:noFill/>
-          </a:ln>
-        </p:spPr>
-        <p:style>
-          <a:lnRef idx="2">
-            <a:schemeClr val="accent1">
-              <a:shade val="50000"/>
-            </a:schemeClr>
-          </a:lnRef>
-          <a:fillRef idx="1">
-            <a:schemeClr val="accent1"/>
-          </a:fillRef>
-          <a:effectRef idx="0">
-            <a:schemeClr val="accent1"/>
-          </a:effectRef>
-          <a:fontRef idx="minor">
-            <a:schemeClr val="lt1"/>
-          </a:fontRef>
-        </p:style>
-        <p:txBody>
-          <a:bodyPr rtlCol="0" anchor="ctr"/>
-          <a:lstStyle/>
-          <a:p>
-            <a:pPr algn="ctr"/>
-            <a:endParaRPr lang="en-US">
-              <a:solidFill>
-                <a:schemeClr val="tx1"/>
-              </a:solidFill>
-            </a:endParaRPr>
-          </a:p>
-        </p:txBody>
-      </p:sp>
-      <p:sp>
-        <p:nvSpPr>
-          <p:cNvPr id="13" name="Oval 12">
-            <a:extLst>
-              <a:ext uri="{FF2B5EF4-FFF2-40B4-BE49-F238E27FC236}">
-                <a16:creationId xmlns:a16="http://schemas.microsoft.com/office/drawing/2014/main" id="{F070C116-D57E-8E46-B048-FB5B06D4551F}"/>
-              </a:ext>
-            </a:extLst>
-          </p:cNvPr>
-          <p:cNvSpPr/>
-          <p:nvPr/>
-        </p:nvSpPr>
-        <p:spPr>
-          <a:xfrm>
-            <a:off x="8225106" y="3503721"/>
-            <a:ext cx="122304" cy="122304"/>
-          </a:xfrm>
-          <a:prstGeom prst="ellipse">
-            <a:avLst/>
-          </a:prstGeom>
-          <a:solidFill>
-            <a:schemeClr val="tx1"/>
-          </a:solidFill>
-          <a:ln>
-            <a:noFill/>
-          </a:ln>
-        </p:spPr>
-        <p:style>
-          <a:lnRef idx="2">
-            <a:schemeClr val="accent1">
-              <a:shade val="50000"/>
-            </a:schemeClr>
-          </a:lnRef>
-          <a:fillRef idx="1">
-            <a:schemeClr val="accent1"/>
-          </a:fillRef>
-          <a:effectRef idx="0">
-            <a:schemeClr val="accent1"/>
-          </a:effectRef>
-          <a:fontRef idx="minor">
-            <a:schemeClr val="lt1"/>
-          </a:fontRef>
-        </p:style>
-        <p:txBody>
-          <a:bodyPr rtlCol="0" anchor="ctr"/>
-          <a:lstStyle/>
-          <a:p>
-            <a:pPr algn="ctr"/>
-            <a:endParaRPr lang="en-US">
-              <a:solidFill>
-                <a:schemeClr val="tx1"/>
-              </a:solidFill>
-            </a:endParaRPr>
-          </a:p>
-        </p:txBody>
-      </p:sp>
-      <p:sp>
-        <p:nvSpPr>
-          <p:cNvPr id="15" name="Oval 14">
-            <a:extLst>
-              <a:ext uri="{FF2B5EF4-FFF2-40B4-BE49-F238E27FC236}">
-                <a16:creationId xmlns:a16="http://schemas.microsoft.com/office/drawing/2014/main" id="{CCA56893-FA05-0E44-A526-2BB98AF6DDAC}"/>
-              </a:ext>
-            </a:extLst>
-          </p:cNvPr>
-          <p:cNvSpPr/>
-          <p:nvPr/>
-        </p:nvSpPr>
-        <p:spPr>
-          <a:xfrm>
-            <a:off x="6137969" y="5093505"/>
-            <a:ext cx="122304" cy="122304"/>
-          </a:xfrm>
-          <a:prstGeom prst="ellipse">
-            <a:avLst/>
-          </a:prstGeom>
-          <a:solidFill>
-            <a:schemeClr val="tx1"/>
-          </a:solidFill>
-          <a:ln>
-            <a:noFill/>
-          </a:ln>
-        </p:spPr>
-        <p:style>
-          <a:lnRef idx="2">
-            <a:schemeClr val="accent1">
-              <a:shade val="50000"/>
-            </a:schemeClr>
-          </a:lnRef>
-          <a:fillRef idx="1">
-            <a:schemeClr val="accent1"/>
-          </a:fillRef>
-          <a:effectRef idx="0">
-            <a:schemeClr val="accent1"/>
-          </a:effectRef>
-          <a:fontRef idx="minor">
-            <a:schemeClr val="lt1"/>
-          </a:fontRef>
-        </p:style>
-        <p:txBody>
-          <a:bodyPr rtlCol="0" anchor="ctr"/>
-          <a:lstStyle/>
-          <a:p>
-            <a:pPr algn="ctr"/>
-            <a:endParaRPr lang="en-US">
-              <a:solidFill>
-                <a:schemeClr val="tx1"/>
-              </a:solidFill>
-            </a:endParaRPr>
-          </a:p>
-        </p:txBody>
-      </p:sp>
-      <p:sp>
-        <p:nvSpPr>
-          <p:cNvPr id="17" name="Oval 16">
-            <a:extLst>
-              <a:ext uri="{FF2B5EF4-FFF2-40B4-BE49-F238E27FC236}">
-                <a16:creationId xmlns:a16="http://schemas.microsoft.com/office/drawing/2014/main" id="{C58F75B6-341D-6E40-B860-4A13EED4781C}"/>
-              </a:ext>
-            </a:extLst>
-          </p:cNvPr>
-          <p:cNvSpPr/>
-          <p:nvPr/>
-        </p:nvSpPr>
-        <p:spPr>
-          <a:xfrm>
-            <a:off x="5056848" y="4990520"/>
-            <a:ext cx="122304" cy="122304"/>
-          </a:xfrm>
-          <a:prstGeom prst="ellipse">
-            <a:avLst/>
-          </a:prstGeom>
-          <a:solidFill>
-            <a:schemeClr val="tx1"/>
-          </a:solidFill>
-          <a:ln>
-            <a:noFill/>
-          </a:ln>
-        </p:spPr>
-        <p:style>
-          <a:lnRef idx="2">
-            <a:schemeClr val="accent1">
-              <a:shade val="50000"/>
-            </a:schemeClr>
-          </a:lnRef>
-          <a:fillRef idx="1">
-            <a:schemeClr val="accent1"/>
-          </a:fillRef>
-          <a:effectRef idx="0">
-            <a:schemeClr val="accent1"/>
-          </a:effectRef>
-          <a:fontRef idx="minor">
-            <a:schemeClr val="lt1"/>
-          </a:fontRef>
-        </p:style>
-        <p:txBody>
-          <a:bodyPr rtlCol="0" anchor="ctr"/>
-          <a:lstStyle/>
-          <a:p>
-            <a:pPr algn="ctr"/>
-            <a:endParaRPr lang="en-US">
-              <a:solidFill>
-                <a:schemeClr val="tx1"/>
-              </a:solidFill>
-            </a:endParaRPr>
-          </a:p>
-        </p:txBody>
-      </p:sp>
-      <p:sp>
-        <p:nvSpPr>
-          <p:cNvPr id="19" name="Oval 18">
-            <a:extLst>
-              <a:ext uri="{FF2B5EF4-FFF2-40B4-BE49-F238E27FC236}">
-                <a16:creationId xmlns:a16="http://schemas.microsoft.com/office/drawing/2014/main" id="{62100974-AB9E-6546-A020-47E6973738A0}"/>
-              </a:ext>
-            </a:extLst>
-          </p:cNvPr>
-          <p:cNvSpPr/>
-          <p:nvPr/>
-        </p:nvSpPr>
-        <p:spPr>
-          <a:xfrm>
-            <a:off x="7048061" y="5278562"/>
-            <a:ext cx="122304" cy="122304"/>
-          </a:xfrm>
-          <a:prstGeom prst="ellipse">
-            <a:avLst/>
-          </a:prstGeom>
-          <a:solidFill>
-            <a:schemeClr val="tx1"/>
-          </a:solidFill>
-          <a:ln>
-            <a:noFill/>
-          </a:ln>
-        </p:spPr>
-        <p:style>
-          <a:lnRef idx="2">
-            <a:schemeClr val="accent1">
-              <a:shade val="50000"/>
-            </a:schemeClr>
-          </a:lnRef>
-          <a:fillRef idx="1">
-            <a:schemeClr val="accent1"/>
-          </a:fillRef>
-          <a:effectRef idx="0">
-            <a:schemeClr val="accent1"/>
-          </a:effectRef>
-          <a:fontRef idx="minor">
-            <a:schemeClr val="lt1"/>
-          </a:fontRef>
-        </p:style>
-        <p:txBody>
-          <a:bodyPr rtlCol="0" anchor="ctr"/>
-          <a:lstStyle/>
-          <a:p>
-            <a:pPr algn="ctr"/>
-            <a:endParaRPr lang="en-US">
-              <a:solidFill>
-                <a:schemeClr val="tx1"/>
-              </a:solidFill>
-            </a:endParaRPr>
-          </a:p>
-        </p:txBody>
-      </p:sp>
-      <p:sp>
-        <p:nvSpPr>
-          <p:cNvPr id="20" name="Oval 19">
-            <a:extLst>
-              <a:ext uri="{FF2B5EF4-FFF2-40B4-BE49-F238E27FC236}">
-                <a16:creationId xmlns:a16="http://schemas.microsoft.com/office/drawing/2014/main" id="{47AE051D-5677-EC4D-A11E-908731BC3089}"/>
-              </a:ext>
-            </a:extLst>
-          </p:cNvPr>
-          <p:cNvSpPr/>
-          <p:nvPr/>
-        </p:nvSpPr>
-        <p:spPr>
-          <a:xfrm>
-            <a:off x="7212113" y="4099474"/>
-            <a:ext cx="122304" cy="122304"/>
-          </a:xfrm>
-          <a:prstGeom prst="ellipse">
-            <a:avLst/>
-          </a:prstGeom>
-          <a:solidFill>
-            <a:schemeClr val="tx1"/>
-          </a:solidFill>
-          <a:ln>
-            <a:noFill/>
-          </a:ln>
-        </p:spPr>
-        <p:style>
-          <a:lnRef idx="2">
-            <a:schemeClr val="accent1">
-              <a:shade val="50000"/>
-            </a:schemeClr>
-          </a:lnRef>
-          <a:fillRef idx="1">
-            <a:schemeClr val="accent1"/>
-          </a:fillRef>
-          <a:effectRef idx="0">
-            <a:schemeClr val="accent1"/>
-          </a:effectRef>
-          <a:fontRef idx="minor">
-            <a:schemeClr val="lt1"/>
-          </a:fontRef>
-        </p:style>
-        <p:txBody>
-          <a:bodyPr rtlCol="0" anchor="ctr"/>
-          <a:lstStyle/>
-          <a:p>
-            <a:pPr algn="ctr"/>
-            <a:endParaRPr lang="en-US">
-              <a:solidFill>
-                <a:schemeClr val="tx1"/>
-              </a:solidFill>
-            </a:endParaRPr>
-          </a:p>
-        </p:txBody>
-      </p:sp>
-      <p:cxnSp>
-        <p:nvCxnSpPr>
-          <p:cNvPr id="23" name="Straight Connector 22">
-            <a:extLst>
-              <a:ext uri="{FF2B5EF4-FFF2-40B4-BE49-F238E27FC236}">
-                <a16:creationId xmlns:a16="http://schemas.microsoft.com/office/drawing/2014/main" id="{1514F38D-96BF-7345-AEBB-831622B18B30}"/>
-              </a:ext>
-            </a:extLst>
-          </p:cNvPr>
-          <p:cNvCxnSpPr>
-            <a:cxnSpLocks/>
-            <a:endCxn id="19" idx="4"/>
-          </p:cNvCxnSpPr>
-          <p:nvPr/>
-        </p:nvCxnSpPr>
-        <p:spPr>
-          <a:xfrm>
-            <a:off x="7087889" y="3989962"/>
-            <a:ext cx="21324" cy="1410904"/>
-          </a:xfrm>
-          <a:prstGeom prst="line">
-            <a:avLst/>
-          </a:prstGeom>
-          <a:ln w="9525" cap="flat" cmpd="sng" algn="ctr">
-            <a:solidFill>
-              <a:srgbClr val="C00000"/>
-            </a:solidFill>
-            <a:prstDash val="dash"/>
-            <a:round/>
-            <a:headEnd type="none" w="med" len="med"/>
-            <a:tailEnd type="none" w="med" len="med"/>
-          </a:ln>
-        </p:spPr>
-        <p:style>
-          <a:lnRef idx="0">
-            <a:scrgbClr r="0" g="0" b="0"/>
-          </a:lnRef>
-          <a:fillRef idx="0">
-            <a:scrgbClr r="0" g="0" b="0"/>
-          </a:fillRef>
-          <a:effectRef idx="0">
-            <a:scrgbClr r="0" g="0" b="0"/>
-          </a:effectRef>
-          <a:fontRef idx="minor">
-            <a:schemeClr val="tx1"/>
-          </a:fontRef>
-        </p:style>
-      </p:cxnSp>
-      <p:cxnSp>
-        <p:nvCxnSpPr>
-          <p:cNvPr id="28" name="Straight Connector 27">
-            <a:extLst>
-              <a:ext uri="{FF2B5EF4-FFF2-40B4-BE49-F238E27FC236}">
-                <a16:creationId xmlns:a16="http://schemas.microsoft.com/office/drawing/2014/main" id="{C3EBD461-089B-254B-860B-E6F80875FE18}"/>
-              </a:ext>
-            </a:extLst>
-          </p:cNvPr>
-          <p:cNvCxnSpPr>
-            <a:cxnSpLocks/>
-          </p:cNvCxnSpPr>
-          <p:nvPr/>
-        </p:nvCxnSpPr>
-        <p:spPr>
-          <a:xfrm>
-            <a:off x="6263083" y="3989962"/>
-            <a:ext cx="10662" cy="705452"/>
-          </a:xfrm>
-          <a:prstGeom prst="line">
-            <a:avLst/>
-          </a:prstGeom>
-          <a:ln w="9525" cap="flat" cmpd="sng" algn="ctr">
-            <a:solidFill>
-              <a:srgbClr val="C00000"/>
-            </a:solidFill>
-            <a:prstDash val="dash"/>
-            <a:round/>
-            <a:headEnd type="none" w="med" len="med"/>
-            <a:tailEnd type="none" w="med" len="med"/>
-          </a:ln>
-        </p:spPr>
-        <p:style>
-          <a:lnRef idx="0">
-            <a:scrgbClr r="0" g="0" b="0"/>
-          </a:lnRef>
-          <a:fillRef idx="0">
-            <a:scrgbClr r="0" g="0" b="0"/>
-          </a:fillRef>
-          <a:effectRef idx="0">
-            <a:scrgbClr r="0" g="0" b="0"/>
-          </a:effectRef>
-          <a:fontRef idx="minor">
-            <a:schemeClr val="tx1"/>
-          </a:fontRef>
-        </p:style>
-      </p:cxnSp>
-      <p:sp>
-        <p:nvSpPr>
-          <p:cNvPr id="30" name="Rectangle 29">
-            <a:extLst>
-              <a:ext uri="{FF2B5EF4-FFF2-40B4-BE49-F238E27FC236}">
-                <a16:creationId xmlns:a16="http://schemas.microsoft.com/office/drawing/2014/main" id="{539CB11B-3E8E-B246-BE84-15D958007FAA}"/>
-              </a:ext>
-            </a:extLst>
-          </p:cNvPr>
-          <p:cNvSpPr/>
-          <p:nvPr/>
-        </p:nvSpPr>
-        <p:spPr>
-          <a:xfrm>
-            <a:off x="7149041" y="4608128"/>
-            <a:ext cx="705642" cy="369332"/>
-          </a:xfrm>
-          <a:prstGeom prst="rect">
-            <a:avLst/>
-          </a:prstGeom>
-        </p:spPr>
-        <p:txBody>
-          <a:bodyPr wrap="none">
-            <a:spAutoFit/>
-          </a:bodyPr>
-          <a:lstStyle/>
-          <a:p>
-            <a:r>
-              <a:rPr lang="en-US" b="1" dirty="0">
-                <a:solidFill>
-                  <a:srgbClr val="C00000"/>
-                </a:solidFill>
-                <a:latin typeface="Avenir Roman" panose="02000503020000020003" pitchFamily="2" charset="0"/>
-              </a:rPr>
-              <a:t>MAE</a:t>
-            </a:r>
-          </a:p>
-        </p:txBody>
-      </p:sp>
-      <mc:AlternateContent xmlns:mc="http://schemas.openxmlformats.org/markup-compatibility/2006" xmlns:a14="http://schemas.microsoft.com/office/drawing/2010/main">
-        <mc:Choice Requires="a14">
-          <p:sp>
-            <p:nvSpPr>
-              <p:cNvPr id="32" name="TextBox 31">
-                <a:extLst>
-                  <a:ext uri="{FF2B5EF4-FFF2-40B4-BE49-F238E27FC236}">
-                    <a16:creationId xmlns:a16="http://schemas.microsoft.com/office/drawing/2014/main" id="{6D87767D-EC41-D64E-BF08-10B9EB05E875}"/>
-                  </a:ext>
-                </a:extLst>
-              </p:cNvPr>
-              <p:cNvSpPr txBox="1"/>
-              <p:nvPr/>
-            </p:nvSpPr>
-            <p:spPr>
-              <a:xfrm>
-                <a:off x="4790415" y="2040509"/>
-                <a:ext cx="2939716" cy="894219"/>
-              </a:xfrm>
-              <a:prstGeom prst="rect">
-                <a:avLst/>
-              </a:prstGeom>
-              <a:noFill/>
-            </p:spPr>
-            <p:txBody>
-              <a:bodyPr wrap="none" lIns="0" tIns="0" rIns="0" bIns="0" rtlCol="0">
-                <a:spAutoFit/>
-              </a:bodyPr>
-              <a:lstStyle/>
-              <a:p>
-                <a:pPr/>
-                <a14:m>
-                  <m:oMathPara xmlns:m="http://schemas.openxmlformats.org/officeDocument/2006/math">
-                    <m:oMathParaPr>
-                      <m:jc m:val="centerGroup"/>
-                    </m:oMathParaPr>
-                    <m:oMath xmlns:m="http://schemas.openxmlformats.org/officeDocument/2006/math">
-                      <m:r>
-                        <a:rPr lang="en-US" sz="2400" b="0" i="1" smtClean="0">
-                          <a:latin typeface="Cambria Math" panose="02040503050406030204" pitchFamily="18" charset="0"/>
-                        </a:rPr>
-                        <m:t>𝑀𝐴𝐸</m:t>
-                      </m:r>
-                      <m:r>
-                        <a:rPr lang="en-US" sz="2400" b="0" i="1" smtClean="0">
-                          <a:latin typeface="Cambria Math" panose="02040503050406030204" pitchFamily="18" charset="0"/>
-                        </a:rPr>
-                        <m:t>= </m:t>
-                      </m:r>
-                      <m:f>
-                        <m:fPr>
-                          <m:ctrlPr>
-                            <a:rPr lang="en-US" sz="2400" b="0" i="1" smtClean="0">
-                              <a:latin typeface="Cambria Math" panose="02040503050406030204" pitchFamily="18" charset="0"/>
-                            </a:rPr>
-                          </m:ctrlPr>
-                        </m:fPr>
-                        <m:num>
-                          <m:r>
-                            <a:rPr lang="en-US" sz="2400" b="0" i="1" smtClean="0">
-                              <a:latin typeface="Cambria Math" panose="02040503050406030204" pitchFamily="18" charset="0"/>
-                            </a:rPr>
-                            <m:t>1</m:t>
-                          </m:r>
-                        </m:num>
-                        <m:den>
-                          <m:r>
-                            <a:rPr lang="en-US" sz="2400" b="0" i="1" smtClean="0">
-                              <a:latin typeface="Cambria Math" panose="02040503050406030204" pitchFamily="18" charset="0"/>
-                            </a:rPr>
-                            <m:t>𝑛</m:t>
-                          </m:r>
-                        </m:den>
-                      </m:f>
-                      <m:nary>
-                        <m:naryPr>
-                          <m:chr m:val="∑"/>
-                          <m:subHide m:val="on"/>
-                          <m:supHide m:val="on"/>
-                          <m:ctrlPr>
-                            <a:rPr lang="en-US" sz="2400" b="0" i="1" smtClean="0">
-                              <a:latin typeface="Cambria Math" panose="02040503050406030204" pitchFamily="18" charset="0"/>
-                            </a:rPr>
-                          </m:ctrlPr>
-                        </m:naryPr>
-                        <m:sub/>
-                        <m:sup/>
-                        <m:e>
-                          <m:r>
-                            <a:rPr lang="en-US" sz="2400" b="0" i="1" smtClean="0">
-                              <a:latin typeface="Cambria Math" panose="02040503050406030204" pitchFamily="18" charset="0"/>
-                            </a:rPr>
-                            <m:t>|</m:t>
-                          </m:r>
-                          <m:r>
-                            <a:rPr lang="en-US" sz="2400" b="0" i="1" smtClean="0">
-                              <a:latin typeface="Cambria Math" panose="02040503050406030204" pitchFamily="18" charset="0"/>
-                            </a:rPr>
-                            <m:t>𝑦</m:t>
-                          </m:r>
-                          <m:r>
-                            <a:rPr lang="en-US" sz="2400" b="0" i="1" smtClean="0">
-                              <a:latin typeface="Cambria Math" panose="02040503050406030204" pitchFamily="18" charset="0"/>
-                            </a:rPr>
-                            <m:t> − </m:t>
-                          </m:r>
-                          <m:acc>
-                            <m:accPr>
-                              <m:chr m:val="̂"/>
-                              <m:ctrlPr>
-                                <a:rPr lang="en-US" sz="2400" b="0" i="1" smtClean="0">
-                                  <a:latin typeface="Cambria Math" panose="02040503050406030204" pitchFamily="18" charset="0"/>
-                                </a:rPr>
-                              </m:ctrlPr>
-                            </m:accPr>
-                            <m:e>
-                              <m:r>
-                                <a:rPr lang="en-US" sz="2400" b="0" i="1" smtClean="0">
-                                  <a:latin typeface="Cambria Math" panose="02040503050406030204" pitchFamily="18" charset="0"/>
-                                </a:rPr>
-                                <m:t>𝑦</m:t>
-                              </m:r>
-                            </m:e>
-                          </m:acc>
-                          <m:r>
-                            <a:rPr lang="en-US" sz="2400" b="0" i="1" smtClean="0">
-                              <a:latin typeface="Cambria Math" panose="02040503050406030204" pitchFamily="18" charset="0"/>
-                            </a:rPr>
-                            <m:t>|</m:t>
-                          </m:r>
-                        </m:e>
-                      </m:nary>
-                    </m:oMath>
-                  </m:oMathPara>
-                </a14:m>
-                <a:endParaRPr lang="en-US" sz="2400" dirty="0"/>
-              </a:p>
-            </p:txBody>
-          </p:sp>
-        </mc:Choice>
-        <mc:Fallback xmlns="">
-          <p:sp>
-            <p:nvSpPr>
-              <p:cNvPr id="32" name="TextBox 31">
-                <a:extLst>
-                  <a:ext uri="{FF2B5EF4-FFF2-40B4-BE49-F238E27FC236}">
-                    <a16:creationId xmlns:a16="http://schemas.microsoft.com/office/drawing/2014/main" id="{6D87767D-EC41-D64E-BF08-10B9EB05E875}"/>
-                  </a:ext>
-                </a:extLst>
-              </p:cNvPr>
-              <p:cNvSpPr txBox="1">
-                <a:spLocks noRot="1" noChangeAspect="1" noMove="1" noResize="1" noEditPoints="1" noAdjustHandles="1" noChangeArrowheads="1" noChangeShapeType="1" noTextEdit="1"/>
-              </p:cNvSpPr>
-              <p:nvPr/>
-            </p:nvSpPr>
-            <p:spPr>
-              <a:xfrm>
-                <a:off x="4790415" y="2040509"/>
-                <a:ext cx="2939716" cy="894219"/>
-              </a:xfrm>
-              <a:prstGeom prst="rect">
-                <a:avLst/>
-              </a:prstGeom>
-              <a:blipFill>
-                <a:blip r:embed="rId3"/>
-                <a:stretch>
-                  <a:fillRect l="-1717" t="-149296" r="-2575" b="-204225"/>
-                </a:stretch>
-              </a:blipFill>
-            </p:spPr>
-            <p:txBody>
-              <a:bodyPr/>
-              <a:lstStyle/>
-              <a:p>
-                <a:r>
-                  <a:rPr lang="en-US">
-                    <a:noFill/>
-                  </a:rPr>
-                  <a:t> </a:t>
-                </a:r>
-              </a:p>
-            </p:txBody>
-          </p:sp>
-        </mc:Fallback>
-      </mc:AlternateContent>
-      <p:sp>
-        <p:nvSpPr>
-          <p:cNvPr id="33" name="Rectangle 32">
-            <a:extLst>
-              <a:ext uri="{FF2B5EF4-FFF2-40B4-BE49-F238E27FC236}">
-                <a16:creationId xmlns:a16="http://schemas.microsoft.com/office/drawing/2014/main" id="{345EEB74-5266-FA4F-BE2B-96CA4566DB1E}"/>
-              </a:ext>
-            </a:extLst>
-          </p:cNvPr>
-          <p:cNvSpPr/>
-          <p:nvPr/>
-        </p:nvSpPr>
-        <p:spPr>
-          <a:xfrm>
-            <a:off x="6710632" y="2276564"/>
-            <a:ext cx="223025" cy="383602"/>
-          </a:xfrm>
-          <a:prstGeom prst="rect">
-            <a:avLst/>
-          </a:prstGeom>
-          <a:noFill/>
-          <a:ln>
-            <a:solidFill>
-              <a:srgbClr val="C00000"/>
-            </a:solidFill>
-          </a:ln>
-        </p:spPr>
-        <p:style>
-          <a:lnRef idx="2">
-            <a:schemeClr val="dk1"/>
-          </a:lnRef>
-          <a:fillRef idx="1">
-            <a:schemeClr val="lt1"/>
-          </a:fillRef>
-          <a:effectRef idx="0">
-            <a:schemeClr val="dk1"/>
-          </a:effectRef>
-          <a:fontRef idx="minor">
-            <a:schemeClr val="dk1"/>
-          </a:fontRef>
-        </p:style>
-        <p:txBody>
-          <a:bodyPr rtlCol="0" anchor="ctr"/>
-          <a:lstStyle/>
-          <a:p>
-            <a:pPr algn="ctr"/>
-            <a:endParaRPr lang="en-US"/>
-          </a:p>
-        </p:txBody>
-      </p:sp>
-      <p:sp>
-        <p:nvSpPr>
-          <p:cNvPr id="34" name="Rectangle 33">
-            <a:extLst>
-              <a:ext uri="{FF2B5EF4-FFF2-40B4-BE49-F238E27FC236}">
-                <a16:creationId xmlns:a16="http://schemas.microsoft.com/office/drawing/2014/main" id="{F2D73EAE-56CF-7942-B3E2-8B95FD8E5ACD}"/>
-              </a:ext>
-            </a:extLst>
-          </p:cNvPr>
-          <p:cNvSpPr/>
-          <p:nvPr/>
-        </p:nvSpPr>
-        <p:spPr>
-          <a:xfrm>
-            <a:off x="7373120" y="2276564"/>
-            <a:ext cx="223025" cy="383602"/>
-          </a:xfrm>
-          <a:prstGeom prst="rect">
-            <a:avLst/>
-          </a:prstGeom>
-          <a:noFill/>
-          <a:ln>
-            <a:solidFill>
-              <a:srgbClr val="C00000"/>
-            </a:solidFill>
-          </a:ln>
-        </p:spPr>
-        <p:style>
-          <a:lnRef idx="2">
-            <a:schemeClr val="dk1"/>
-          </a:lnRef>
-          <a:fillRef idx="1">
-            <a:schemeClr val="lt1"/>
-          </a:fillRef>
-          <a:effectRef idx="0">
-            <a:schemeClr val="dk1"/>
-          </a:effectRef>
-          <a:fontRef idx="minor">
-            <a:schemeClr val="dk1"/>
-          </a:fontRef>
-        </p:style>
-        <p:txBody>
-          <a:bodyPr rtlCol="0" anchor="ctr"/>
-          <a:lstStyle/>
-          <a:p>
-            <a:pPr algn="ctr"/>
-            <a:endParaRPr lang="en-US"/>
-          </a:p>
-        </p:txBody>
-      </p:sp>
-      <p:cxnSp>
-        <p:nvCxnSpPr>
-          <p:cNvPr id="35" name="Straight Connector 34">
-            <a:extLst>
-              <a:ext uri="{FF2B5EF4-FFF2-40B4-BE49-F238E27FC236}">
-                <a16:creationId xmlns:a16="http://schemas.microsoft.com/office/drawing/2014/main" id="{4671380A-1663-2748-9253-7158D7A473CB}"/>
-              </a:ext>
-            </a:extLst>
-          </p:cNvPr>
-          <p:cNvCxnSpPr>
-            <a:cxnSpLocks/>
-          </p:cNvCxnSpPr>
-          <p:nvPr/>
-        </p:nvCxnSpPr>
-        <p:spPr>
-          <a:xfrm>
-            <a:off x="7484632" y="1897423"/>
-            <a:ext cx="0" cy="365534"/>
-          </a:xfrm>
-          <a:prstGeom prst="line">
-            <a:avLst/>
-          </a:prstGeom>
-          <a:ln w="9525" cap="flat" cmpd="sng" algn="ctr">
-            <a:solidFill>
-              <a:srgbClr val="C00000"/>
-            </a:solidFill>
-            <a:prstDash val="dash"/>
-            <a:round/>
-            <a:headEnd type="none" w="med" len="med"/>
-            <a:tailEnd type="none" w="med" len="med"/>
-          </a:ln>
-        </p:spPr>
-        <p:style>
-          <a:lnRef idx="0">
-            <a:scrgbClr r="0" g="0" b="0"/>
-          </a:lnRef>
-          <a:fillRef idx="0">
-            <a:scrgbClr r="0" g="0" b="0"/>
-          </a:fillRef>
-          <a:effectRef idx="0">
-            <a:scrgbClr r="0" g="0" b="0"/>
-          </a:effectRef>
-          <a:fontRef idx="minor">
-            <a:schemeClr val="tx1"/>
-          </a:fontRef>
-        </p:style>
-      </p:cxnSp>
-      <p:sp>
-        <p:nvSpPr>
-          <p:cNvPr id="38" name="Rectangle 37">
-            <a:extLst>
-              <a:ext uri="{FF2B5EF4-FFF2-40B4-BE49-F238E27FC236}">
-                <a16:creationId xmlns:a16="http://schemas.microsoft.com/office/drawing/2014/main" id="{1F85D955-9496-CD42-99AC-ACEAB3E2690D}"/>
-              </a:ext>
-            </a:extLst>
-          </p:cNvPr>
-          <p:cNvSpPr/>
-          <p:nvPr/>
-        </p:nvSpPr>
-        <p:spPr>
-          <a:xfrm>
-            <a:off x="7081691" y="1425624"/>
-            <a:ext cx="959109" cy="523220"/>
-          </a:xfrm>
-          <a:prstGeom prst="rect">
-            <a:avLst/>
-          </a:prstGeom>
-        </p:spPr>
-        <p:txBody>
-          <a:bodyPr wrap="none">
-            <a:spAutoFit/>
-          </a:bodyPr>
-          <a:lstStyle/>
-          <a:p>
-            <a:pPr algn="ctr"/>
-            <a:r>
-              <a:rPr lang="en-US" sz="1400" dirty="0">
-                <a:solidFill>
-                  <a:srgbClr val="C00000"/>
-                </a:solidFill>
-                <a:latin typeface="Avenir Roman" panose="02000503020000020003" pitchFamily="2" charset="0"/>
-              </a:rPr>
-              <a:t>Predicted</a:t>
-            </a:r>
-          </a:p>
-          <a:p>
-            <a:pPr algn="ctr"/>
-            <a:r>
-              <a:rPr lang="en-US" sz="1400" dirty="0">
-                <a:solidFill>
-                  <a:srgbClr val="C00000"/>
-                </a:solidFill>
-                <a:latin typeface="Avenir Roman" panose="02000503020000020003" pitchFamily="2" charset="0"/>
-              </a:rPr>
-              <a:t>value</a:t>
-            </a:r>
-          </a:p>
-        </p:txBody>
-      </p:sp>
-      <p:cxnSp>
-        <p:nvCxnSpPr>
-          <p:cNvPr id="39" name="Straight Connector 38">
-            <a:extLst>
-              <a:ext uri="{FF2B5EF4-FFF2-40B4-BE49-F238E27FC236}">
-                <a16:creationId xmlns:a16="http://schemas.microsoft.com/office/drawing/2014/main" id="{A971AC2F-35C1-BD4F-8A07-3D55A3E30B70}"/>
-              </a:ext>
-            </a:extLst>
-          </p:cNvPr>
-          <p:cNvCxnSpPr>
-            <a:cxnSpLocks/>
-          </p:cNvCxnSpPr>
-          <p:nvPr/>
-        </p:nvCxnSpPr>
-        <p:spPr>
-          <a:xfrm>
-            <a:off x="6822144" y="2660166"/>
-            <a:ext cx="0" cy="365534"/>
-          </a:xfrm>
-          <a:prstGeom prst="line">
-            <a:avLst/>
-          </a:prstGeom>
-          <a:ln w="9525" cap="flat" cmpd="sng" algn="ctr">
-            <a:solidFill>
-              <a:srgbClr val="C00000"/>
-            </a:solidFill>
-            <a:prstDash val="dash"/>
-            <a:round/>
-            <a:headEnd type="none" w="med" len="med"/>
-            <a:tailEnd type="none" w="med" len="med"/>
-          </a:ln>
-        </p:spPr>
-        <p:style>
-          <a:lnRef idx="0">
-            <a:scrgbClr r="0" g="0" b="0"/>
-          </a:lnRef>
-          <a:fillRef idx="0">
-            <a:scrgbClr r="0" g="0" b="0"/>
-          </a:fillRef>
-          <a:effectRef idx="0">
-            <a:scrgbClr r="0" g="0" b="0"/>
-          </a:effectRef>
-          <a:fontRef idx="minor">
-            <a:schemeClr val="tx1"/>
-          </a:fontRef>
-        </p:style>
-      </p:cxnSp>
-      <p:sp>
-        <p:nvSpPr>
-          <p:cNvPr id="40" name="Rectangle 39">
-            <a:extLst>
-              <a:ext uri="{FF2B5EF4-FFF2-40B4-BE49-F238E27FC236}">
-                <a16:creationId xmlns:a16="http://schemas.microsoft.com/office/drawing/2014/main" id="{A2C9CFE0-5FD7-7343-86EF-AF4B20202398}"/>
-              </a:ext>
-            </a:extLst>
-          </p:cNvPr>
-          <p:cNvSpPr/>
-          <p:nvPr/>
-        </p:nvSpPr>
-        <p:spPr>
-          <a:xfrm>
-            <a:off x="6371748" y="2964916"/>
-            <a:ext cx="798617" cy="523220"/>
-          </a:xfrm>
-          <a:prstGeom prst="rect">
-            <a:avLst/>
-          </a:prstGeom>
-        </p:spPr>
-        <p:txBody>
-          <a:bodyPr wrap="none">
-            <a:spAutoFit/>
-          </a:bodyPr>
-          <a:lstStyle/>
-          <a:p>
-            <a:pPr algn="ctr"/>
-            <a:r>
-              <a:rPr lang="en-US" sz="1400" dirty="0">
-                <a:solidFill>
-                  <a:srgbClr val="C00000"/>
-                </a:solidFill>
-                <a:latin typeface="Avenir Roman" panose="02000503020000020003" pitchFamily="2" charset="0"/>
-              </a:rPr>
-              <a:t>Ground</a:t>
-            </a:r>
-          </a:p>
-          <a:p>
-            <a:pPr algn="ctr"/>
-            <a:r>
-              <a:rPr lang="en-US" sz="1400" dirty="0">
-                <a:solidFill>
-                  <a:srgbClr val="C00000"/>
-                </a:solidFill>
-                <a:latin typeface="Avenir Roman" panose="02000503020000020003" pitchFamily="2" charset="0"/>
-              </a:rPr>
-              <a:t>truth</a:t>
-            </a:r>
-          </a:p>
-        </p:txBody>
-      </p:sp>
-      <p:cxnSp>
-        <p:nvCxnSpPr>
-          <p:cNvPr id="41" name="Straight Connector 40">
-            <a:extLst>
-              <a:ext uri="{FF2B5EF4-FFF2-40B4-BE49-F238E27FC236}">
-                <a16:creationId xmlns:a16="http://schemas.microsoft.com/office/drawing/2014/main" id="{D7233F0F-6803-3343-ACE0-2260ADD0C4B0}"/>
-              </a:ext>
-            </a:extLst>
-          </p:cNvPr>
-          <p:cNvCxnSpPr>
-            <a:cxnSpLocks/>
-          </p:cNvCxnSpPr>
-          <p:nvPr/>
-        </p:nvCxnSpPr>
-        <p:spPr>
-          <a:xfrm>
-            <a:off x="6381412" y="1766077"/>
-            <a:ext cx="0" cy="365534"/>
-          </a:xfrm>
-          <a:prstGeom prst="line">
-            <a:avLst/>
-          </a:prstGeom>
-          <a:ln w="9525" cap="flat" cmpd="sng" algn="ctr">
-            <a:solidFill>
-              <a:srgbClr val="C00000"/>
-            </a:solidFill>
-            <a:prstDash val="dash"/>
-            <a:round/>
-            <a:headEnd type="none" w="med" len="med"/>
-            <a:tailEnd type="none" w="med" len="med"/>
-          </a:ln>
-        </p:spPr>
-        <p:style>
-          <a:lnRef idx="0">
-            <a:scrgbClr r="0" g="0" b="0"/>
-          </a:lnRef>
-          <a:fillRef idx="0">
-            <a:scrgbClr r="0" g="0" b="0"/>
-          </a:fillRef>
-          <a:effectRef idx="0">
-            <a:scrgbClr r="0" g="0" b="0"/>
-          </a:effectRef>
-          <a:fontRef idx="minor">
-            <a:schemeClr val="tx1"/>
-          </a:fontRef>
-        </p:style>
-      </p:cxnSp>
-      <p:sp>
-        <p:nvSpPr>
-          <p:cNvPr id="42" name="Rectangle 41">
-            <a:extLst>
-              <a:ext uri="{FF2B5EF4-FFF2-40B4-BE49-F238E27FC236}">
-                <a16:creationId xmlns:a16="http://schemas.microsoft.com/office/drawing/2014/main" id="{55379C56-553D-1340-A872-17B8779A9D3E}"/>
-              </a:ext>
-            </a:extLst>
-          </p:cNvPr>
-          <p:cNvSpPr/>
-          <p:nvPr/>
-        </p:nvSpPr>
-        <p:spPr>
-          <a:xfrm>
-            <a:off x="6006950" y="1512897"/>
-            <a:ext cx="748924" cy="307777"/>
-          </a:xfrm>
-          <a:prstGeom prst="rect">
-            <a:avLst/>
-          </a:prstGeom>
-        </p:spPr>
-        <p:txBody>
-          <a:bodyPr wrap="none">
-            <a:spAutoFit/>
-          </a:bodyPr>
-          <a:lstStyle/>
-          <a:p>
-            <a:pPr algn="ctr"/>
-            <a:r>
-              <a:rPr lang="en-US" sz="1400" dirty="0">
-                <a:solidFill>
-                  <a:srgbClr val="C00000"/>
-                </a:solidFill>
-                <a:latin typeface="Avenir Roman" panose="02000503020000020003" pitchFamily="2" charset="0"/>
-              </a:rPr>
-              <a:t>Sum of</a:t>
-            </a:r>
-          </a:p>
-        </p:txBody>
-      </p:sp>
-      <p:sp>
-        <p:nvSpPr>
-          <p:cNvPr id="43" name="Rectangle 42">
-            <a:extLst>
-              <a:ext uri="{FF2B5EF4-FFF2-40B4-BE49-F238E27FC236}">
-                <a16:creationId xmlns:a16="http://schemas.microsoft.com/office/drawing/2014/main" id="{4B5F45AB-66B3-C349-A6E9-E2FAB20F5E98}"/>
-              </a:ext>
-            </a:extLst>
-          </p:cNvPr>
-          <p:cNvSpPr/>
-          <p:nvPr/>
-        </p:nvSpPr>
-        <p:spPr>
-          <a:xfrm>
-            <a:off x="5914499" y="2040219"/>
-            <a:ext cx="239966" cy="774485"/>
-          </a:xfrm>
-          <a:prstGeom prst="rect">
-            <a:avLst/>
-          </a:prstGeom>
-          <a:noFill/>
-          <a:ln>
-            <a:solidFill>
-              <a:srgbClr val="C00000"/>
-            </a:solidFill>
-          </a:ln>
-        </p:spPr>
-        <p:style>
-          <a:lnRef idx="2">
-            <a:schemeClr val="dk1"/>
-          </a:lnRef>
-          <a:fillRef idx="1">
-            <a:schemeClr val="lt1"/>
-          </a:fillRef>
-          <a:effectRef idx="0">
-            <a:schemeClr val="dk1"/>
-          </a:effectRef>
-          <a:fontRef idx="minor">
-            <a:schemeClr val="dk1"/>
-          </a:fontRef>
-        </p:style>
-        <p:txBody>
-          <a:bodyPr rtlCol="0" anchor="ctr"/>
-          <a:lstStyle/>
-          <a:p>
-            <a:pPr algn="ctr"/>
-            <a:endParaRPr lang="en-US"/>
-          </a:p>
-        </p:txBody>
-      </p:sp>
-      <p:cxnSp>
-        <p:nvCxnSpPr>
-          <p:cNvPr id="44" name="Straight Connector 43">
-            <a:extLst>
-              <a:ext uri="{FF2B5EF4-FFF2-40B4-BE49-F238E27FC236}">
-                <a16:creationId xmlns:a16="http://schemas.microsoft.com/office/drawing/2014/main" id="{39616C06-CD2E-3043-B296-8CAEF3EFDCF4}"/>
-              </a:ext>
-            </a:extLst>
-          </p:cNvPr>
-          <p:cNvCxnSpPr>
-            <a:cxnSpLocks/>
-            <a:endCxn id="45" idx="0"/>
-          </p:cNvCxnSpPr>
-          <p:nvPr/>
-        </p:nvCxnSpPr>
-        <p:spPr>
-          <a:xfrm flipH="1">
-            <a:off x="5484140" y="2812721"/>
-            <a:ext cx="546936" cy="280809"/>
-          </a:xfrm>
-          <a:prstGeom prst="line">
-            <a:avLst/>
-          </a:prstGeom>
-          <a:ln w="9525" cap="flat" cmpd="sng" algn="ctr">
-            <a:solidFill>
-              <a:srgbClr val="C00000"/>
-            </a:solidFill>
-            <a:prstDash val="dash"/>
-            <a:round/>
-            <a:headEnd type="none" w="med" len="med"/>
-            <a:tailEnd type="none" w="med" len="med"/>
-          </a:ln>
-        </p:spPr>
-        <p:style>
-          <a:lnRef idx="0">
-            <a:scrgbClr r="0" g="0" b="0"/>
-          </a:lnRef>
-          <a:fillRef idx="0">
-            <a:scrgbClr r="0" g="0" b="0"/>
-          </a:fillRef>
-          <a:effectRef idx="0">
-            <a:scrgbClr r="0" g="0" b="0"/>
-          </a:effectRef>
-          <a:fontRef idx="minor">
-            <a:schemeClr val="tx1"/>
-          </a:fontRef>
-        </p:style>
-      </p:cxnSp>
-      <p:sp>
-        <p:nvSpPr>
-          <p:cNvPr id="45" name="Rectangle 44">
-            <a:extLst>
-              <a:ext uri="{FF2B5EF4-FFF2-40B4-BE49-F238E27FC236}">
-                <a16:creationId xmlns:a16="http://schemas.microsoft.com/office/drawing/2014/main" id="{8AFFBB61-0BFA-3143-831D-42EC8638D935}"/>
-              </a:ext>
-            </a:extLst>
-          </p:cNvPr>
-          <p:cNvSpPr/>
-          <p:nvPr/>
-        </p:nvSpPr>
-        <p:spPr>
-          <a:xfrm>
-            <a:off x="4833962" y="3093530"/>
-            <a:ext cx="1300356" cy="307777"/>
-          </a:xfrm>
-          <a:prstGeom prst="rect">
-            <a:avLst/>
-          </a:prstGeom>
-        </p:spPr>
-        <p:txBody>
-          <a:bodyPr wrap="none">
-            <a:spAutoFit/>
-          </a:bodyPr>
-          <a:lstStyle/>
-          <a:p>
-            <a:pPr algn="ctr"/>
-            <a:r>
-              <a:rPr lang="en-US" sz="1400" dirty="0">
-                <a:solidFill>
-                  <a:srgbClr val="C00000"/>
-                </a:solidFill>
-                <a:latin typeface="Avenir Roman" panose="02000503020000020003" pitchFamily="2" charset="0"/>
-              </a:rPr>
-              <a:t>Average of…</a:t>
-            </a:r>
-          </a:p>
-        </p:txBody>
-      </p:sp>
-      <p:sp>
-        <p:nvSpPr>
-          <p:cNvPr id="47" name="Rectangle 46">
-            <a:extLst>
-              <a:ext uri="{FF2B5EF4-FFF2-40B4-BE49-F238E27FC236}">
-                <a16:creationId xmlns:a16="http://schemas.microsoft.com/office/drawing/2014/main" id="{C831ECCD-0903-364C-9679-2C1DAAF6C182}"/>
-              </a:ext>
-            </a:extLst>
-          </p:cNvPr>
-          <p:cNvSpPr/>
-          <p:nvPr/>
-        </p:nvSpPr>
-        <p:spPr>
-          <a:xfrm>
-            <a:off x="6640129" y="2234341"/>
-            <a:ext cx="1090002" cy="490950"/>
-          </a:xfrm>
-          <a:prstGeom prst="rect">
-            <a:avLst/>
-          </a:prstGeom>
-          <a:noFill/>
-          <a:ln>
-            <a:solidFill>
-              <a:schemeClr val="accent1">
-                <a:lumMod val="50000"/>
-              </a:schemeClr>
-            </a:solidFill>
-          </a:ln>
-        </p:spPr>
-        <p:style>
-          <a:lnRef idx="2">
-            <a:schemeClr val="dk1"/>
-          </a:lnRef>
-          <a:fillRef idx="1">
-            <a:schemeClr val="lt1"/>
-          </a:fillRef>
-          <a:effectRef idx="0">
-            <a:schemeClr val="dk1"/>
-          </a:effectRef>
-          <a:fontRef idx="minor">
-            <a:schemeClr val="dk1"/>
-          </a:fontRef>
-        </p:style>
-        <p:txBody>
-          <a:bodyPr rtlCol="0" anchor="ctr"/>
-          <a:lstStyle/>
-          <a:p>
-            <a:pPr algn="ctr"/>
-            <a:endParaRPr lang="en-US">
-              <a:solidFill>
-                <a:schemeClr val="accent1">
-                  <a:lumMod val="50000"/>
-                </a:schemeClr>
-              </a:solidFill>
-            </a:endParaRPr>
-          </a:p>
-        </p:txBody>
-      </p:sp>
-      <p:cxnSp>
-        <p:nvCxnSpPr>
-          <p:cNvPr id="48" name="Straight Connector 47">
-            <a:extLst>
-              <a:ext uri="{FF2B5EF4-FFF2-40B4-BE49-F238E27FC236}">
-                <a16:creationId xmlns:a16="http://schemas.microsoft.com/office/drawing/2014/main" id="{1856A8EF-F32A-694E-9611-F1F9A200AD08}"/>
-              </a:ext>
-            </a:extLst>
-          </p:cNvPr>
-          <p:cNvCxnSpPr>
-            <a:cxnSpLocks/>
-          </p:cNvCxnSpPr>
-          <p:nvPr/>
-        </p:nvCxnSpPr>
-        <p:spPr>
-          <a:xfrm flipH="1">
-            <a:off x="7699682" y="2467456"/>
-            <a:ext cx="492727" cy="0"/>
-          </a:xfrm>
-          <a:prstGeom prst="line">
-            <a:avLst/>
-          </a:prstGeom>
-          <a:ln w="9525" cap="flat" cmpd="sng" algn="ctr">
-            <a:solidFill>
-              <a:schemeClr val="accent1">
-                <a:lumMod val="50000"/>
-              </a:schemeClr>
-            </a:solidFill>
-            <a:prstDash val="dash"/>
-            <a:round/>
-            <a:headEnd type="none" w="med" len="med"/>
-            <a:tailEnd type="none" w="med" len="med"/>
-          </a:ln>
-        </p:spPr>
-        <p:style>
-          <a:lnRef idx="0">
-            <a:scrgbClr r="0" g="0" b="0"/>
-          </a:lnRef>
-          <a:fillRef idx="0">
-            <a:scrgbClr r="0" g="0" b="0"/>
-          </a:fillRef>
-          <a:effectRef idx="0">
-            <a:scrgbClr r="0" g="0" b="0"/>
-          </a:effectRef>
-          <a:fontRef idx="minor">
-            <a:schemeClr val="tx1"/>
-          </a:fontRef>
-        </p:style>
-      </p:cxnSp>
-      <p:sp>
-        <p:nvSpPr>
-          <p:cNvPr id="50" name="Rectangle 49">
-            <a:extLst>
-              <a:ext uri="{FF2B5EF4-FFF2-40B4-BE49-F238E27FC236}">
-                <a16:creationId xmlns:a16="http://schemas.microsoft.com/office/drawing/2014/main" id="{04F5F524-D940-FC4A-AA49-0D5F1552A266}"/>
-              </a:ext>
-            </a:extLst>
-          </p:cNvPr>
-          <p:cNvSpPr/>
-          <p:nvPr/>
-        </p:nvSpPr>
-        <p:spPr>
-          <a:xfrm>
-            <a:off x="8160490" y="2224347"/>
-            <a:ext cx="998992" cy="523220"/>
-          </a:xfrm>
-          <a:prstGeom prst="rect">
-            <a:avLst/>
-          </a:prstGeom>
-        </p:spPr>
-        <p:txBody>
-          <a:bodyPr wrap="none">
-            <a:spAutoFit/>
-          </a:bodyPr>
-          <a:lstStyle/>
-          <a:p>
-            <a:pPr algn="ctr"/>
-            <a:r>
-              <a:rPr lang="en-US" sz="1400" dirty="0">
-                <a:solidFill>
-                  <a:schemeClr val="accent1">
-                    <a:lumMod val="50000"/>
-                  </a:schemeClr>
-                </a:solidFill>
-                <a:latin typeface="Avenir Roman" panose="02000503020000020003" pitchFamily="2" charset="0"/>
-              </a:rPr>
-              <a:t>Absolute </a:t>
-            </a:r>
-          </a:p>
-          <a:p>
-            <a:pPr algn="ctr"/>
-            <a:r>
-              <a:rPr lang="en-US" sz="1400" dirty="0">
-                <a:solidFill>
-                  <a:schemeClr val="accent1">
-                    <a:lumMod val="50000"/>
-                  </a:schemeClr>
-                </a:solidFill>
-                <a:latin typeface="Avenir Roman" panose="02000503020000020003" pitchFamily="2" charset="0"/>
-              </a:rPr>
-              <a:t>value of…</a:t>
-            </a:r>
-          </a:p>
-        </p:txBody>
-      </p:sp>
-      <p:sp>
-        <p:nvSpPr>
-          <p:cNvPr id="31" name="Rectangle 30">
-            <a:extLst>
-              <a:ext uri="{FF2B5EF4-FFF2-40B4-BE49-F238E27FC236}">
-                <a16:creationId xmlns:a16="http://schemas.microsoft.com/office/drawing/2014/main" id="{1AF93F92-EEB8-704D-B948-FD682B7073FF}"/>
-              </a:ext>
-            </a:extLst>
-          </p:cNvPr>
-          <p:cNvSpPr/>
-          <p:nvPr/>
-        </p:nvSpPr>
-        <p:spPr>
-          <a:xfrm>
-            <a:off x="4927467" y="593714"/>
-            <a:ext cx="3236079" cy="461665"/>
-          </a:xfrm>
-          <a:prstGeom prst="rect">
-            <a:avLst/>
-          </a:prstGeom>
-        </p:spPr>
-        <p:txBody>
-          <a:bodyPr wrap="none">
-            <a:spAutoFit/>
-          </a:bodyPr>
-          <a:lstStyle/>
-          <a:p>
-            <a:r>
-              <a:rPr lang="en-US" sz="2400" b="1" dirty="0">
-                <a:latin typeface="Avenir Black" panose="02000503020000020003" pitchFamily="2" charset="0"/>
-              </a:rPr>
-              <a:t>Mean Absolute Error</a:t>
-            </a:r>
-            <a:endParaRPr lang="en-US" sz="2400" dirty="0"/>
-          </a:p>
-        </p:txBody>
-      </p:sp>
-    </p:spTree>
-    <p:extLst>
-      <p:ext uri="{BB962C8B-B14F-4D97-AF65-F5344CB8AC3E}">
-        <p14:creationId xmlns:p14="http://schemas.microsoft.com/office/powerpoint/2010/main" val="3866590721"/>
-      </p:ext>
-    </p:extLst>
-  </p:cSld>
-  <p:clrMapOvr>
-    <a:masterClrMapping/>
-  </p:clrMapOvr>
-</p:sld>
-</file>
-
-<file path=ppt/slides/slide9.xml><?xml version="1.0" encoding="utf-8"?>
-<p:sld xmlns:a="http://schemas.openxmlformats.org/drawingml/2006/main" xmlns:r="http://schemas.openxmlformats.org/officeDocument/2006/relationships" xmlns:p="http://schemas.openxmlformats.org/presentationml/2006/main">
-  <p:cSld>
-    <p:spTree>
-      <p:nvGrpSpPr>
-        <p:cNvPr id="1" name=""/>
-        <p:cNvGrpSpPr/>
-        <p:nvPr/>
-      </p:nvGrpSpPr>
-      <p:grpSpPr>
-        <a:xfrm>
-          <a:off x="0" y="0"/>
-          <a:ext cx="0" cy="0"/>
-          <a:chOff x="0" y="0"/>
-          <a:chExt cx="0" cy="0"/>
-        </a:xfrm>
-      </p:grpSpPr>
-      <p:cxnSp>
-        <p:nvCxnSpPr>
-          <p:cNvPr id="5" name="Straight Arrow Connector 4">
-            <a:extLst>
-              <a:ext uri="{FF2B5EF4-FFF2-40B4-BE49-F238E27FC236}">
-                <a16:creationId xmlns:a16="http://schemas.microsoft.com/office/drawing/2014/main" id="{14C1BCF9-D974-F24A-9036-18381FE7B587}"/>
-              </a:ext>
-            </a:extLst>
-          </p:cNvPr>
-          <p:cNvCxnSpPr/>
-          <p:nvPr/>
-        </p:nvCxnSpPr>
-        <p:spPr>
-          <a:xfrm flipV="1">
-            <a:off x="4313813" y="2536552"/>
-            <a:ext cx="0" cy="3474720"/>
-          </a:xfrm>
-          <a:prstGeom prst="straightConnector1">
-            <a:avLst/>
-          </a:prstGeom>
-          <a:ln>
-            <a:tailEnd type="triangle"/>
-          </a:ln>
-        </p:spPr>
-        <p:style>
-          <a:lnRef idx="3">
-            <a:schemeClr val="dk1"/>
-          </a:lnRef>
-          <a:fillRef idx="0">
-            <a:schemeClr val="dk1"/>
-          </a:fillRef>
-          <a:effectRef idx="2">
-            <a:schemeClr val="dk1"/>
-          </a:effectRef>
-          <a:fontRef idx="minor">
-            <a:schemeClr val="tx1"/>
-          </a:fontRef>
-        </p:style>
-      </p:cxnSp>
-      <p:cxnSp>
-        <p:nvCxnSpPr>
-          <p:cNvPr id="6" name="Straight Arrow Connector 5">
-            <a:extLst>
-              <a:ext uri="{FF2B5EF4-FFF2-40B4-BE49-F238E27FC236}">
-                <a16:creationId xmlns:a16="http://schemas.microsoft.com/office/drawing/2014/main" id="{37758B7A-6393-9C4C-AF31-6AD235A42E1A}"/>
-              </a:ext>
-            </a:extLst>
-          </p:cNvPr>
-          <p:cNvCxnSpPr>
-            <a:cxnSpLocks/>
-          </p:cNvCxnSpPr>
-          <p:nvPr/>
-        </p:nvCxnSpPr>
-        <p:spPr>
-          <a:xfrm>
-            <a:off x="4313813" y="6011272"/>
-            <a:ext cx="4174274" cy="0"/>
-          </a:xfrm>
-          <a:prstGeom prst="straightConnector1">
-            <a:avLst/>
-          </a:prstGeom>
-          <a:ln>
-            <a:tailEnd type="triangle"/>
-          </a:ln>
-        </p:spPr>
-        <p:style>
-          <a:lnRef idx="3">
-            <a:schemeClr val="dk1"/>
-          </a:lnRef>
-          <a:fillRef idx="0">
-            <a:schemeClr val="dk1"/>
-          </a:fillRef>
-          <a:effectRef idx="2">
-            <a:schemeClr val="dk1"/>
-          </a:effectRef>
-          <a:fontRef idx="minor">
-            <a:schemeClr val="tx1"/>
-          </a:fontRef>
-        </p:style>
-      </p:cxnSp>
-      <p:cxnSp>
-        <p:nvCxnSpPr>
-          <p:cNvPr id="9" name="Straight Connector 8">
-            <a:extLst>
-              <a:ext uri="{FF2B5EF4-FFF2-40B4-BE49-F238E27FC236}">
-                <a16:creationId xmlns:a16="http://schemas.microsoft.com/office/drawing/2014/main" id="{D83F23B7-7093-794D-BF08-70933BB31108}"/>
-              </a:ext>
-            </a:extLst>
-          </p:cNvPr>
-          <p:cNvCxnSpPr>
-            <a:cxnSpLocks/>
-          </p:cNvCxnSpPr>
-          <p:nvPr/>
-        </p:nvCxnSpPr>
-        <p:spPr>
-          <a:xfrm flipV="1">
-            <a:off x="4463062" y="2815378"/>
-            <a:ext cx="3902721" cy="3315725"/>
-          </a:xfrm>
-          <a:prstGeom prst="line">
-            <a:avLst/>
-          </a:prstGeom>
-        </p:spPr>
-        <p:style>
-          <a:lnRef idx="3">
-            <a:schemeClr val="accent1"/>
-          </a:lnRef>
-          <a:fillRef idx="0">
-            <a:schemeClr val="accent1"/>
-          </a:fillRef>
-          <a:effectRef idx="2">
-            <a:schemeClr val="accent1"/>
-          </a:effectRef>
-          <a:fontRef idx="minor">
-            <a:schemeClr val="tx1"/>
-          </a:fontRef>
-        </p:style>
-      </p:cxnSp>
-      <p:sp>
-        <p:nvSpPr>
-          <p:cNvPr id="11" name="Oval 10">
-            <a:extLst>
-              <a:ext uri="{FF2B5EF4-FFF2-40B4-BE49-F238E27FC236}">
-                <a16:creationId xmlns:a16="http://schemas.microsoft.com/office/drawing/2014/main" id="{EA1EEF15-83FB-3D49-8865-7EAA71E3B6F7}"/>
-              </a:ext>
-            </a:extLst>
-          </p:cNvPr>
-          <p:cNvSpPr/>
-          <p:nvPr/>
-        </p:nvSpPr>
-        <p:spPr>
-          <a:xfrm>
-            <a:off x="7515682" y="3157412"/>
-            <a:ext cx="122304" cy="122304"/>
-          </a:xfrm>
-          <a:prstGeom prst="ellipse">
-            <a:avLst/>
-          </a:prstGeom>
-          <a:solidFill>
-            <a:schemeClr val="tx1"/>
-          </a:solidFill>
-          <a:ln>
-            <a:noFill/>
-          </a:ln>
-        </p:spPr>
-        <p:style>
-          <a:lnRef idx="2">
-            <a:schemeClr val="accent1">
-              <a:shade val="50000"/>
-            </a:schemeClr>
-          </a:lnRef>
-          <a:fillRef idx="1">
-            <a:schemeClr val="accent1"/>
-          </a:fillRef>
-          <a:effectRef idx="0">
-            <a:schemeClr val="accent1"/>
-          </a:effectRef>
-          <a:fontRef idx="minor">
-            <a:schemeClr val="lt1"/>
-          </a:fontRef>
-        </p:style>
-        <p:txBody>
-          <a:bodyPr rtlCol="0" anchor="ctr"/>
-          <a:lstStyle/>
-          <a:p>
-            <a:pPr algn="ctr"/>
-            <a:endParaRPr lang="en-US">
-              <a:solidFill>
-                <a:schemeClr val="tx1"/>
-              </a:solidFill>
-            </a:endParaRPr>
-          </a:p>
-        </p:txBody>
-      </p:sp>
-      <p:sp>
-        <p:nvSpPr>
-          <p:cNvPr id="12" name="Oval 11">
-            <a:extLst>
-              <a:ext uri="{FF2B5EF4-FFF2-40B4-BE49-F238E27FC236}">
-                <a16:creationId xmlns:a16="http://schemas.microsoft.com/office/drawing/2014/main" id="{C55F11FE-F439-754A-B7F8-591F8F1BBF8D}"/>
-              </a:ext>
-            </a:extLst>
-          </p:cNvPr>
-          <p:cNvSpPr/>
-          <p:nvPr/>
-        </p:nvSpPr>
-        <p:spPr>
-          <a:xfrm>
-            <a:off x="6339798" y="3766155"/>
-            <a:ext cx="122304" cy="122304"/>
-          </a:xfrm>
-          <a:prstGeom prst="ellipse">
-            <a:avLst/>
-          </a:prstGeom>
-          <a:solidFill>
-            <a:schemeClr val="tx1"/>
-          </a:solidFill>
-          <a:ln>
-            <a:noFill/>
-          </a:ln>
-        </p:spPr>
-        <p:style>
-          <a:lnRef idx="2">
-            <a:schemeClr val="accent1">
-              <a:shade val="50000"/>
-            </a:schemeClr>
-          </a:lnRef>
-          <a:fillRef idx="1">
-            <a:schemeClr val="accent1"/>
-          </a:fillRef>
-          <a:effectRef idx="0">
-            <a:schemeClr val="accent1"/>
-          </a:effectRef>
-          <a:fontRef idx="minor">
-            <a:schemeClr val="lt1"/>
-          </a:fontRef>
-        </p:style>
-        <p:txBody>
-          <a:bodyPr rtlCol="0" anchor="ctr"/>
-          <a:lstStyle/>
-          <a:p>
-            <a:pPr algn="ctr"/>
-            <a:endParaRPr lang="en-US">
-              <a:solidFill>
-                <a:schemeClr val="tx1"/>
-              </a:solidFill>
-            </a:endParaRPr>
-          </a:p>
-        </p:txBody>
-      </p:sp>
-      <p:sp>
-        <p:nvSpPr>
-          <p:cNvPr id="13" name="Oval 12">
-            <a:extLst>
-              <a:ext uri="{FF2B5EF4-FFF2-40B4-BE49-F238E27FC236}">
-                <a16:creationId xmlns:a16="http://schemas.microsoft.com/office/drawing/2014/main" id="{F070C116-D57E-8E46-B048-FB5B06D4551F}"/>
-              </a:ext>
-            </a:extLst>
-          </p:cNvPr>
-          <p:cNvSpPr/>
-          <p:nvPr/>
-        </p:nvSpPr>
-        <p:spPr>
-          <a:xfrm>
-            <a:off x="8365783" y="3292706"/>
-            <a:ext cx="122304" cy="122304"/>
-          </a:xfrm>
-          <a:prstGeom prst="ellipse">
-            <a:avLst/>
-          </a:prstGeom>
-          <a:solidFill>
-            <a:schemeClr val="tx1"/>
-          </a:solidFill>
-          <a:ln>
-            <a:noFill/>
-          </a:ln>
-        </p:spPr>
-        <p:style>
-          <a:lnRef idx="2">
-            <a:schemeClr val="accent1">
-              <a:shade val="50000"/>
-            </a:schemeClr>
-          </a:lnRef>
-          <a:fillRef idx="1">
-            <a:schemeClr val="accent1"/>
-          </a:fillRef>
-          <a:effectRef idx="0">
-            <a:schemeClr val="accent1"/>
-          </a:effectRef>
-          <a:fontRef idx="minor">
-            <a:schemeClr val="lt1"/>
-          </a:fontRef>
-        </p:style>
-        <p:txBody>
-          <a:bodyPr rtlCol="0" anchor="ctr"/>
-          <a:lstStyle/>
-          <a:p>
-            <a:pPr algn="ctr"/>
-            <a:endParaRPr lang="en-US">
-              <a:solidFill>
-                <a:schemeClr val="tx1"/>
-              </a:solidFill>
-            </a:endParaRPr>
-          </a:p>
-        </p:txBody>
-      </p:sp>
-      <p:sp>
-        <p:nvSpPr>
-          <p:cNvPr id="15" name="Oval 14">
-            <a:extLst>
-              <a:ext uri="{FF2B5EF4-FFF2-40B4-BE49-F238E27FC236}">
-                <a16:creationId xmlns:a16="http://schemas.microsoft.com/office/drawing/2014/main" id="{CCA56893-FA05-0E44-A526-2BB98AF6DDAC}"/>
-              </a:ext>
-            </a:extLst>
-          </p:cNvPr>
-          <p:cNvSpPr/>
-          <p:nvPr/>
-        </p:nvSpPr>
-        <p:spPr>
-          <a:xfrm>
-            <a:off x="6278646" y="4882490"/>
-            <a:ext cx="122304" cy="122304"/>
-          </a:xfrm>
-          <a:prstGeom prst="ellipse">
-            <a:avLst/>
-          </a:prstGeom>
-          <a:solidFill>
-            <a:schemeClr val="tx1"/>
-          </a:solidFill>
-          <a:ln>
-            <a:noFill/>
-          </a:ln>
-        </p:spPr>
-        <p:style>
-          <a:lnRef idx="2">
-            <a:schemeClr val="accent1">
-              <a:shade val="50000"/>
-            </a:schemeClr>
-          </a:lnRef>
-          <a:fillRef idx="1">
-            <a:schemeClr val="accent1"/>
-          </a:fillRef>
-          <a:effectRef idx="0">
-            <a:schemeClr val="accent1"/>
-          </a:effectRef>
-          <a:fontRef idx="minor">
-            <a:schemeClr val="lt1"/>
-          </a:fontRef>
-        </p:style>
-        <p:txBody>
-          <a:bodyPr rtlCol="0" anchor="ctr"/>
-          <a:lstStyle/>
-          <a:p>
-            <a:pPr algn="ctr"/>
-            <a:endParaRPr lang="en-US">
-              <a:solidFill>
-                <a:schemeClr val="tx1"/>
-              </a:solidFill>
-            </a:endParaRPr>
-          </a:p>
-        </p:txBody>
-      </p:sp>
-      <p:sp>
-        <p:nvSpPr>
-          <p:cNvPr id="17" name="Oval 16">
-            <a:extLst>
-              <a:ext uri="{FF2B5EF4-FFF2-40B4-BE49-F238E27FC236}">
-                <a16:creationId xmlns:a16="http://schemas.microsoft.com/office/drawing/2014/main" id="{C58F75B6-341D-6E40-B860-4A13EED4781C}"/>
-              </a:ext>
-            </a:extLst>
-          </p:cNvPr>
-          <p:cNvSpPr/>
-          <p:nvPr/>
-        </p:nvSpPr>
-        <p:spPr>
-          <a:xfrm>
-            <a:off x="5197525" y="4779505"/>
-            <a:ext cx="122304" cy="122304"/>
-          </a:xfrm>
-          <a:prstGeom prst="ellipse">
-            <a:avLst/>
-          </a:prstGeom>
-          <a:solidFill>
-            <a:schemeClr val="tx1"/>
-          </a:solidFill>
-          <a:ln>
-            <a:noFill/>
-          </a:ln>
-        </p:spPr>
-        <p:style>
-          <a:lnRef idx="2">
-            <a:schemeClr val="accent1">
-              <a:shade val="50000"/>
-            </a:schemeClr>
-          </a:lnRef>
-          <a:fillRef idx="1">
-            <a:schemeClr val="accent1"/>
-          </a:fillRef>
-          <a:effectRef idx="0">
-            <a:schemeClr val="accent1"/>
-          </a:effectRef>
-          <a:fontRef idx="minor">
-            <a:schemeClr val="lt1"/>
-          </a:fontRef>
-        </p:style>
-        <p:txBody>
-          <a:bodyPr rtlCol="0" anchor="ctr"/>
-          <a:lstStyle/>
-          <a:p>
-            <a:pPr algn="ctr"/>
-            <a:endParaRPr lang="en-US">
-              <a:solidFill>
-                <a:schemeClr val="tx1"/>
-              </a:solidFill>
-            </a:endParaRPr>
-          </a:p>
-        </p:txBody>
-      </p:sp>
-      <p:sp>
-        <p:nvSpPr>
-          <p:cNvPr id="19" name="Oval 18">
-            <a:extLst>
-              <a:ext uri="{FF2B5EF4-FFF2-40B4-BE49-F238E27FC236}">
-                <a16:creationId xmlns:a16="http://schemas.microsoft.com/office/drawing/2014/main" id="{62100974-AB9E-6546-A020-47E6973738A0}"/>
-              </a:ext>
-            </a:extLst>
-          </p:cNvPr>
-          <p:cNvSpPr/>
-          <p:nvPr/>
-        </p:nvSpPr>
-        <p:spPr>
-          <a:xfrm>
-            <a:off x="7188738" y="5067547"/>
-            <a:ext cx="122304" cy="122304"/>
-          </a:xfrm>
-          <a:prstGeom prst="ellipse">
-            <a:avLst/>
-          </a:prstGeom>
-          <a:solidFill>
-            <a:schemeClr val="tx1"/>
-          </a:solidFill>
-          <a:ln>
-            <a:noFill/>
-          </a:ln>
-        </p:spPr>
-        <p:style>
-          <a:lnRef idx="2">
-            <a:schemeClr val="accent1">
-              <a:shade val="50000"/>
-            </a:schemeClr>
-          </a:lnRef>
-          <a:fillRef idx="1">
-            <a:schemeClr val="accent1"/>
-          </a:fillRef>
-          <a:effectRef idx="0">
-            <a:schemeClr val="accent1"/>
-          </a:effectRef>
-          <a:fontRef idx="minor">
-            <a:schemeClr val="lt1"/>
-          </a:fontRef>
-        </p:style>
-        <p:txBody>
-          <a:bodyPr rtlCol="0" anchor="ctr"/>
-          <a:lstStyle/>
-          <a:p>
-            <a:pPr algn="ctr"/>
-            <a:endParaRPr lang="en-US">
-              <a:solidFill>
-                <a:schemeClr val="tx1"/>
-              </a:solidFill>
-            </a:endParaRPr>
-          </a:p>
-        </p:txBody>
-      </p:sp>
-      <p:sp>
-        <p:nvSpPr>
-          <p:cNvPr id="20" name="Oval 19">
-            <a:extLst>
-              <a:ext uri="{FF2B5EF4-FFF2-40B4-BE49-F238E27FC236}">
-                <a16:creationId xmlns:a16="http://schemas.microsoft.com/office/drawing/2014/main" id="{47AE051D-5677-EC4D-A11E-908731BC3089}"/>
-              </a:ext>
-            </a:extLst>
-          </p:cNvPr>
-          <p:cNvSpPr/>
-          <p:nvPr/>
-        </p:nvSpPr>
-        <p:spPr>
-          <a:xfrm>
-            <a:off x="7352790" y="3888459"/>
-            <a:ext cx="122304" cy="122304"/>
-          </a:xfrm>
-          <a:prstGeom prst="ellipse">
-            <a:avLst/>
-          </a:prstGeom>
-          <a:solidFill>
-            <a:schemeClr val="tx1"/>
-          </a:solidFill>
-          <a:ln>
-            <a:noFill/>
-          </a:ln>
-        </p:spPr>
-        <p:style>
-          <a:lnRef idx="2">
-            <a:schemeClr val="accent1">
-              <a:shade val="50000"/>
-            </a:schemeClr>
-          </a:lnRef>
-          <a:fillRef idx="1">
-            <a:schemeClr val="accent1"/>
-          </a:fillRef>
-          <a:effectRef idx="0">
-            <a:schemeClr val="accent1"/>
-          </a:effectRef>
-          <a:fontRef idx="minor">
-            <a:schemeClr val="lt1"/>
-          </a:fontRef>
-        </p:style>
-        <p:txBody>
-          <a:bodyPr rtlCol="0" anchor="ctr"/>
-          <a:lstStyle/>
-          <a:p>
-            <a:pPr algn="ctr"/>
-            <a:endParaRPr lang="en-US">
-              <a:solidFill>
-                <a:schemeClr val="tx1"/>
-              </a:solidFill>
-            </a:endParaRPr>
-          </a:p>
-        </p:txBody>
-      </p:sp>
-      <mc:AlternateContent xmlns:mc="http://schemas.openxmlformats.org/markup-compatibility/2006" xmlns:a14="http://schemas.microsoft.com/office/drawing/2010/main">
-        <mc:Choice Requires="a14">
-          <p:sp>
-            <p:nvSpPr>
-              <p:cNvPr id="32" name="TextBox 31">
-                <a:extLst>
-                  <a:ext uri="{FF2B5EF4-FFF2-40B4-BE49-F238E27FC236}">
-                    <a16:creationId xmlns:a16="http://schemas.microsoft.com/office/drawing/2014/main" id="{6D87767D-EC41-D64E-BF08-10B9EB05E875}"/>
-                  </a:ext>
-                </a:extLst>
-              </p:cNvPr>
-              <p:cNvSpPr txBox="1"/>
-              <p:nvPr/>
-            </p:nvSpPr>
-            <p:spPr>
-              <a:xfrm>
-                <a:off x="4931092" y="1829494"/>
-                <a:ext cx="3030060" cy="894219"/>
-              </a:xfrm>
-              <a:prstGeom prst="rect">
-                <a:avLst/>
-              </a:prstGeom>
-              <a:noFill/>
-            </p:spPr>
-            <p:txBody>
-              <a:bodyPr wrap="none" lIns="0" tIns="0" rIns="0" bIns="0" rtlCol="0">
-                <a:spAutoFit/>
-              </a:bodyPr>
-              <a:lstStyle/>
-              <a:p>
-                <a:pPr/>
-                <a14:m>
-                  <m:oMathPara xmlns:m="http://schemas.openxmlformats.org/officeDocument/2006/math">
-                    <m:oMathParaPr>
-                      <m:jc m:val="centerGroup"/>
-                    </m:oMathParaPr>
-                    <m:oMath xmlns:m="http://schemas.openxmlformats.org/officeDocument/2006/math">
-                      <m:r>
-                        <a:rPr lang="en-US" sz="2400" b="0" i="1" smtClean="0">
-                          <a:latin typeface="Cambria Math" panose="02040503050406030204" pitchFamily="18" charset="0"/>
-                        </a:rPr>
-                        <m:t>𝑀𝑆𝐸</m:t>
-                      </m:r>
-                      <m:r>
-                        <a:rPr lang="en-US" sz="2400" b="0" i="1" smtClean="0">
-                          <a:latin typeface="Cambria Math" panose="02040503050406030204" pitchFamily="18" charset="0"/>
-                        </a:rPr>
-                        <m:t>= </m:t>
-                      </m:r>
-                      <m:f>
-                        <m:fPr>
-                          <m:ctrlPr>
-                            <a:rPr lang="en-US" sz="2400" b="0" i="1" smtClean="0">
-                              <a:latin typeface="Cambria Math" panose="02040503050406030204" pitchFamily="18" charset="0"/>
-                            </a:rPr>
-                          </m:ctrlPr>
-                        </m:fPr>
-                        <m:num>
-                          <m:r>
-                            <a:rPr lang="en-US" sz="2400" b="0" i="1" smtClean="0">
-                              <a:latin typeface="Cambria Math" panose="02040503050406030204" pitchFamily="18" charset="0"/>
-                            </a:rPr>
-                            <m:t>1</m:t>
-                          </m:r>
-                        </m:num>
-                        <m:den>
-                          <m:r>
-                            <a:rPr lang="en-US" sz="2400" b="0" i="1" smtClean="0">
-                              <a:latin typeface="Cambria Math" panose="02040503050406030204" pitchFamily="18" charset="0"/>
-                            </a:rPr>
-                            <m:t>𝑛</m:t>
-                          </m:r>
-                        </m:den>
-                      </m:f>
-                      <m:nary>
-                        <m:naryPr>
-                          <m:chr m:val="∑"/>
-                          <m:subHide m:val="on"/>
-                          <m:supHide m:val="on"/>
-                          <m:ctrlPr>
-                            <a:rPr lang="en-US" sz="2400" b="0" i="1" smtClean="0">
-                              <a:latin typeface="Cambria Math" panose="02040503050406030204" pitchFamily="18" charset="0"/>
-                            </a:rPr>
-                          </m:ctrlPr>
-                        </m:naryPr>
-                        <m:sub/>
-                        <m:sup/>
-                        <m:e>
-                          <m:d>
-                            <m:dPr>
-                              <m:ctrlPr>
-                                <a:rPr lang="en-US" sz="2400" b="0" i="1" smtClean="0">
-                                  <a:latin typeface="Cambria Math" panose="02040503050406030204" pitchFamily="18" charset="0"/>
-                                </a:rPr>
-                              </m:ctrlPr>
-                            </m:dPr>
-                            <m:e>
-                              <m:r>
-                                <a:rPr lang="en-US" sz="2400" b="0" i="1" smtClean="0">
-                                  <a:latin typeface="Cambria Math" panose="02040503050406030204" pitchFamily="18" charset="0"/>
-                                </a:rPr>
-                                <m:t>𝑦</m:t>
-                              </m:r>
-                              <m:r>
-                                <a:rPr lang="en-US" sz="2400" b="0" i="1" smtClean="0">
-                                  <a:latin typeface="Cambria Math" panose="02040503050406030204" pitchFamily="18" charset="0"/>
-                                </a:rPr>
-                                <m:t> − </m:t>
-                              </m:r>
-                              <m:acc>
-                                <m:accPr>
-                                  <m:chr m:val="̂"/>
-                                  <m:ctrlPr>
-                                    <a:rPr lang="en-US" sz="2400" b="0" i="1" smtClean="0">
-                                      <a:latin typeface="Cambria Math" panose="02040503050406030204" pitchFamily="18" charset="0"/>
-                                    </a:rPr>
-                                  </m:ctrlPr>
-                                </m:accPr>
-                                <m:e>
-                                  <m:r>
-                                    <a:rPr lang="en-US" sz="2400" b="0" i="1" smtClean="0">
-                                      <a:latin typeface="Cambria Math" panose="02040503050406030204" pitchFamily="18" charset="0"/>
-                                    </a:rPr>
-                                    <m:t>𝑦</m:t>
-                                  </m:r>
-                                </m:e>
-                              </m:acc>
-                            </m:e>
-                          </m:d>
-                          <m:r>
-                            <a:rPr lang="en-US" sz="2400" b="0" i="1" baseline="30000" smtClean="0">
-                              <a:latin typeface="Cambria Math" panose="02040503050406030204" pitchFamily="18" charset="0"/>
-                            </a:rPr>
-                            <m:t>2</m:t>
-                          </m:r>
-                        </m:e>
-                      </m:nary>
-                    </m:oMath>
-                  </m:oMathPara>
-                </a14:m>
-                <a:endParaRPr lang="en-US" sz="2400" dirty="0"/>
-              </a:p>
-            </p:txBody>
-          </p:sp>
-        </mc:Choice>
-        <mc:Fallback xmlns="">
-          <p:sp>
-            <p:nvSpPr>
-              <p:cNvPr id="32" name="TextBox 31">
-                <a:extLst>
-                  <a:ext uri="{FF2B5EF4-FFF2-40B4-BE49-F238E27FC236}">
-                    <a16:creationId xmlns:a16="http://schemas.microsoft.com/office/drawing/2014/main" id="{6D87767D-EC41-D64E-BF08-10B9EB05E875}"/>
-                  </a:ext>
-                </a:extLst>
-              </p:cNvPr>
-              <p:cNvSpPr txBox="1">
-                <a:spLocks noRot="1" noChangeAspect="1" noMove="1" noResize="1" noEditPoints="1" noAdjustHandles="1" noChangeArrowheads="1" noChangeShapeType="1" noTextEdit="1"/>
-              </p:cNvSpPr>
-              <p:nvPr/>
-            </p:nvSpPr>
-            <p:spPr>
-              <a:xfrm>
-                <a:off x="4931092" y="1829494"/>
-                <a:ext cx="3030060" cy="894219"/>
-              </a:xfrm>
-              <a:prstGeom prst="rect">
-                <a:avLst/>
-              </a:prstGeom>
-              <a:blipFill>
-                <a:blip r:embed="rId3"/>
-                <a:stretch>
-                  <a:fillRect l="-1250" t="-152857" r="-417" b="-208571"/>
-                </a:stretch>
-              </a:blipFill>
-            </p:spPr>
-            <p:txBody>
-              <a:bodyPr/>
-              <a:lstStyle/>
-              <a:p>
-                <a:r>
-                  <a:rPr lang="en-US">
-                    <a:noFill/>
-                  </a:rPr>
-                  <a:t> </a:t>
-                </a:r>
-              </a:p>
-            </p:txBody>
-          </p:sp>
-        </mc:Fallback>
-      </mc:AlternateContent>
-      <p:sp>
-        <p:nvSpPr>
-          <p:cNvPr id="33" name="Rectangle 32">
-            <a:extLst>
-              <a:ext uri="{FF2B5EF4-FFF2-40B4-BE49-F238E27FC236}">
-                <a16:creationId xmlns:a16="http://schemas.microsoft.com/office/drawing/2014/main" id="{345EEB74-5266-FA4F-BE2B-96CA4566DB1E}"/>
-              </a:ext>
-            </a:extLst>
-          </p:cNvPr>
-          <p:cNvSpPr/>
-          <p:nvPr/>
-        </p:nvSpPr>
-        <p:spPr>
-          <a:xfrm>
-            <a:off x="6811547" y="2065549"/>
-            <a:ext cx="209523" cy="383602"/>
-          </a:xfrm>
-          <a:prstGeom prst="rect">
-            <a:avLst/>
-          </a:prstGeom>
-          <a:noFill/>
-          <a:ln>
-            <a:solidFill>
-              <a:srgbClr val="C00000"/>
-            </a:solidFill>
-          </a:ln>
-        </p:spPr>
-        <p:style>
-          <a:lnRef idx="2">
-            <a:schemeClr val="dk1"/>
-          </a:lnRef>
-          <a:fillRef idx="1">
-            <a:schemeClr val="lt1"/>
-          </a:fillRef>
-          <a:effectRef idx="0">
-            <a:schemeClr val="dk1"/>
-          </a:effectRef>
-          <a:fontRef idx="minor">
-            <a:schemeClr val="dk1"/>
-          </a:fontRef>
-        </p:style>
-        <p:txBody>
-          <a:bodyPr rtlCol="0" anchor="ctr"/>
-          <a:lstStyle/>
-          <a:p>
-            <a:pPr algn="ctr"/>
-            <a:endParaRPr lang="en-US"/>
-          </a:p>
-        </p:txBody>
-      </p:sp>
-      <p:sp>
-        <p:nvSpPr>
-          <p:cNvPr id="34" name="Rectangle 33">
-            <a:extLst>
-              <a:ext uri="{FF2B5EF4-FFF2-40B4-BE49-F238E27FC236}">
-                <a16:creationId xmlns:a16="http://schemas.microsoft.com/office/drawing/2014/main" id="{F2D73EAE-56CF-7942-B3E2-8B95FD8E5ACD}"/>
-              </a:ext>
-            </a:extLst>
-          </p:cNvPr>
-          <p:cNvSpPr/>
-          <p:nvPr/>
-        </p:nvSpPr>
-        <p:spPr>
-          <a:xfrm>
-            <a:off x="7471467" y="2065549"/>
-            <a:ext cx="217282" cy="383602"/>
-          </a:xfrm>
-          <a:prstGeom prst="rect">
-            <a:avLst/>
-          </a:prstGeom>
-          <a:noFill/>
-          <a:ln>
-            <a:solidFill>
-              <a:srgbClr val="C00000"/>
-            </a:solidFill>
-          </a:ln>
-        </p:spPr>
-        <p:style>
-          <a:lnRef idx="2">
-            <a:schemeClr val="dk1"/>
-          </a:lnRef>
-          <a:fillRef idx="1">
-            <a:schemeClr val="lt1"/>
-          </a:fillRef>
-          <a:effectRef idx="0">
-            <a:schemeClr val="dk1"/>
-          </a:effectRef>
-          <a:fontRef idx="minor">
-            <a:schemeClr val="dk1"/>
-          </a:fontRef>
-        </p:style>
-        <p:txBody>
-          <a:bodyPr rtlCol="0" anchor="ctr"/>
-          <a:lstStyle/>
-          <a:p>
-            <a:pPr algn="ctr"/>
-            <a:endParaRPr lang="en-US"/>
-          </a:p>
-        </p:txBody>
-      </p:sp>
-      <p:cxnSp>
-        <p:nvCxnSpPr>
-          <p:cNvPr id="35" name="Straight Connector 34">
-            <a:extLst>
-              <a:ext uri="{FF2B5EF4-FFF2-40B4-BE49-F238E27FC236}">
-                <a16:creationId xmlns:a16="http://schemas.microsoft.com/office/drawing/2014/main" id="{4671380A-1663-2748-9253-7158D7A473CB}"/>
-              </a:ext>
-            </a:extLst>
-          </p:cNvPr>
-          <p:cNvCxnSpPr>
-            <a:cxnSpLocks/>
-          </p:cNvCxnSpPr>
-          <p:nvPr/>
-        </p:nvCxnSpPr>
-        <p:spPr>
-          <a:xfrm>
-            <a:off x="7625309" y="1686408"/>
-            <a:ext cx="0" cy="365534"/>
-          </a:xfrm>
-          <a:prstGeom prst="line">
-            <a:avLst/>
-          </a:prstGeom>
-          <a:ln w="9525" cap="flat" cmpd="sng" algn="ctr">
-            <a:solidFill>
-              <a:srgbClr val="C00000"/>
-            </a:solidFill>
-            <a:prstDash val="dash"/>
-            <a:round/>
-            <a:headEnd type="none" w="med" len="med"/>
-            <a:tailEnd type="none" w="med" len="med"/>
-          </a:ln>
-        </p:spPr>
-        <p:style>
-          <a:lnRef idx="0">
-            <a:scrgbClr r="0" g="0" b="0"/>
-          </a:lnRef>
-          <a:fillRef idx="0">
-            <a:scrgbClr r="0" g="0" b="0"/>
-          </a:fillRef>
-          <a:effectRef idx="0">
-            <a:scrgbClr r="0" g="0" b="0"/>
-          </a:effectRef>
-          <a:fontRef idx="minor">
-            <a:schemeClr val="tx1"/>
-          </a:fontRef>
-        </p:style>
-      </p:cxnSp>
-      <p:sp>
-        <p:nvSpPr>
-          <p:cNvPr id="38" name="Rectangle 37">
-            <a:extLst>
-              <a:ext uri="{FF2B5EF4-FFF2-40B4-BE49-F238E27FC236}">
-                <a16:creationId xmlns:a16="http://schemas.microsoft.com/office/drawing/2014/main" id="{1F85D955-9496-CD42-99AC-ACEAB3E2690D}"/>
-              </a:ext>
-            </a:extLst>
-          </p:cNvPr>
-          <p:cNvSpPr/>
-          <p:nvPr/>
-        </p:nvSpPr>
-        <p:spPr>
-          <a:xfrm>
-            <a:off x="7222368" y="1214609"/>
-            <a:ext cx="959109" cy="523220"/>
-          </a:xfrm>
-          <a:prstGeom prst="rect">
-            <a:avLst/>
-          </a:prstGeom>
-        </p:spPr>
-        <p:txBody>
-          <a:bodyPr wrap="none">
-            <a:spAutoFit/>
-          </a:bodyPr>
-          <a:lstStyle/>
-          <a:p>
-            <a:pPr algn="ctr"/>
-            <a:r>
-              <a:rPr lang="en-US" sz="1400" dirty="0">
-                <a:solidFill>
-                  <a:srgbClr val="C00000"/>
-                </a:solidFill>
-                <a:latin typeface="Avenir Roman" panose="02000503020000020003" pitchFamily="2" charset="0"/>
-              </a:rPr>
-              <a:t>Predicted</a:t>
-            </a:r>
-          </a:p>
-          <a:p>
-            <a:pPr algn="ctr"/>
-            <a:r>
-              <a:rPr lang="en-US" sz="1400" dirty="0">
-                <a:solidFill>
-                  <a:srgbClr val="C00000"/>
-                </a:solidFill>
-                <a:latin typeface="Avenir Roman" panose="02000503020000020003" pitchFamily="2" charset="0"/>
-              </a:rPr>
-              <a:t>value</a:t>
-            </a:r>
-          </a:p>
-        </p:txBody>
-      </p:sp>
-      <p:cxnSp>
-        <p:nvCxnSpPr>
-          <p:cNvPr id="39" name="Straight Connector 38">
-            <a:extLst>
-              <a:ext uri="{FF2B5EF4-FFF2-40B4-BE49-F238E27FC236}">
-                <a16:creationId xmlns:a16="http://schemas.microsoft.com/office/drawing/2014/main" id="{A971AC2F-35C1-BD4F-8A07-3D55A3E30B70}"/>
-              </a:ext>
-            </a:extLst>
-          </p:cNvPr>
-          <p:cNvCxnSpPr>
-            <a:cxnSpLocks/>
-          </p:cNvCxnSpPr>
-          <p:nvPr/>
-        </p:nvCxnSpPr>
-        <p:spPr>
-          <a:xfrm>
-            <a:off x="6962821" y="2449151"/>
-            <a:ext cx="0" cy="365534"/>
-          </a:xfrm>
-          <a:prstGeom prst="line">
-            <a:avLst/>
-          </a:prstGeom>
-          <a:ln w="9525" cap="flat" cmpd="sng" algn="ctr">
-            <a:solidFill>
-              <a:srgbClr val="C00000"/>
-            </a:solidFill>
-            <a:prstDash val="dash"/>
-            <a:round/>
-            <a:headEnd type="none" w="med" len="med"/>
-            <a:tailEnd type="none" w="med" len="med"/>
-          </a:ln>
-        </p:spPr>
-        <p:style>
-          <a:lnRef idx="0">
-            <a:scrgbClr r="0" g="0" b="0"/>
-          </a:lnRef>
-          <a:fillRef idx="0">
-            <a:scrgbClr r="0" g="0" b="0"/>
-          </a:fillRef>
-          <a:effectRef idx="0">
-            <a:scrgbClr r="0" g="0" b="0"/>
-          </a:effectRef>
-          <a:fontRef idx="minor">
-            <a:schemeClr val="tx1"/>
-          </a:fontRef>
-        </p:style>
-      </p:cxnSp>
-      <p:sp>
-        <p:nvSpPr>
-          <p:cNvPr id="40" name="Rectangle 39">
-            <a:extLst>
-              <a:ext uri="{FF2B5EF4-FFF2-40B4-BE49-F238E27FC236}">
-                <a16:creationId xmlns:a16="http://schemas.microsoft.com/office/drawing/2014/main" id="{A2C9CFE0-5FD7-7343-86EF-AF4B20202398}"/>
-              </a:ext>
-            </a:extLst>
-          </p:cNvPr>
-          <p:cNvSpPr/>
-          <p:nvPr/>
-        </p:nvSpPr>
-        <p:spPr>
-          <a:xfrm>
-            <a:off x="6512425" y="2753901"/>
-            <a:ext cx="798617" cy="523220"/>
-          </a:xfrm>
-          <a:prstGeom prst="rect">
-            <a:avLst/>
-          </a:prstGeom>
-        </p:spPr>
-        <p:txBody>
-          <a:bodyPr wrap="none">
-            <a:spAutoFit/>
-          </a:bodyPr>
-          <a:lstStyle/>
-          <a:p>
-            <a:pPr algn="ctr"/>
-            <a:r>
-              <a:rPr lang="en-US" sz="1400" dirty="0">
-                <a:solidFill>
-                  <a:srgbClr val="C00000"/>
-                </a:solidFill>
-                <a:latin typeface="Avenir Roman" panose="02000503020000020003" pitchFamily="2" charset="0"/>
-              </a:rPr>
-              <a:t>Ground</a:t>
-            </a:r>
-          </a:p>
-          <a:p>
-            <a:pPr algn="ctr"/>
-            <a:r>
-              <a:rPr lang="en-US" sz="1400" dirty="0">
-                <a:solidFill>
-                  <a:srgbClr val="C00000"/>
-                </a:solidFill>
-                <a:latin typeface="Avenir Roman" panose="02000503020000020003" pitchFamily="2" charset="0"/>
-              </a:rPr>
-              <a:t>truth</a:t>
-            </a:r>
-          </a:p>
-        </p:txBody>
-      </p:sp>
-      <p:cxnSp>
-        <p:nvCxnSpPr>
-          <p:cNvPr id="41" name="Straight Connector 40">
-            <a:extLst>
-              <a:ext uri="{FF2B5EF4-FFF2-40B4-BE49-F238E27FC236}">
-                <a16:creationId xmlns:a16="http://schemas.microsoft.com/office/drawing/2014/main" id="{D7233F0F-6803-3343-ACE0-2260ADD0C4B0}"/>
-              </a:ext>
-            </a:extLst>
-          </p:cNvPr>
-          <p:cNvCxnSpPr>
-            <a:cxnSpLocks/>
-          </p:cNvCxnSpPr>
-          <p:nvPr/>
-        </p:nvCxnSpPr>
-        <p:spPr>
-          <a:xfrm>
-            <a:off x="6522089" y="1555062"/>
-            <a:ext cx="0" cy="365534"/>
-          </a:xfrm>
-          <a:prstGeom prst="line">
-            <a:avLst/>
-          </a:prstGeom>
-          <a:ln w="9525" cap="flat" cmpd="sng" algn="ctr">
-            <a:solidFill>
-              <a:srgbClr val="C00000"/>
-            </a:solidFill>
-            <a:prstDash val="dash"/>
-            <a:round/>
-            <a:headEnd type="none" w="med" len="med"/>
-            <a:tailEnd type="none" w="med" len="med"/>
-          </a:ln>
-        </p:spPr>
-        <p:style>
-          <a:lnRef idx="0">
-            <a:scrgbClr r="0" g="0" b="0"/>
-          </a:lnRef>
-          <a:fillRef idx="0">
-            <a:scrgbClr r="0" g="0" b="0"/>
-          </a:fillRef>
-          <a:effectRef idx="0">
-            <a:scrgbClr r="0" g="0" b="0"/>
-          </a:effectRef>
-          <a:fontRef idx="minor">
-            <a:schemeClr val="tx1"/>
-          </a:fontRef>
-        </p:style>
-      </p:cxnSp>
-      <p:sp>
-        <p:nvSpPr>
-          <p:cNvPr id="42" name="Rectangle 41">
-            <a:extLst>
-              <a:ext uri="{FF2B5EF4-FFF2-40B4-BE49-F238E27FC236}">
-                <a16:creationId xmlns:a16="http://schemas.microsoft.com/office/drawing/2014/main" id="{55379C56-553D-1340-A872-17B8779A9D3E}"/>
-              </a:ext>
-            </a:extLst>
-          </p:cNvPr>
-          <p:cNvSpPr/>
-          <p:nvPr/>
-        </p:nvSpPr>
-        <p:spPr>
-          <a:xfrm>
-            <a:off x="6147627" y="1301882"/>
-            <a:ext cx="748924" cy="307777"/>
-          </a:xfrm>
-          <a:prstGeom prst="rect">
-            <a:avLst/>
-          </a:prstGeom>
-        </p:spPr>
-        <p:txBody>
-          <a:bodyPr wrap="none">
-            <a:spAutoFit/>
-          </a:bodyPr>
-          <a:lstStyle/>
-          <a:p>
-            <a:pPr algn="ctr"/>
-            <a:r>
-              <a:rPr lang="en-US" sz="1400" dirty="0">
-                <a:solidFill>
-                  <a:srgbClr val="C00000"/>
-                </a:solidFill>
-                <a:latin typeface="Avenir Roman" panose="02000503020000020003" pitchFamily="2" charset="0"/>
-              </a:rPr>
-              <a:t>Sum of</a:t>
-            </a:r>
-          </a:p>
-        </p:txBody>
-      </p:sp>
-      <p:sp>
-        <p:nvSpPr>
-          <p:cNvPr id="43" name="Rectangle 42">
-            <a:extLst>
-              <a:ext uri="{FF2B5EF4-FFF2-40B4-BE49-F238E27FC236}">
-                <a16:creationId xmlns:a16="http://schemas.microsoft.com/office/drawing/2014/main" id="{4B5F45AB-66B3-C349-A6E9-E2FAB20F5E98}"/>
-              </a:ext>
-            </a:extLst>
-          </p:cNvPr>
-          <p:cNvSpPr/>
-          <p:nvPr/>
-        </p:nvSpPr>
-        <p:spPr>
-          <a:xfrm>
-            <a:off x="6055176" y="1829204"/>
-            <a:ext cx="239966" cy="774485"/>
-          </a:xfrm>
-          <a:prstGeom prst="rect">
-            <a:avLst/>
-          </a:prstGeom>
-          <a:noFill/>
-          <a:ln>
-            <a:solidFill>
-              <a:srgbClr val="C00000"/>
-            </a:solidFill>
-          </a:ln>
-        </p:spPr>
-        <p:style>
-          <a:lnRef idx="2">
-            <a:schemeClr val="dk1"/>
-          </a:lnRef>
-          <a:fillRef idx="1">
-            <a:schemeClr val="lt1"/>
-          </a:fillRef>
-          <a:effectRef idx="0">
-            <a:schemeClr val="dk1"/>
-          </a:effectRef>
-          <a:fontRef idx="minor">
-            <a:schemeClr val="dk1"/>
-          </a:fontRef>
-        </p:style>
-        <p:txBody>
-          <a:bodyPr rtlCol="0" anchor="ctr"/>
-          <a:lstStyle/>
-          <a:p>
-            <a:pPr algn="ctr"/>
-            <a:endParaRPr lang="en-US"/>
-          </a:p>
-        </p:txBody>
-      </p:sp>
-      <p:cxnSp>
-        <p:nvCxnSpPr>
-          <p:cNvPr id="44" name="Straight Connector 43">
-            <a:extLst>
-              <a:ext uri="{FF2B5EF4-FFF2-40B4-BE49-F238E27FC236}">
-                <a16:creationId xmlns:a16="http://schemas.microsoft.com/office/drawing/2014/main" id="{39616C06-CD2E-3043-B296-8CAEF3EFDCF4}"/>
-              </a:ext>
-            </a:extLst>
-          </p:cNvPr>
-          <p:cNvCxnSpPr>
-            <a:cxnSpLocks/>
-            <a:endCxn id="45" idx="0"/>
-          </p:cNvCxnSpPr>
-          <p:nvPr/>
-        </p:nvCxnSpPr>
-        <p:spPr>
-          <a:xfrm flipH="1">
-            <a:off x="5624817" y="2601706"/>
-            <a:ext cx="546936" cy="280809"/>
-          </a:xfrm>
-          <a:prstGeom prst="line">
-            <a:avLst/>
-          </a:prstGeom>
-          <a:ln w="9525" cap="flat" cmpd="sng" algn="ctr">
-            <a:solidFill>
-              <a:srgbClr val="C00000"/>
-            </a:solidFill>
-            <a:prstDash val="dash"/>
-            <a:round/>
-            <a:headEnd type="none" w="med" len="med"/>
-            <a:tailEnd type="none" w="med" len="med"/>
-          </a:ln>
-        </p:spPr>
-        <p:style>
-          <a:lnRef idx="0">
-            <a:scrgbClr r="0" g="0" b="0"/>
-          </a:lnRef>
-          <a:fillRef idx="0">
-            <a:scrgbClr r="0" g="0" b="0"/>
-          </a:fillRef>
-          <a:effectRef idx="0">
-            <a:scrgbClr r="0" g="0" b="0"/>
-          </a:effectRef>
-          <a:fontRef idx="minor">
-            <a:schemeClr val="tx1"/>
-          </a:fontRef>
-        </p:style>
-      </p:cxnSp>
-      <p:sp>
-        <p:nvSpPr>
-          <p:cNvPr id="45" name="Rectangle 44">
-            <a:extLst>
-              <a:ext uri="{FF2B5EF4-FFF2-40B4-BE49-F238E27FC236}">
-                <a16:creationId xmlns:a16="http://schemas.microsoft.com/office/drawing/2014/main" id="{8AFFBB61-0BFA-3143-831D-42EC8638D935}"/>
-              </a:ext>
-            </a:extLst>
-          </p:cNvPr>
-          <p:cNvSpPr/>
-          <p:nvPr/>
-        </p:nvSpPr>
-        <p:spPr>
-          <a:xfrm>
-            <a:off x="4974639" y="2882515"/>
-            <a:ext cx="1300356" cy="307777"/>
-          </a:xfrm>
-          <a:prstGeom prst="rect">
-            <a:avLst/>
-          </a:prstGeom>
-        </p:spPr>
-        <p:txBody>
-          <a:bodyPr wrap="none">
-            <a:spAutoFit/>
-          </a:bodyPr>
-          <a:lstStyle/>
-          <a:p>
-            <a:pPr algn="ctr"/>
-            <a:r>
-              <a:rPr lang="en-US" sz="1400" dirty="0">
-                <a:solidFill>
-                  <a:srgbClr val="C00000"/>
-                </a:solidFill>
-                <a:latin typeface="Avenir Roman" panose="02000503020000020003" pitchFamily="2" charset="0"/>
-              </a:rPr>
-              <a:t>Average of…</a:t>
-            </a:r>
-          </a:p>
-        </p:txBody>
-      </p:sp>
-      <p:sp>
-        <p:nvSpPr>
-          <p:cNvPr id="47" name="Rectangle 46">
-            <a:extLst>
-              <a:ext uri="{FF2B5EF4-FFF2-40B4-BE49-F238E27FC236}">
-                <a16:creationId xmlns:a16="http://schemas.microsoft.com/office/drawing/2014/main" id="{C831ECCD-0903-364C-9679-2C1DAAF6C182}"/>
-              </a:ext>
-            </a:extLst>
-          </p:cNvPr>
-          <p:cNvSpPr/>
-          <p:nvPr/>
-        </p:nvSpPr>
-        <p:spPr>
-          <a:xfrm>
-            <a:off x="6725502" y="2023326"/>
-            <a:ext cx="1235650" cy="490950"/>
-          </a:xfrm>
-          <a:prstGeom prst="rect">
-            <a:avLst/>
-          </a:prstGeom>
-          <a:noFill/>
-          <a:ln>
-            <a:solidFill>
-              <a:schemeClr val="accent1">
-                <a:lumMod val="50000"/>
-              </a:schemeClr>
-            </a:solidFill>
-          </a:ln>
-        </p:spPr>
-        <p:style>
-          <a:lnRef idx="2">
-            <a:schemeClr val="dk1"/>
-          </a:lnRef>
-          <a:fillRef idx="1">
-            <a:schemeClr val="lt1"/>
-          </a:fillRef>
-          <a:effectRef idx="0">
-            <a:schemeClr val="dk1"/>
-          </a:effectRef>
-          <a:fontRef idx="minor">
-            <a:schemeClr val="dk1"/>
-          </a:fontRef>
-        </p:style>
-        <p:txBody>
-          <a:bodyPr rtlCol="0" anchor="ctr"/>
-          <a:lstStyle/>
-          <a:p>
-            <a:pPr algn="ctr"/>
-            <a:endParaRPr lang="en-US">
-              <a:solidFill>
-                <a:schemeClr val="accent1">
-                  <a:lumMod val="50000"/>
-                </a:schemeClr>
-              </a:solidFill>
-            </a:endParaRPr>
-          </a:p>
-        </p:txBody>
-      </p:sp>
-      <p:cxnSp>
-        <p:nvCxnSpPr>
-          <p:cNvPr id="48" name="Straight Connector 47">
-            <a:extLst>
-              <a:ext uri="{FF2B5EF4-FFF2-40B4-BE49-F238E27FC236}">
-                <a16:creationId xmlns:a16="http://schemas.microsoft.com/office/drawing/2014/main" id="{1856A8EF-F32A-694E-9611-F1F9A200AD08}"/>
-              </a:ext>
-            </a:extLst>
-          </p:cNvPr>
-          <p:cNvCxnSpPr>
-            <a:cxnSpLocks/>
-          </p:cNvCxnSpPr>
-          <p:nvPr/>
-        </p:nvCxnSpPr>
-        <p:spPr>
-          <a:xfrm flipH="1">
-            <a:off x="7961152" y="2274133"/>
-            <a:ext cx="492727" cy="0"/>
-          </a:xfrm>
-          <a:prstGeom prst="line">
-            <a:avLst/>
-          </a:prstGeom>
-          <a:ln w="9525" cap="flat" cmpd="sng" algn="ctr">
-            <a:solidFill>
-              <a:schemeClr val="accent1">
-                <a:lumMod val="50000"/>
-              </a:schemeClr>
-            </a:solidFill>
-            <a:prstDash val="dash"/>
-            <a:round/>
-            <a:headEnd type="none" w="med" len="med"/>
-            <a:tailEnd type="none" w="med" len="med"/>
-          </a:ln>
-        </p:spPr>
-        <p:style>
-          <a:lnRef idx="0">
-            <a:scrgbClr r="0" g="0" b="0"/>
-          </a:lnRef>
-          <a:fillRef idx="0">
-            <a:scrgbClr r="0" g="0" b="0"/>
-          </a:fillRef>
-          <a:effectRef idx="0">
-            <a:scrgbClr r="0" g="0" b="0"/>
-          </a:effectRef>
-          <a:fontRef idx="minor">
-            <a:schemeClr val="tx1"/>
-          </a:fontRef>
-        </p:style>
-      </p:cxnSp>
-      <p:sp>
-        <p:nvSpPr>
-          <p:cNvPr id="50" name="Rectangle 49">
-            <a:extLst>
-              <a:ext uri="{FF2B5EF4-FFF2-40B4-BE49-F238E27FC236}">
-                <a16:creationId xmlns:a16="http://schemas.microsoft.com/office/drawing/2014/main" id="{04F5F524-D940-FC4A-AA49-0D5F1552A266}"/>
-              </a:ext>
-            </a:extLst>
-          </p:cNvPr>
-          <p:cNvSpPr/>
-          <p:nvPr/>
-        </p:nvSpPr>
-        <p:spPr>
-          <a:xfrm>
-            <a:off x="8351237" y="2014557"/>
-            <a:ext cx="853118" cy="523220"/>
-          </a:xfrm>
-          <a:prstGeom prst="rect">
-            <a:avLst/>
-          </a:prstGeom>
-        </p:spPr>
-        <p:txBody>
-          <a:bodyPr wrap="none">
-            <a:spAutoFit/>
-          </a:bodyPr>
-          <a:lstStyle/>
-          <a:p>
-            <a:pPr algn="ctr"/>
-            <a:r>
-              <a:rPr lang="en-US" sz="1400" dirty="0">
-                <a:solidFill>
-                  <a:schemeClr val="accent1">
-                    <a:lumMod val="50000"/>
-                  </a:schemeClr>
-                </a:solidFill>
-                <a:latin typeface="Avenir Roman" panose="02000503020000020003" pitchFamily="2" charset="0"/>
-              </a:rPr>
-              <a:t>Squared</a:t>
-            </a:r>
-          </a:p>
-          <a:p>
-            <a:pPr algn="ctr"/>
-            <a:r>
-              <a:rPr lang="en-US" sz="1400" dirty="0">
-                <a:solidFill>
-                  <a:schemeClr val="accent1">
-                    <a:lumMod val="50000"/>
-                  </a:schemeClr>
-                </a:solidFill>
-                <a:latin typeface="Avenir Roman" panose="02000503020000020003" pitchFamily="2" charset="0"/>
-              </a:rPr>
-              <a:t>of…</a:t>
-            </a:r>
-          </a:p>
-        </p:txBody>
-      </p:sp>
-      <p:sp>
-        <p:nvSpPr>
-          <p:cNvPr id="2" name="Rectangle 1">
-            <a:extLst>
-              <a:ext uri="{FF2B5EF4-FFF2-40B4-BE49-F238E27FC236}">
-                <a16:creationId xmlns:a16="http://schemas.microsoft.com/office/drawing/2014/main" id="{E4C717CF-0B32-0D43-A659-48AADAD5F32C}"/>
-              </a:ext>
-            </a:extLst>
-          </p:cNvPr>
-          <p:cNvSpPr/>
-          <p:nvPr/>
-        </p:nvSpPr>
-        <p:spPr>
-          <a:xfrm>
-            <a:off x="7251768" y="3764849"/>
-            <a:ext cx="1285770" cy="1285770"/>
-          </a:xfrm>
-          <a:prstGeom prst="rect">
-            <a:avLst/>
-          </a:prstGeom>
-          <a:solidFill>
-            <a:srgbClr val="C00000"/>
-          </a:solidFill>
-          <a:ln>
-            <a:solidFill>
-              <a:srgbClr val="C00000"/>
-            </a:solidFill>
-          </a:ln>
-        </p:spPr>
-        <p:style>
-          <a:lnRef idx="2">
-            <a:schemeClr val="accent1">
-              <a:shade val="50000"/>
-            </a:schemeClr>
-          </a:lnRef>
-          <a:fillRef idx="1">
-            <a:schemeClr val="accent1"/>
-          </a:fillRef>
-          <a:effectRef idx="0">
-            <a:schemeClr val="accent1"/>
-          </a:effectRef>
-          <a:fontRef idx="minor">
-            <a:schemeClr val="lt1"/>
-          </a:fontRef>
-        </p:style>
-        <p:txBody>
-          <a:bodyPr rtlCol="0" anchor="ctr"/>
-          <a:lstStyle/>
-          <a:p>
-            <a:pPr algn="ctr"/>
-            <a:endParaRPr lang="en-US">
-              <a:solidFill>
-                <a:srgbClr val="C00000"/>
-              </a:solidFill>
-            </a:endParaRPr>
-          </a:p>
-        </p:txBody>
-      </p:sp>
-      <p:sp>
-        <p:nvSpPr>
-          <p:cNvPr id="31" name="Rectangle 30">
-            <a:extLst>
-              <a:ext uri="{FF2B5EF4-FFF2-40B4-BE49-F238E27FC236}">
-                <a16:creationId xmlns:a16="http://schemas.microsoft.com/office/drawing/2014/main" id="{2D98AF1A-AC44-D14A-A905-898B03C8058B}"/>
-              </a:ext>
-            </a:extLst>
-          </p:cNvPr>
-          <p:cNvSpPr/>
-          <p:nvPr/>
-        </p:nvSpPr>
-        <p:spPr>
-          <a:xfrm>
-            <a:off x="7549891" y="4189477"/>
-            <a:ext cx="671979" cy="369332"/>
-          </a:xfrm>
-          <a:prstGeom prst="rect">
-            <a:avLst/>
-          </a:prstGeom>
-        </p:spPr>
-        <p:txBody>
-          <a:bodyPr wrap="none">
-            <a:spAutoFit/>
-          </a:bodyPr>
-          <a:lstStyle/>
-          <a:p>
-            <a:r>
-              <a:rPr lang="en-US" b="1" dirty="0">
-                <a:solidFill>
-                  <a:schemeClr val="bg1"/>
-                </a:solidFill>
-                <a:latin typeface="Avenir Roman" panose="02000503020000020003" pitchFamily="2" charset="0"/>
-              </a:rPr>
-              <a:t>MSE</a:t>
-            </a:r>
-          </a:p>
-        </p:txBody>
-      </p:sp>
-      <p:sp>
-        <p:nvSpPr>
-          <p:cNvPr id="29" name="Rectangle 28">
-            <a:extLst>
-              <a:ext uri="{FF2B5EF4-FFF2-40B4-BE49-F238E27FC236}">
-                <a16:creationId xmlns:a16="http://schemas.microsoft.com/office/drawing/2014/main" id="{97FB50FB-ED0F-FE49-8D68-D78F8AAB4D36}"/>
-              </a:ext>
-            </a:extLst>
-          </p:cNvPr>
-          <p:cNvSpPr/>
-          <p:nvPr/>
-        </p:nvSpPr>
-        <p:spPr>
-          <a:xfrm>
-            <a:off x="5247469" y="542976"/>
-            <a:ext cx="2934008" cy="461665"/>
-          </a:xfrm>
-          <a:prstGeom prst="rect">
-            <a:avLst/>
-          </a:prstGeom>
-        </p:spPr>
-        <p:txBody>
-          <a:bodyPr wrap="none">
-            <a:spAutoFit/>
-          </a:bodyPr>
-          <a:lstStyle/>
-          <a:p>
-            <a:r>
-              <a:rPr lang="en-US" sz="2400" b="1" dirty="0">
-                <a:latin typeface="Avenir Black" panose="02000503020000020003" pitchFamily="2" charset="0"/>
-              </a:rPr>
-              <a:t>Mean Square Error</a:t>
-            </a:r>
-            <a:endParaRPr lang="en-US" sz="2400" dirty="0"/>
-          </a:p>
-        </p:txBody>
-      </p:sp>
-    </p:spTree>
-    <p:extLst>
-      <p:ext uri="{BB962C8B-B14F-4D97-AF65-F5344CB8AC3E}">
-        <p14:creationId xmlns:p14="http://schemas.microsoft.com/office/powerpoint/2010/main" val="220758461"/>
       </p:ext>
     </p:extLst>
   </p:cSld>

--- a/datasets/random_forest/trees_forest.pptx
+++ b/datasets/random_forest/trees_forest.pptx
@@ -11356,31 +11356,65 @@
           </a:p>
         </p:txBody>
       </p:sp>
-      <p:sp>
-        <p:nvSpPr>
-          <p:cNvPr id="3" name="Content Placeholder 2">
+      <p:pic>
+        <p:nvPicPr>
+          <p:cNvPr id="5" name="Content Placeholder 4">
             <a:extLst>
               <a:ext uri="{FF2B5EF4-FFF2-40B4-BE49-F238E27FC236}">
-                <a16:creationId xmlns:a16="http://schemas.microsoft.com/office/drawing/2014/main" id="{CCE41EB6-E450-D040-9CF2-1703E3445825}"/>
+                <a16:creationId xmlns:a16="http://schemas.microsoft.com/office/drawing/2014/main" id="{9FCE3846-A259-3240-91C0-1524DCF9BAC3}"/>
               </a:ext>
             </a:extLst>
           </p:cNvPr>
-          <p:cNvSpPr>
-            <a:spLocks noGrp="1"/>
-          </p:cNvSpPr>
+          <p:cNvPicPr>
+            <a:picLocks noGrp="1" noChangeAspect="1"/>
+          </p:cNvPicPr>
           <p:nvPr>
             <p:ph idx="1"/>
           </p:nvPr>
-        </p:nvSpPr>
-        <p:spPr/>
-        <p:txBody>
-          <a:bodyPr/>
-          <a:lstStyle/>
-          <a:p>
-            <a:endParaRPr lang="en-US"/>
-          </a:p>
-        </p:txBody>
-      </p:sp>
+        </p:nvPicPr>
+        <p:blipFill>
+          <a:blip r:embed="rId2"/>
+          <a:stretch>
+            <a:fillRect/>
+          </a:stretch>
+        </p:blipFill>
+        <p:spPr>
+          <a:xfrm>
+            <a:off x="4216400" y="2591594"/>
+            <a:ext cx="3759200" cy="2819400"/>
+          </a:xfrm>
+        </p:spPr>
+      </p:pic>
+      <p:pic>
+        <p:nvPicPr>
+          <p:cNvPr id="7" name="Picture 6">
+            <a:extLst>
+              <a:ext uri="{FF2B5EF4-FFF2-40B4-BE49-F238E27FC236}">
+                <a16:creationId xmlns:a16="http://schemas.microsoft.com/office/drawing/2014/main" id="{3B17C1B8-85AA-AB46-82D5-484AE49E8092}"/>
+              </a:ext>
+            </a:extLst>
+          </p:cNvPr>
+          <p:cNvPicPr>
+            <a:picLocks noChangeAspect="1"/>
+          </p:cNvPicPr>
+          <p:nvPr/>
+        </p:nvPicPr>
+        <p:blipFill>
+          <a:blip r:embed="rId2"/>
+          <a:stretch>
+            <a:fillRect/>
+          </a:stretch>
+        </p:blipFill>
+        <p:spPr>
+          <a:xfrm>
+            <a:off x="2814084" y="967563"/>
+            <a:ext cx="6563832" cy="4922874"/>
+          </a:xfrm>
+          <a:prstGeom prst="rect">
+            <a:avLst/>
+          </a:prstGeom>
+        </p:spPr>
+      </p:pic>
     </p:spTree>
     <p:extLst>
       <p:ext uri="{BB962C8B-B14F-4D97-AF65-F5344CB8AC3E}">
